--- a/SoS/01_SoS分科会宿題_20240111_Aチーム_kuma.pptx
+++ b/SoS/01_SoS分科会宿題_20240111_Aチーム_kuma.pptx
@@ -30574,7 +30574,7 @@
         </p:nvSpPr>
         <p:spPr>
           <a:xfrm>
-            <a:off x="4624126" y="2723477"/>
+            <a:off x="4624126" y="2605232"/>
             <a:ext cx="1494483" cy="472092"/>
           </a:xfrm>
           <a:prstGeom prst="roundRect">
@@ -30653,7 +30653,7 @@
         </p:nvSpPr>
         <p:spPr>
           <a:xfrm>
-            <a:off x="4721762" y="2784520"/>
+            <a:off x="4721762" y="2666275"/>
             <a:ext cx="1328327" cy="369332"/>
           </a:xfrm>
           <a:prstGeom prst="rect">
@@ -30723,10 +30723,10 @@
       </p:sp>
       <p:sp>
         <p:nvSpPr>
-          <p:cNvPr id="44" name="四角形: 角を丸くする 43">
-            <a:extLst>
-              <a:ext uri="{FF2B5EF4-FFF2-40B4-BE49-F238E27FC236}">
-                <a16:creationId xmlns:a16="http://schemas.microsoft.com/office/drawing/2014/main" id="{25425D26-BFBC-C34F-E3A3-D03F9FA93C7A}"/>
+          <p:cNvPr id="66" name="四角形: 角を丸くする 65">
+            <a:extLst>
+              <a:ext uri="{FF2B5EF4-FFF2-40B4-BE49-F238E27FC236}">
+                <a16:creationId xmlns:a16="http://schemas.microsoft.com/office/drawing/2014/main" id="{E1368B67-59A2-D806-77D3-2D2B90E2BB33}"/>
               </a:ext>
             </a:extLst>
           </p:cNvPr>
@@ -30735,8 +30735,8 @@
         </p:nvSpPr>
         <p:spPr>
           <a:xfrm>
-            <a:off x="801384" y="237269"/>
-            <a:ext cx="2104736" cy="474615"/>
+            <a:off x="8052148" y="2612633"/>
+            <a:ext cx="1378341" cy="472094"/>
           </a:xfrm>
           <a:prstGeom prst="roundRect">
             <a:avLst/>
@@ -30744,7 +30744,7 @@
           <a:noFill/>
           <a:ln w="38100">
             <a:solidFill>
-              <a:schemeClr val="accent2"/>
+              <a:srgbClr val="FFC000"/>
             </a:solidFill>
           </a:ln>
         </p:spPr>
@@ -30802,82 +30802,10 @@
       </p:sp>
       <p:sp>
         <p:nvSpPr>
-          <p:cNvPr id="47" name="テキスト ボックス 46">
-            <a:extLst>
-              <a:ext uri="{FF2B5EF4-FFF2-40B4-BE49-F238E27FC236}">
-                <a16:creationId xmlns:a16="http://schemas.microsoft.com/office/drawing/2014/main" id="{8789D73D-DDEF-1E91-657E-F1B3DEE04E06}"/>
-              </a:ext>
-            </a:extLst>
-          </p:cNvPr>
-          <p:cNvSpPr txBox="1"/>
-          <p:nvPr/>
-        </p:nvSpPr>
-        <p:spPr>
-          <a:xfrm>
-            <a:off x="1184338" y="289910"/>
-            <a:ext cx="1338828" cy="369332"/>
-          </a:xfrm>
-          <a:prstGeom prst="rect">
-            <a:avLst/>
-          </a:prstGeom>
-          <a:noFill/>
-        </p:spPr>
-        <p:txBody>
-          <a:bodyPr wrap="none" rtlCol="0">
-            <a:spAutoFit/>
-          </a:bodyPr>
-          <a:lstStyle/>
-          <a:p>
-            <a:pPr marL="0" marR="0" lvl="0" indent="0" algn="l" defTabSz="914400" rtl="0" eaLnBrk="1" fontAlgn="auto" latinLnBrk="0" hangingPunct="1">
-              <a:lnSpc>
-                <a:spcPct val="100000"/>
-              </a:lnSpc>
-              <a:spcBef>
-                <a:spcPts val="0"/>
-              </a:spcBef>
-              <a:spcAft>
-                <a:spcPts val="0"/>
-              </a:spcAft>
-              <a:buClrTx/>
-              <a:buSzTx/>
-              <a:buFontTx/>
-              <a:buNone/>
-              <a:tabLst/>
-              <a:defRPr/>
-            </a:pPr>
-            <a:r>
-              <a:rPr lang="ja-JP" altLang="en-US" dirty="0">
-                <a:solidFill>
-                  <a:prstClr val="black"/>
-                </a:solidFill>
-                <a:latin typeface="游ゴシック" panose="020F0502020204030204"/>
-                <a:ea typeface="游ゴシック" panose="020B0400000000000000" pitchFamily="50" charset="-128"/>
-              </a:rPr>
-              <a:t>物理フロー</a:t>
-            </a:r>
-            <a:endParaRPr kumimoji="1" lang="ja-JP" altLang="en-US" sz="1800" b="0" i="0" u="none" strike="noStrike" kern="1200" cap="none" spc="0" normalizeH="0" baseline="0" noProof="0" dirty="0">
-              <a:ln>
-                <a:noFill/>
-              </a:ln>
-              <a:solidFill>
-                <a:prstClr val="black"/>
-              </a:solidFill>
-              <a:effectLst/>
-              <a:uLnTx/>
-              <a:uFillTx/>
-              <a:latin typeface="游ゴシック" panose="020F0502020204030204"/>
-              <a:ea typeface="游ゴシック" panose="020B0400000000000000" pitchFamily="50" charset="-128"/>
-              <a:cs typeface="+mn-cs"/>
-            </a:endParaRPr>
-          </a:p>
-        </p:txBody>
-      </p:sp>
-      <p:sp>
-        <p:nvSpPr>
-          <p:cNvPr id="66" name="四角形: 角を丸くする 65">
-            <a:extLst>
-              <a:ext uri="{FF2B5EF4-FFF2-40B4-BE49-F238E27FC236}">
-                <a16:creationId xmlns:a16="http://schemas.microsoft.com/office/drawing/2014/main" id="{E1368B67-59A2-D806-77D3-2D2B90E2BB33}"/>
+          <p:cNvPr id="67" name="四角形: 角を丸くする 66">
+            <a:extLst>
+              <a:ext uri="{FF2B5EF4-FFF2-40B4-BE49-F238E27FC236}">
+                <a16:creationId xmlns:a16="http://schemas.microsoft.com/office/drawing/2014/main" id="{C36BD537-1917-E75C-E1F5-44A60747EC65}"/>
               </a:ext>
             </a:extLst>
           </p:cNvPr>
@@ -30886,8 +30814,8 @@
         </p:nvSpPr>
         <p:spPr>
           <a:xfrm>
-            <a:off x="8052148" y="2730878"/>
-            <a:ext cx="1378341" cy="472094"/>
+            <a:off x="9661850" y="2610132"/>
+            <a:ext cx="1155946" cy="474596"/>
           </a:xfrm>
           <a:prstGeom prst="roundRect">
             <a:avLst/>
@@ -30953,10 +30881,75 @@
       </p:sp>
       <p:sp>
         <p:nvSpPr>
-          <p:cNvPr id="67" name="四角形: 角を丸くする 66">
-            <a:extLst>
-              <a:ext uri="{FF2B5EF4-FFF2-40B4-BE49-F238E27FC236}">
-                <a16:creationId xmlns:a16="http://schemas.microsoft.com/office/drawing/2014/main" id="{C36BD537-1917-E75C-E1F5-44A60747EC65}"/>
+          <p:cNvPr id="74" name="テキスト ボックス 73">
+            <a:extLst>
+              <a:ext uri="{FF2B5EF4-FFF2-40B4-BE49-F238E27FC236}">
+                <a16:creationId xmlns:a16="http://schemas.microsoft.com/office/drawing/2014/main" id="{FCC799B1-8D1F-E6DA-EACC-0D80557C6323}"/>
+              </a:ext>
+            </a:extLst>
+          </p:cNvPr>
+          <p:cNvSpPr txBox="1"/>
+          <p:nvPr/>
+        </p:nvSpPr>
+        <p:spPr>
+          <a:xfrm>
+            <a:off x="9901847" y="2666275"/>
+            <a:ext cx="646331" cy="369332"/>
+          </a:xfrm>
+          <a:prstGeom prst="rect">
+            <a:avLst/>
+          </a:prstGeom>
+          <a:noFill/>
+        </p:spPr>
+        <p:txBody>
+          <a:bodyPr wrap="none" rtlCol="0">
+            <a:spAutoFit/>
+          </a:bodyPr>
+          <a:lstStyle/>
+          <a:p>
+            <a:pPr marL="0" marR="0" lvl="0" indent="0" algn="l" defTabSz="914400" rtl="0" eaLnBrk="1" fontAlgn="auto" latinLnBrk="0" hangingPunct="1">
+              <a:lnSpc>
+                <a:spcPct val="100000"/>
+              </a:lnSpc>
+              <a:spcBef>
+                <a:spcPts val="0"/>
+              </a:spcBef>
+              <a:spcAft>
+                <a:spcPts val="0"/>
+              </a:spcAft>
+              <a:buClrTx/>
+              <a:buSzTx/>
+              <a:buFontTx/>
+              <a:buNone/>
+              <a:tabLst/>
+              <a:defRPr/>
+            </a:pPr>
+            <a:r>
+              <a:rPr kumimoji="1" lang="ja-JP" altLang="en-US" sz="1800" b="0" i="0" u="none" strike="noStrike" kern="1200" cap="none" spc="0" normalizeH="0" baseline="0" noProof="0" dirty="0">
+                <a:ln>
+                  <a:noFill/>
+                </a:ln>
+                <a:solidFill>
+                  <a:prstClr val="black"/>
+                </a:solidFill>
+                <a:effectLst/>
+                <a:uLnTx/>
+                <a:uFillTx/>
+                <a:latin typeface="游ゴシック" panose="020F0502020204030204"/>
+                <a:ea typeface="游ゴシック" panose="020B0400000000000000" pitchFamily="50" charset="-128"/>
+                <a:cs typeface="+mn-cs"/>
+              </a:rPr>
+              <a:t>住宅</a:t>
+            </a:r>
+          </a:p>
+        </p:txBody>
+      </p:sp>
+      <p:sp>
+        <p:nvSpPr>
+          <p:cNvPr id="7" name="正方形/長方形 6">
+            <a:extLst>
+              <a:ext uri="{FF2B5EF4-FFF2-40B4-BE49-F238E27FC236}">
+                <a16:creationId xmlns:a16="http://schemas.microsoft.com/office/drawing/2014/main" id="{4CEE46E9-47E5-1179-69BE-12D7B9479691}"/>
               </a:ext>
             </a:extLst>
           </p:cNvPr>
@@ -30965,8 +30958,656 @@
         </p:nvSpPr>
         <p:spPr>
           <a:xfrm>
-            <a:off x="9661850" y="2728377"/>
-            <a:ext cx="1155946" cy="474596"/>
+            <a:off x="8832915" y="34764"/>
+            <a:ext cx="3275415" cy="369332"/>
+          </a:xfrm>
+          <a:prstGeom prst="rect">
+            <a:avLst/>
+          </a:prstGeom>
+        </p:spPr>
+        <p:style>
+          <a:lnRef idx="2">
+            <a:schemeClr val="accent1">
+              <a:shade val="50000"/>
+            </a:schemeClr>
+          </a:lnRef>
+          <a:fillRef idx="1">
+            <a:schemeClr val="accent1"/>
+          </a:fillRef>
+          <a:effectRef idx="0">
+            <a:schemeClr val="accent1"/>
+          </a:effectRef>
+          <a:fontRef idx="minor">
+            <a:schemeClr val="lt1"/>
+          </a:fontRef>
+        </p:style>
+        <p:txBody>
+          <a:bodyPr rtlCol="0" anchor="ctr"/>
+          <a:lstStyle/>
+          <a:p>
+            <a:pPr marL="0" marR="0" lvl="0" indent="0" algn="ctr" defTabSz="914400" rtl="0" eaLnBrk="1" fontAlgn="auto" latinLnBrk="0" hangingPunct="1">
+              <a:lnSpc>
+                <a:spcPct val="100000"/>
+              </a:lnSpc>
+              <a:spcBef>
+                <a:spcPts val="0"/>
+              </a:spcBef>
+              <a:spcAft>
+                <a:spcPts val="0"/>
+              </a:spcAft>
+              <a:buClrTx/>
+              <a:buSzTx/>
+              <a:buFontTx/>
+              <a:buNone/>
+              <a:tabLst/>
+              <a:defRPr/>
+            </a:pPr>
+            <a:r>
+              <a:rPr kumimoji="1" lang="ja-JP" altLang="en-US" sz="1800" b="0" i="0" u="none" strike="noStrike" kern="1200" cap="none" spc="0" normalizeH="0" baseline="0" noProof="0" dirty="0">
+                <a:ln>
+                  <a:noFill/>
+                </a:ln>
+                <a:solidFill>
+                  <a:prstClr val="white"/>
+                </a:solidFill>
+                <a:effectLst/>
+                <a:uLnTx/>
+                <a:uFillTx/>
+                <a:latin typeface="游ゴシック" panose="020F0502020204030204"/>
+                <a:ea typeface="游ゴシック" panose="020B0400000000000000" pitchFamily="50" charset="-128"/>
+                <a:cs typeface="+mn-cs"/>
+              </a:rPr>
+              <a:t>熊谷 </a:t>
+            </a:r>
+            <a:r>
+              <a:rPr kumimoji="1" lang="en-US" altLang="ja-JP" sz="1800" b="0" i="0" u="none" strike="noStrike" kern="1200" cap="none" spc="0" normalizeH="0" baseline="0" noProof="0" dirty="0">
+                <a:ln>
+                  <a:noFill/>
+                </a:ln>
+                <a:solidFill>
+                  <a:prstClr val="white"/>
+                </a:solidFill>
+                <a:effectLst/>
+                <a:uLnTx/>
+                <a:uFillTx/>
+                <a:latin typeface="游ゴシック" panose="020F0502020204030204"/>
+                <a:ea typeface="游ゴシック" panose="020B0400000000000000" pitchFamily="50" charset="-128"/>
+                <a:cs typeface="+mn-cs"/>
+              </a:rPr>
+              <a:t>2024/1/10 </a:t>
+            </a:r>
+            <a:r>
+              <a:rPr lang="ja-JP" altLang="en-US" dirty="0">
+                <a:solidFill>
+                  <a:prstClr val="white"/>
+                </a:solidFill>
+                <a:latin typeface="游ゴシック" panose="020F0502020204030204"/>
+                <a:ea typeface="游ゴシック" panose="020B0400000000000000" pitchFamily="50" charset="-128"/>
+              </a:rPr>
+              <a:t>作成</a:t>
+            </a:r>
+            <a:endParaRPr kumimoji="1" lang="ja-JP" altLang="en-US" sz="1800" b="0" i="0" u="none" strike="noStrike" kern="1200" cap="none" spc="0" normalizeH="0" baseline="0" noProof="0" dirty="0">
+              <a:ln>
+                <a:noFill/>
+              </a:ln>
+              <a:solidFill>
+                <a:prstClr val="white"/>
+              </a:solidFill>
+              <a:effectLst/>
+              <a:uLnTx/>
+              <a:uFillTx/>
+              <a:latin typeface="游ゴシック" panose="020F0502020204030204"/>
+              <a:ea typeface="游ゴシック" panose="020B0400000000000000" pitchFamily="50" charset="-128"/>
+              <a:cs typeface="+mn-cs"/>
+            </a:endParaRPr>
+          </a:p>
+        </p:txBody>
+      </p:sp>
+      <p:sp>
+        <p:nvSpPr>
+          <p:cNvPr id="10" name="スライド番号プレースホルダー 9">
+            <a:extLst>
+              <a:ext uri="{FF2B5EF4-FFF2-40B4-BE49-F238E27FC236}">
+                <a16:creationId xmlns:a16="http://schemas.microsoft.com/office/drawing/2014/main" id="{662ECEFE-C31A-F7EF-1CE9-7369C6E268BB}"/>
+              </a:ext>
+            </a:extLst>
+          </p:cNvPr>
+          <p:cNvSpPr>
+            <a:spLocks noGrp="1"/>
+          </p:cNvSpPr>
+          <p:nvPr>
+            <p:ph type="sldNum" sz="quarter" idx="12"/>
+          </p:nvPr>
+        </p:nvSpPr>
+        <p:spPr/>
+        <p:txBody>
+          <a:bodyPr/>
+          <a:lstStyle/>
+          <a:p>
+            <a:fld id="{77298C97-6C5F-41C4-9305-5BFAEBF3D21C}" type="slidenum">
+              <a:rPr kumimoji="1" lang="ja-JP" altLang="en-US" smtClean="0"/>
+              <a:t>11</a:t>
+            </a:fld>
+            <a:endParaRPr kumimoji="1" lang="ja-JP" altLang="en-US"/>
+          </a:p>
+        </p:txBody>
+      </p:sp>
+      <p:sp>
+        <p:nvSpPr>
+          <p:cNvPr id="97" name="テキスト ボックス 96">
+            <a:extLst>
+              <a:ext uri="{FF2B5EF4-FFF2-40B4-BE49-F238E27FC236}">
+                <a16:creationId xmlns:a16="http://schemas.microsoft.com/office/drawing/2014/main" id="{A214CE1C-D28E-5580-737A-989EBF3C79C8}"/>
+              </a:ext>
+            </a:extLst>
+          </p:cNvPr>
+          <p:cNvSpPr txBox="1"/>
+          <p:nvPr/>
+        </p:nvSpPr>
+        <p:spPr>
+          <a:xfrm>
+            <a:off x="8066906" y="2679881"/>
+            <a:ext cx="1338828" cy="369332"/>
+          </a:xfrm>
+          <a:prstGeom prst="rect">
+            <a:avLst/>
+          </a:prstGeom>
+          <a:noFill/>
+        </p:spPr>
+        <p:txBody>
+          <a:bodyPr wrap="none" rtlCol="0">
+            <a:spAutoFit/>
+          </a:bodyPr>
+          <a:lstStyle/>
+          <a:p>
+            <a:pPr marL="0" marR="0" lvl="0" indent="0" algn="l" defTabSz="914400" rtl="0" eaLnBrk="1" fontAlgn="auto" latinLnBrk="0" hangingPunct="1">
+              <a:lnSpc>
+                <a:spcPct val="100000"/>
+              </a:lnSpc>
+              <a:spcBef>
+                <a:spcPts val="0"/>
+              </a:spcBef>
+              <a:spcAft>
+                <a:spcPts val="0"/>
+              </a:spcAft>
+              <a:buClrTx/>
+              <a:buSzTx/>
+              <a:buFontTx/>
+              <a:buNone/>
+              <a:tabLst/>
+              <a:defRPr/>
+            </a:pPr>
+            <a:r>
+              <a:rPr kumimoji="1" lang="ja-JP" altLang="en-US" sz="1800" b="0" i="0" u="none" strike="noStrike" kern="1200" cap="none" spc="0" normalizeH="0" baseline="0" noProof="0" dirty="0">
+                <a:ln>
+                  <a:noFill/>
+                </a:ln>
+                <a:solidFill>
+                  <a:prstClr val="black"/>
+                </a:solidFill>
+                <a:effectLst/>
+                <a:uLnTx/>
+                <a:uFillTx/>
+                <a:latin typeface="游ゴシック" panose="020F0502020204030204"/>
+                <a:ea typeface="游ゴシック" panose="020B0400000000000000" pitchFamily="50" charset="-128"/>
+                <a:cs typeface="+mn-cs"/>
+              </a:rPr>
+              <a:t>分散型電源</a:t>
+            </a:r>
+          </a:p>
+        </p:txBody>
+      </p:sp>
+      <p:cxnSp>
+        <p:nvCxnSpPr>
+          <p:cNvPr id="46" name="直線コネクタ 45">
+            <a:extLst>
+              <a:ext uri="{FF2B5EF4-FFF2-40B4-BE49-F238E27FC236}">
+                <a16:creationId xmlns:a16="http://schemas.microsoft.com/office/drawing/2014/main" id="{29316FD3-C461-CF13-A9CE-CBD039FEB19E}"/>
+              </a:ext>
+            </a:extLst>
+          </p:cNvPr>
+          <p:cNvCxnSpPr/>
+          <p:nvPr/>
+        </p:nvCxnSpPr>
+        <p:spPr>
+          <a:xfrm>
+            <a:off x="801384" y="1874928"/>
+            <a:ext cx="10552416" cy="0"/>
+          </a:xfrm>
+          <a:prstGeom prst="line">
+            <a:avLst/>
+          </a:prstGeom>
+          <a:ln w="57150">
+            <a:solidFill>
+              <a:srgbClr val="7030A0"/>
+            </a:solidFill>
+            <a:prstDash val="dash"/>
+          </a:ln>
+        </p:spPr>
+        <p:style>
+          <a:lnRef idx="1">
+            <a:schemeClr val="accent1"/>
+          </a:lnRef>
+          <a:fillRef idx="0">
+            <a:schemeClr val="accent1"/>
+          </a:fillRef>
+          <a:effectRef idx="0">
+            <a:schemeClr val="accent1"/>
+          </a:effectRef>
+          <a:fontRef idx="minor">
+            <a:schemeClr val="tx1"/>
+          </a:fontRef>
+        </p:style>
+      </p:cxnSp>
+      <p:cxnSp>
+        <p:nvCxnSpPr>
+          <p:cNvPr id="49" name="直線コネクタ 48">
+            <a:extLst>
+              <a:ext uri="{FF2B5EF4-FFF2-40B4-BE49-F238E27FC236}">
+                <a16:creationId xmlns:a16="http://schemas.microsoft.com/office/drawing/2014/main" id="{F1762C7E-DB16-1E24-DCCA-0CE41AD44CAE}"/>
+              </a:ext>
+            </a:extLst>
+          </p:cNvPr>
+          <p:cNvCxnSpPr/>
+          <p:nvPr/>
+        </p:nvCxnSpPr>
+        <p:spPr>
+          <a:xfrm>
+            <a:off x="801384" y="1361641"/>
+            <a:ext cx="10552416" cy="0"/>
+          </a:xfrm>
+          <a:prstGeom prst="line">
+            <a:avLst/>
+          </a:prstGeom>
+          <a:ln w="57150">
+            <a:solidFill>
+              <a:schemeClr val="accent5"/>
+            </a:solidFill>
+            <a:prstDash val="dash"/>
+          </a:ln>
+        </p:spPr>
+        <p:style>
+          <a:lnRef idx="1">
+            <a:schemeClr val="accent1"/>
+          </a:lnRef>
+          <a:fillRef idx="0">
+            <a:schemeClr val="accent1"/>
+          </a:fillRef>
+          <a:effectRef idx="0">
+            <a:schemeClr val="accent1"/>
+          </a:effectRef>
+          <a:fontRef idx="minor">
+            <a:schemeClr val="tx1"/>
+          </a:fontRef>
+        </p:style>
+      </p:cxnSp>
+      <p:cxnSp>
+        <p:nvCxnSpPr>
+          <p:cNvPr id="52" name="直線コネクタ 51">
+            <a:extLst>
+              <a:ext uri="{FF2B5EF4-FFF2-40B4-BE49-F238E27FC236}">
+                <a16:creationId xmlns:a16="http://schemas.microsoft.com/office/drawing/2014/main" id="{39C87D77-0630-7767-E80C-1190570A2CA7}"/>
+              </a:ext>
+            </a:extLst>
+          </p:cNvPr>
+          <p:cNvCxnSpPr/>
+          <p:nvPr/>
+        </p:nvCxnSpPr>
+        <p:spPr>
+          <a:xfrm>
+            <a:off x="801384" y="849325"/>
+            <a:ext cx="10552416" cy="0"/>
+          </a:xfrm>
+          <a:prstGeom prst="line">
+            <a:avLst/>
+          </a:prstGeom>
+          <a:ln w="57150">
+            <a:solidFill>
+              <a:schemeClr val="accent6"/>
+            </a:solidFill>
+            <a:prstDash val="dash"/>
+          </a:ln>
+        </p:spPr>
+        <p:style>
+          <a:lnRef idx="1">
+            <a:schemeClr val="accent1"/>
+          </a:lnRef>
+          <a:fillRef idx="0">
+            <a:schemeClr val="accent1"/>
+          </a:fillRef>
+          <a:effectRef idx="0">
+            <a:schemeClr val="accent1"/>
+          </a:effectRef>
+          <a:fontRef idx="minor">
+            <a:schemeClr val="tx1"/>
+          </a:fontRef>
+        </p:style>
+      </p:cxnSp>
+      <p:cxnSp>
+        <p:nvCxnSpPr>
+          <p:cNvPr id="56" name="直線矢印コネクタ 55">
+            <a:extLst>
+              <a:ext uri="{FF2B5EF4-FFF2-40B4-BE49-F238E27FC236}">
+                <a16:creationId xmlns:a16="http://schemas.microsoft.com/office/drawing/2014/main" id="{DB639F78-F7FD-9E67-7611-24E1B2F580A3}"/>
+              </a:ext>
+            </a:extLst>
+          </p:cNvPr>
+          <p:cNvCxnSpPr>
+            <a:cxnSpLocks/>
+            <a:stCxn id="12" idx="4"/>
+            <a:endCxn id="67" idx="0"/>
+          </p:cNvCxnSpPr>
+          <p:nvPr/>
+        </p:nvCxnSpPr>
+        <p:spPr>
+          <a:xfrm flipH="1">
+            <a:off x="10239823" y="928381"/>
+            <a:ext cx="2358" cy="1681751"/>
+          </a:xfrm>
+          <a:prstGeom prst="straightConnector1">
+            <a:avLst/>
+          </a:prstGeom>
+          <a:ln w="28575">
+            <a:solidFill>
+              <a:schemeClr val="accent6"/>
+            </a:solidFill>
+            <a:prstDash val="solid"/>
+            <a:tailEnd type="triangle"/>
+          </a:ln>
+        </p:spPr>
+        <p:style>
+          <a:lnRef idx="1">
+            <a:schemeClr val="dk1"/>
+          </a:lnRef>
+          <a:fillRef idx="0">
+            <a:schemeClr val="dk1"/>
+          </a:fillRef>
+          <a:effectRef idx="0">
+            <a:schemeClr val="dk1"/>
+          </a:effectRef>
+          <a:fontRef idx="minor">
+            <a:schemeClr val="tx1"/>
+          </a:fontRef>
+        </p:style>
+      </p:cxnSp>
+      <p:cxnSp>
+        <p:nvCxnSpPr>
+          <p:cNvPr id="72" name="直線矢印コネクタ 71">
+            <a:extLst>
+              <a:ext uri="{FF2B5EF4-FFF2-40B4-BE49-F238E27FC236}">
+                <a16:creationId xmlns:a16="http://schemas.microsoft.com/office/drawing/2014/main" id="{FF905DC6-AFD2-3794-DC98-C6F4006850EF}"/>
+              </a:ext>
+            </a:extLst>
+          </p:cNvPr>
+          <p:cNvCxnSpPr>
+            <a:cxnSpLocks/>
+            <a:stCxn id="6" idx="4"/>
+            <a:endCxn id="2" idx="0"/>
+          </p:cNvCxnSpPr>
+          <p:nvPr/>
+        </p:nvCxnSpPr>
+        <p:spPr>
+          <a:xfrm flipH="1">
+            <a:off x="5371368" y="911253"/>
+            <a:ext cx="6676" cy="1693979"/>
+          </a:xfrm>
+          <a:prstGeom prst="straightConnector1">
+            <a:avLst/>
+          </a:prstGeom>
+          <a:ln w="28575">
+            <a:solidFill>
+              <a:schemeClr val="accent6"/>
+            </a:solidFill>
+            <a:prstDash val="solid"/>
+            <a:tailEnd type="triangle"/>
+          </a:ln>
+        </p:spPr>
+        <p:style>
+          <a:lnRef idx="1">
+            <a:schemeClr val="dk1"/>
+          </a:lnRef>
+          <a:fillRef idx="0">
+            <a:schemeClr val="dk1"/>
+          </a:fillRef>
+          <a:effectRef idx="0">
+            <a:schemeClr val="dk1"/>
+          </a:effectRef>
+          <a:fontRef idx="minor">
+            <a:schemeClr val="tx1"/>
+          </a:fontRef>
+        </p:style>
+      </p:cxnSp>
+      <p:cxnSp>
+        <p:nvCxnSpPr>
+          <p:cNvPr id="89" name="直線矢印コネクタ 88">
+            <a:extLst>
+              <a:ext uri="{FF2B5EF4-FFF2-40B4-BE49-F238E27FC236}">
+                <a16:creationId xmlns:a16="http://schemas.microsoft.com/office/drawing/2014/main" id="{359F5BB2-BF87-6F41-F1B0-EC5E6436B8BA}"/>
+              </a:ext>
+            </a:extLst>
+          </p:cNvPr>
+          <p:cNvCxnSpPr>
+            <a:cxnSpLocks/>
+            <a:stCxn id="66" idx="0"/>
+            <a:endCxn id="9" idx="4"/>
+          </p:cNvCxnSpPr>
+          <p:nvPr/>
+        </p:nvCxnSpPr>
+        <p:spPr>
+          <a:xfrm flipV="1">
+            <a:off x="8741319" y="919817"/>
+            <a:ext cx="2540" cy="1692816"/>
+          </a:xfrm>
+          <a:prstGeom prst="straightConnector1">
+            <a:avLst/>
+          </a:prstGeom>
+          <a:ln w="28575">
+            <a:solidFill>
+              <a:schemeClr val="accent6"/>
+            </a:solidFill>
+            <a:prstDash val="solid"/>
+            <a:tailEnd type="triangle"/>
+          </a:ln>
+        </p:spPr>
+        <p:style>
+          <a:lnRef idx="1">
+            <a:schemeClr val="dk1"/>
+          </a:lnRef>
+          <a:fillRef idx="0">
+            <a:schemeClr val="dk1"/>
+          </a:fillRef>
+          <a:effectRef idx="0">
+            <a:schemeClr val="dk1"/>
+          </a:effectRef>
+          <a:fontRef idx="minor">
+            <a:schemeClr val="tx1"/>
+          </a:fontRef>
+        </p:style>
+      </p:cxnSp>
+      <p:sp>
+        <p:nvSpPr>
+          <p:cNvPr id="6" name="楕円 5">
+            <a:extLst>
+              <a:ext uri="{FF2B5EF4-FFF2-40B4-BE49-F238E27FC236}">
+                <a16:creationId xmlns:a16="http://schemas.microsoft.com/office/drawing/2014/main" id="{B0AF04D0-69BB-8EA1-190F-DA0A61B42706}"/>
+              </a:ext>
+            </a:extLst>
+          </p:cNvPr>
+          <p:cNvSpPr/>
+          <p:nvPr/>
+        </p:nvSpPr>
+        <p:spPr>
+          <a:xfrm>
+            <a:off x="5300987" y="766266"/>
+            <a:ext cx="154113" cy="144987"/>
+          </a:xfrm>
+          <a:prstGeom prst="ellipse">
+            <a:avLst/>
+          </a:prstGeom>
+          <a:solidFill>
+            <a:schemeClr val="accent6"/>
+          </a:solidFill>
+          <a:ln>
+            <a:solidFill>
+              <a:schemeClr val="accent6">
+                <a:lumMod val="75000"/>
+              </a:schemeClr>
+            </a:solidFill>
+          </a:ln>
+        </p:spPr>
+        <p:style>
+          <a:lnRef idx="2">
+            <a:schemeClr val="accent1">
+              <a:shade val="50000"/>
+            </a:schemeClr>
+          </a:lnRef>
+          <a:fillRef idx="1">
+            <a:schemeClr val="accent1"/>
+          </a:fillRef>
+          <a:effectRef idx="0">
+            <a:schemeClr val="accent1"/>
+          </a:effectRef>
+          <a:fontRef idx="minor">
+            <a:schemeClr val="lt1"/>
+          </a:fontRef>
+        </p:style>
+        <p:txBody>
+          <a:bodyPr rtlCol="0" anchor="ctr"/>
+          <a:lstStyle/>
+          <a:p>
+            <a:pPr algn="ctr"/>
+            <a:endParaRPr kumimoji="1" lang="ja-JP" altLang="en-US"/>
+          </a:p>
+        </p:txBody>
+      </p:sp>
+      <p:sp>
+        <p:nvSpPr>
+          <p:cNvPr id="9" name="楕円 8">
+            <a:extLst>
+              <a:ext uri="{FF2B5EF4-FFF2-40B4-BE49-F238E27FC236}">
+                <a16:creationId xmlns:a16="http://schemas.microsoft.com/office/drawing/2014/main" id="{CB45CBBB-C35A-0A2F-48AC-A09AC5A77537}"/>
+              </a:ext>
+            </a:extLst>
+          </p:cNvPr>
+          <p:cNvSpPr/>
+          <p:nvPr/>
+        </p:nvSpPr>
+        <p:spPr>
+          <a:xfrm>
+            <a:off x="8666802" y="774830"/>
+            <a:ext cx="154113" cy="144987"/>
+          </a:xfrm>
+          <a:prstGeom prst="ellipse">
+            <a:avLst/>
+          </a:prstGeom>
+          <a:solidFill>
+            <a:schemeClr val="accent6"/>
+          </a:solidFill>
+          <a:ln>
+            <a:solidFill>
+              <a:schemeClr val="accent6">
+                <a:lumMod val="75000"/>
+              </a:schemeClr>
+            </a:solidFill>
+          </a:ln>
+        </p:spPr>
+        <p:style>
+          <a:lnRef idx="2">
+            <a:schemeClr val="accent1">
+              <a:shade val="50000"/>
+            </a:schemeClr>
+          </a:lnRef>
+          <a:fillRef idx="1">
+            <a:schemeClr val="accent1"/>
+          </a:fillRef>
+          <a:effectRef idx="0">
+            <a:schemeClr val="accent1"/>
+          </a:effectRef>
+          <a:fontRef idx="minor">
+            <a:schemeClr val="lt1"/>
+          </a:fontRef>
+        </p:style>
+        <p:txBody>
+          <a:bodyPr rtlCol="0" anchor="ctr"/>
+          <a:lstStyle/>
+          <a:p>
+            <a:pPr algn="ctr"/>
+            <a:endParaRPr kumimoji="1" lang="ja-JP" altLang="en-US"/>
+          </a:p>
+        </p:txBody>
+      </p:sp>
+      <p:sp>
+        <p:nvSpPr>
+          <p:cNvPr id="12" name="楕円 11">
+            <a:extLst>
+              <a:ext uri="{FF2B5EF4-FFF2-40B4-BE49-F238E27FC236}">
+                <a16:creationId xmlns:a16="http://schemas.microsoft.com/office/drawing/2014/main" id="{DB9F15AD-3D76-CA69-711A-80217548930B}"/>
+              </a:ext>
+            </a:extLst>
+          </p:cNvPr>
+          <p:cNvSpPr/>
+          <p:nvPr/>
+        </p:nvSpPr>
+        <p:spPr>
+          <a:xfrm>
+            <a:off x="10165124" y="783394"/>
+            <a:ext cx="154113" cy="144987"/>
+          </a:xfrm>
+          <a:prstGeom prst="ellipse">
+            <a:avLst/>
+          </a:prstGeom>
+          <a:solidFill>
+            <a:schemeClr val="accent6"/>
+          </a:solidFill>
+          <a:ln>
+            <a:solidFill>
+              <a:schemeClr val="accent6">
+                <a:lumMod val="75000"/>
+              </a:schemeClr>
+            </a:solidFill>
+          </a:ln>
+        </p:spPr>
+        <p:style>
+          <a:lnRef idx="2">
+            <a:schemeClr val="accent1">
+              <a:shade val="50000"/>
+            </a:schemeClr>
+          </a:lnRef>
+          <a:fillRef idx="1">
+            <a:schemeClr val="accent1"/>
+          </a:fillRef>
+          <a:effectRef idx="0">
+            <a:schemeClr val="accent1"/>
+          </a:effectRef>
+          <a:fontRef idx="minor">
+            <a:schemeClr val="lt1"/>
+          </a:fontRef>
+        </p:style>
+        <p:txBody>
+          <a:bodyPr rtlCol="0" anchor="ctr"/>
+          <a:lstStyle/>
+          <a:p>
+            <a:pPr algn="ctr"/>
+            <a:endParaRPr kumimoji="1" lang="ja-JP" altLang="en-US"/>
+          </a:p>
+        </p:txBody>
+      </p:sp>
+      <p:sp>
+        <p:nvSpPr>
+          <p:cNvPr id="15" name="四角形: 角を丸くする 14">
+            <a:extLst>
+              <a:ext uri="{FF2B5EF4-FFF2-40B4-BE49-F238E27FC236}">
+                <a16:creationId xmlns:a16="http://schemas.microsoft.com/office/drawing/2014/main" id="{31D62EBF-FBA8-01DB-EC3A-E709BAB69E29}"/>
+              </a:ext>
+            </a:extLst>
+          </p:cNvPr>
+          <p:cNvSpPr/>
+          <p:nvPr/>
+        </p:nvSpPr>
+        <p:spPr>
+          <a:xfrm>
+            <a:off x="2861217" y="2601803"/>
+            <a:ext cx="1494483" cy="472092"/>
           </a:xfrm>
           <a:prstGeom prst="roundRect">
             <a:avLst/>
@@ -30975,6 +31616,1981 @@
           <a:ln w="38100">
             <a:solidFill>
               <a:srgbClr val="FFC000"/>
+            </a:solidFill>
+          </a:ln>
+        </p:spPr>
+        <p:style>
+          <a:lnRef idx="2">
+            <a:schemeClr val="accent6"/>
+          </a:lnRef>
+          <a:fillRef idx="1">
+            <a:schemeClr val="lt1"/>
+          </a:fillRef>
+          <a:effectRef idx="0">
+            <a:schemeClr val="accent6"/>
+          </a:effectRef>
+          <a:fontRef idx="minor">
+            <a:schemeClr val="dk1"/>
+          </a:fontRef>
+        </p:style>
+        <p:txBody>
+          <a:bodyPr rtlCol="0" anchor="ctr"/>
+          <a:lstStyle/>
+          <a:p>
+            <a:pPr marL="0" marR="0" lvl="0" indent="0" algn="ctr" defTabSz="914400" rtl="0" eaLnBrk="1" fontAlgn="auto" latinLnBrk="0" hangingPunct="1">
+              <a:lnSpc>
+                <a:spcPct val="100000"/>
+              </a:lnSpc>
+              <a:spcBef>
+                <a:spcPts val="0"/>
+              </a:spcBef>
+              <a:spcAft>
+                <a:spcPts val="0"/>
+              </a:spcAft>
+              <a:buClrTx/>
+              <a:buSzTx/>
+              <a:buFontTx/>
+              <a:buNone/>
+              <a:tabLst/>
+              <a:defRPr/>
+            </a:pPr>
+            <a:endParaRPr kumimoji="1" lang="ja-JP" altLang="en-US" sz="1800" b="0" i="0" u="none" strike="noStrike" kern="1200" cap="none" spc="0" normalizeH="0" baseline="0" noProof="0" dirty="0">
+              <a:ln>
+                <a:noFill/>
+              </a:ln>
+              <a:solidFill>
+                <a:prstClr val="black"/>
+              </a:solidFill>
+              <a:effectLst/>
+              <a:uLnTx/>
+              <a:uFillTx/>
+              <a:latin typeface="游ゴシック" panose="020F0502020204030204"/>
+              <a:ea typeface="游ゴシック" panose="020B0400000000000000" pitchFamily="50" charset="-128"/>
+              <a:cs typeface="+mn-cs"/>
+            </a:endParaRPr>
+          </a:p>
+        </p:txBody>
+      </p:sp>
+      <p:sp>
+        <p:nvSpPr>
+          <p:cNvPr id="16" name="楕円 15">
+            <a:extLst>
+              <a:ext uri="{FF2B5EF4-FFF2-40B4-BE49-F238E27FC236}">
+                <a16:creationId xmlns:a16="http://schemas.microsoft.com/office/drawing/2014/main" id="{E4DDC981-4384-219F-782A-C343367DDD15}"/>
+              </a:ext>
+            </a:extLst>
+          </p:cNvPr>
+          <p:cNvSpPr/>
+          <p:nvPr/>
+        </p:nvSpPr>
+        <p:spPr>
+          <a:xfrm>
+            <a:off x="5748943" y="1807279"/>
+            <a:ext cx="154113" cy="144987"/>
+          </a:xfrm>
+          <a:prstGeom prst="ellipse">
+            <a:avLst/>
+          </a:prstGeom>
+          <a:solidFill>
+            <a:srgbClr val="7030A0"/>
+          </a:solidFill>
+          <a:ln>
+            <a:solidFill>
+              <a:srgbClr val="002060"/>
+            </a:solidFill>
+          </a:ln>
+        </p:spPr>
+        <p:style>
+          <a:lnRef idx="2">
+            <a:schemeClr val="accent1">
+              <a:shade val="50000"/>
+            </a:schemeClr>
+          </a:lnRef>
+          <a:fillRef idx="1">
+            <a:schemeClr val="accent1"/>
+          </a:fillRef>
+          <a:effectRef idx="0">
+            <a:schemeClr val="accent1"/>
+          </a:effectRef>
+          <a:fontRef idx="minor">
+            <a:schemeClr val="lt1"/>
+          </a:fontRef>
+        </p:style>
+        <p:txBody>
+          <a:bodyPr rtlCol="0" anchor="ctr"/>
+          <a:lstStyle/>
+          <a:p>
+            <a:pPr algn="ctr"/>
+            <a:endParaRPr kumimoji="1" lang="ja-JP" altLang="en-US"/>
+          </a:p>
+        </p:txBody>
+      </p:sp>
+      <p:sp>
+        <p:nvSpPr>
+          <p:cNvPr id="17" name="テキスト ボックス 16">
+            <a:extLst>
+              <a:ext uri="{FF2B5EF4-FFF2-40B4-BE49-F238E27FC236}">
+                <a16:creationId xmlns:a16="http://schemas.microsoft.com/office/drawing/2014/main" id="{681DA3D1-024B-EDE2-F175-0295E57D1EA2}"/>
+              </a:ext>
+            </a:extLst>
+          </p:cNvPr>
+          <p:cNvSpPr txBox="1"/>
+          <p:nvPr/>
+        </p:nvSpPr>
+        <p:spPr>
+          <a:xfrm>
+            <a:off x="9820956" y="427499"/>
+            <a:ext cx="1569660" cy="369332"/>
+          </a:xfrm>
+          <a:prstGeom prst="rect">
+            <a:avLst/>
+          </a:prstGeom>
+          <a:noFill/>
+        </p:spPr>
+        <p:txBody>
+          <a:bodyPr wrap="none" rtlCol="0">
+            <a:spAutoFit/>
+          </a:bodyPr>
+          <a:lstStyle/>
+          <a:p>
+            <a:pPr marL="0" marR="0" lvl="0" indent="0" algn="l" defTabSz="914400" rtl="0" eaLnBrk="1" fontAlgn="auto" latinLnBrk="0" hangingPunct="1">
+              <a:lnSpc>
+                <a:spcPct val="100000"/>
+              </a:lnSpc>
+              <a:spcBef>
+                <a:spcPts val="0"/>
+              </a:spcBef>
+              <a:spcAft>
+                <a:spcPts val="0"/>
+              </a:spcAft>
+              <a:buClrTx/>
+              <a:buSzTx/>
+              <a:buFontTx/>
+              <a:buNone/>
+              <a:tabLst/>
+              <a:defRPr/>
+            </a:pPr>
+            <a:r>
+              <a:rPr kumimoji="1" lang="ja-JP" altLang="en-US" sz="1800" b="0" i="0" u="none" strike="noStrike" kern="1200" cap="none" spc="0" normalizeH="0" baseline="0" noProof="0" dirty="0">
+                <a:ln>
+                  <a:noFill/>
+                </a:ln>
+                <a:solidFill>
+                  <a:schemeClr val="accent6"/>
+                </a:solidFill>
+                <a:effectLst/>
+                <a:uLnTx/>
+                <a:uFillTx/>
+                <a:latin typeface="游ゴシック" panose="020F0502020204030204"/>
+                <a:ea typeface="游ゴシック" panose="020B0400000000000000" pitchFamily="50" charset="-128"/>
+                <a:cs typeface="+mn-cs"/>
+              </a:rPr>
+              <a:t>グリーン電力</a:t>
+            </a:r>
+          </a:p>
+        </p:txBody>
+      </p:sp>
+      <p:sp>
+        <p:nvSpPr>
+          <p:cNvPr id="18" name="テキスト ボックス 17">
+            <a:extLst>
+              <a:ext uri="{FF2B5EF4-FFF2-40B4-BE49-F238E27FC236}">
+                <a16:creationId xmlns:a16="http://schemas.microsoft.com/office/drawing/2014/main" id="{78F6B4DA-C6BB-A3D0-443C-F7C606F1E847}"/>
+              </a:ext>
+            </a:extLst>
+          </p:cNvPr>
+          <p:cNvSpPr txBox="1"/>
+          <p:nvPr/>
+        </p:nvSpPr>
+        <p:spPr>
+          <a:xfrm>
+            <a:off x="10568970" y="1006721"/>
+            <a:ext cx="646331" cy="369332"/>
+          </a:xfrm>
+          <a:prstGeom prst="rect">
+            <a:avLst/>
+          </a:prstGeom>
+          <a:noFill/>
+        </p:spPr>
+        <p:txBody>
+          <a:bodyPr wrap="none" rtlCol="0">
+            <a:spAutoFit/>
+          </a:bodyPr>
+          <a:lstStyle/>
+          <a:p>
+            <a:pPr marL="0" marR="0" lvl="0" indent="0" algn="l" defTabSz="914400" rtl="0" eaLnBrk="1" fontAlgn="auto" latinLnBrk="0" hangingPunct="1">
+              <a:lnSpc>
+                <a:spcPct val="100000"/>
+              </a:lnSpc>
+              <a:spcBef>
+                <a:spcPts val="0"/>
+              </a:spcBef>
+              <a:spcAft>
+                <a:spcPts val="0"/>
+              </a:spcAft>
+              <a:buClrTx/>
+              <a:buSzTx/>
+              <a:buFontTx/>
+              <a:buNone/>
+              <a:tabLst/>
+              <a:defRPr/>
+            </a:pPr>
+            <a:r>
+              <a:rPr kumimoji="1" lang="ja-JP" altLang="en-US" sz="1800" b="0" i="0" u="none" strike="noStrike" kern="1200" cap="none" spc="0" normalizeH="0" baseline="0" noProof="0" dirty="0">
+                <a:ln>
+                  <a:noFill/>
+                </a:ln>
+                <a:solidFill>
+                  <a:schemeClr val="accent1"/>
+                </a:solidFill>
+                <a:effectLst/>
+                <a:uLnTx/>
+                <a:uFillTx/>
+                <a:latin typeface="游ゴシック" panose="020F0502020204030204"/>
+                <a:ea typeface="游ゴシック" panose="020B0400000000000000" pitchFamily="50" charset="-128"/>
+                <a:cs typeface="+mn-cs"/>
+              </a:rPr>
+              <a:t>水素</a:t>
+            </a:r>
+          </a:p>
+        </p:txBody>
+      </p:sp>
+      <p:sp>
+        <p:nvSpPr>
+          <p:cNvPr id="19" name="テキスト ボックス 18">
+            <a:extLst>
+              <a:ext uri="{FF2B5EF4-FFF2-40B4-BE49-F238E27FC236}">
+                <a16:creationId xmlns:a16="http://schemas.microsoft.com/office/drawing/2014/main" id="{13CB3F0C-0CE0-CD01-B909-5FFAA9E960D6}"/>
+              </a:ext>
+            </a:extLst>
+          </p:cNvPr>
+          <p:cNvSpPr txBox="1"/>
+          <p:nvPr/>
+        </p:nvSpPr>
+        <p:spPr>
+          <a:xfrm>
+            <a:off x="10568970" y="1487326"/>
+            <a:ext cx="638316" cy="369332"/>
+          </a:xfrm>
+          <a:prstGeom prst="rect">
+            <a:avLst/>
+          </a:prstGeom>
+          <a:noFill/>
+        </p:spPr>
+        <p:txBody>
+          <a:bodyPr wrap="none" rtlCol="0">
+            <a:spAutoFit/>
+          </a:bodyPr>
+          <a:lstStyle/>
+          <a:p>
+            <a:pPr marL="0" marR="0" lvl="0" indent="0" algn="l" defTabSz="914400" rtl="0" eaLnBrk="1" fontAlgn="auto" latinLnBrk="0" hangingPunct="1">
+              <a:lnSpc>
+                <a:spcPct val="100000"/>
+              </a:lnSpc>
+              <a:spcBef>
+                <a:spcPts val="0"/>
+              </a:spcBef>
+              <a:spcAft>
+                <a:spcPts val="0"/>
+              </a:spcAft>
+              <a:buClrTx/>
+              <a:buSzTx/>
+              <a:buFontTx/>
+              <a:buNone/>
+              <a:tabLst/>
+              <a:defRPr/>
+            </a:pPr>
+            <a:r>
+              <a:rPr kumimoji="1" lang="en-US" altLang="ja-JP" sz="1800" b="0" i="0" u="none" strike="noStrike" kern="1200" cap="none" spc="0" normalizeH="0" baseline="0" noProof="0" dirty="0">
+                <a:ln>
+                  <a:noFill/>
+                </a:ln>
+                <a:solidFill>
+                  <a:srgbClr val="7030A0"/>
+                </a:solidFill>
+                <a:effectLst/>
+                <a:uLnTx/>
+                <a:uFillTx/>
+                <a:latin typeface="游ゴシック" panose="020F0502020204030204"/>
+                <a:ea typeface="游ゴシック" panose="020B0400000000000000" pitchFamily="50" charset="-128"/>
+                <a:cs typeface="+mn-cs"/>
+              </a:rPr>
+              <a:t>CO2</a:t>
+            </a:r>
+            <a:endParaRPr kumimoji="1" lang="ja-JP" altLang="en-US" sz="1800" b="0" i="0" u="none" strike="noStrike" kern="1200" cap="none" spc="0" normalizeH="0" baseline="0" noProof="0" dirty="0">
+              <a:ln>
+                <a:noFill/>
+              </a:ln>
+              <a:solidFill>
+                <a:srgbClr val="7030A0"/>
+              </a:solidFill>
+              <a:effectLst/>
+              <a:uLnTx/>
+              <a:uFillTx/>
+              <a:latin typeface="游ゴシック" panose="020F0502020204030204"/>
+              <a:ea typeface="游ゴシック" panose="020B0400000000000000" pitchFamily="50" charset="-128"/>
+              <a:cs typeface="+mn-cs"/>
+            </a:endParaRPr>
+          </a:p>
+        </p:txBody>
+      </p:sp>
+      <p:sp>
+        <p:nvSpPr>
+          <p:cNvPr id="20" name="楕円 19">
+            <a:extLst>
+              <a:ext uri="{FF2B5EF4-FFF2-40B4-BE49-F238E27FC236}">
+                <a16:creationId xmlns:a16="http://schemas.microsoft.com/office/drawing/2014/main" id="{DDE81474-BE5A-6136-2ACE-F5134E71541D}"/>
+              </a:ext>
+            </a:extLst>
+          </p:cNvPr>
+          <p:cNvSpPr/>
+          <p:nvPr/>
+        </p:nvSpPr>
+        <p:spPr>
+          <a:xfrm>
+            <a:off x="3965509" y="1816924"/>
+            <a:ext cx="154113" cy="144987"/>
+          </a:xfrm>
+          <a:prstGeom prst="ellipse">
+            <a:avLst/>
+          </a:prstGeom>
+          <a:solidFill>
+            <a:srgbClr val="7030A0"/>
+          </a:solidFill>
+          <a:ln>
+            <a:solidFill>
+              <a:srgbClr val="002060"/>
+            </a:solidFill>
+          </a:ln>
+        </p:spPr>
+        <p:style>
+          <a:lnRef idx="2">
+            <a:schemeClr val="accent1">
+              <a:shade val="50000"/>
+            </a:schemeClr>
+          </a:lnRef>
+          <a:fillRef idx="1">
+            <a:schemeClr val="accent1"/>
+          </a:fillRef>
+          <a:effectRef idx="0">
+            <a:schemeClr val="accent1"/>
+          </a:effectRef>
+          <a:fontRef idx="minor">
+            <a:schemeClr val="lt1"/>
+          </a:fontRef>
+        </p:style>
+        <p:txBody>
+          <a:bodyPr rtlCol="0" anchor="ctr"/>
+          <a:lstStyle/>
+          <a:p>
+            <a:pPr algn="ctr"/>
+            <a:endParaRPr kumimoji="1" lang="ja-JP" altLang="en-US"/>
+          </a:p>
+        </p:txBody>
+      </p:sp>
+      <p:sp>
+        <p:nvSpPr>
+          <p:cNvPr id="23" name="テキスト ボックス 22">
+            <a:extLst>
+              <a:ext uri="{FF2B5EF4-FFF2-40B4-BE49-F238E27FC236}">
+                <a16:creationId xmlns:a16="http://schemas.microsoft.com/office/drawing/2014/main" id="{E54D0E4C-1D3E-B4BB-BCD3-E9DCE8471E33}"/>
+              </a:ext>
+            </a:extLst>
+          </p:cNvPr>
+          <p:cNvSpPr txBox="1"/>
+          <p:nvPr/>
+        </p:nvSpPr>
+        <p:spPr>
+          <a:xfrm>
+            <a:off x="2957474" y="2668380"/>
+            <a:ext cx="1328327" cy="369332"/>
+          </a:xfrm>
+          <a:prstGeom prst="rect">
+            <a:avLst/>
+          </a:prstGeom>
+          <a:noFill/>
+        </p:spPr>
+        <p:txBody>
+          <a:bodyPr wrap="square" rtlCol="0">
+            <a:spAutoFit/>
+          </a:bodyPr>
+          <a:lstStyle/>
+          <a:p>
+            <a:pPr marL="0" marR="0" lvl="0" indent="0" algn="ctr" defTabSz="914400" rtl="0" eaLnBrk="1" fontAlgn="auto" latinLnBrk="0" hangingPunct="1">
+              <a:lnSpc>
+                <a:spcPct val="100000"/>
+              </a:lnSpc>
+              <a:spcBef>
+                <a:spcPts val="0"/>
+              </a:spcBef>
+              <a:spcAft>
+                <a:spcPts val="0"/>
+              </a:spcAft>
+              <a:buClrTx/>
+              <a:buSzTx/>
+              <a:buFontTx/>
+              <a:buNone/>
+              <a:tabLst/>
+              <a:defRPr/>
+            </a:pPr>
+            <a:r>
+              <a:rPr kumimoji="1" lang="en-US" altLang="ja-JP" b="0" i="0" u="none" strike="noStrike" kern="1200" cap="none" spc="0" normalizeH="0" baseline="0" noProof="0" dirty="0">
+                <a:ln>
+                  <a:noFill/>
+                </a:ln>
+                <a:solidFill>
+                  <a:prstClr val="black"/>
+                </a:solidFill>
+                <a:effectLst/>
+                <a:uLnTx/>
+                <a:uFillTx/>
+                <a:latin typeface="游ゴシック" panose="020F0502020204030204"/>
+                <a:ea typeface="游ゴシック" panose="020B0400000000000000" pitchFamily="50" charset="-128"/>
+                <a:cs typeface="+mn-cs"/>
+              </a:rPr>
+              <a:t>CCU</a:t>
+            </a:r>
+          </a:p>
+        </p:txBody>
+      </p:sp>
+      <p:cxnSp>
+        <p:nvCxnSpPr>
+          <p:cNvPr id="24" name="直線矢印コネクタ 23">
+            <a:extLst>
+              <a:ext uri="{FF2B5EF4-FFF2-40B4-BE49-F238E27FC236}">
+                <a16:creationId xmlns:a16="http://schemas.microsoft.com/office/drawing/2014/main" id="{7D27ED03-25E9-630D-34AB-8ED72CCF2D2D}"/>
+              </a:ext>
+            </a:extLst>
+          </p:cNvPr>
+          <p:cNvCxnSpPr>
+            <a:cxnSpLocks/>
+            <a:endCxn id="16" idx="4"/>
+          </p:cNvCxnSpPr>
+          <p:nvPr/>
+        </p:nvCxnSpPr>
+        <p:spPr>
+          <a:xfrm flipH="1" flipV="1">
+            <a:off x="5826000" y="1952266"/>
+            <a:ext cx="8233" cy="649537"/>
+          </a:xfrm>
+          <a:prstGeom prst="straightConnector1">
+            <a:avLst/>
+          </a:prstGeom>
+          <a:ln w="28575">
+            <a:solidFill>
+              <a:srgbClr val="7030A0"/>
+            </a:solidFill>
+            <a:prstDash val="solid"/>
+            <a:tailEnd type="triangle"/>
+          </a:ln>
+        </p:spPr>
+        <p:style>
+          <a:lnRef idx="1">
+            <a:schemeClr val="dk1"/>
+          </a:lnRef>
+          <a:fillRef idx="0">
+            <a:schemeClr val="dk1"/>
+          </a:fillRef>
+          <a:effectRef idx="0">
+            <a:schemeClr val="dk1"/>
+          </a:effectRef>
+          <a:fontRef idx="minor">
+            <a:schemeClr val="tx1"/>
+          </a:fontRef>
+        </p:style>
+      </p:cxnSp>
+      <p:cxnSp>
+        <p:nvCxnSpPr>
+          <p:cNvPr id="28" name="直線矢印コネクタ 27">
+            <a:extLst>
+              <a:ext uri="{FF2B5EF4-FFF2-40B4-BE49-F238E27FC236}">
+                <a16:creationId xmlns:a16="http://schemas.microsoft.com/office/drawing/2014/main" id="{59BB667D-14E7-7457-EC7D-5DA8B5BCAAC4}"/>
+              </a:ext>
+            </a:extLst>
+          </p:cNvPr>
+          <p:cNvCxnSpPr>
+            <a:cxnSpLocks/>
+            <a:stCxn id="20" idx="4"/>
+          </p:cNvCxnSpPr>
+          <p:nvPr/>
+        </p:nvCxnSpPr>
+        <p:spPr>
+          <a:xfrm flipH="1">
+            <a:off x="4042565" y="1961911"/>
+            <a:ext cx="1" cy="603709"/>
+          </a:xfrm>
+          <a:prstGeom prst="straightConnector1">
+            <a:avLst/>
+          </a:prstGeom>
+          <a:ln w="28575">
+            <a:solidFill>
+              <a:srgbClr val="7030A0"/>
+            </a:solidFill>
+            <a:prstDash val="solid"/>
+            <a:tailEnd type="triangle"/>
+          </a:ln>
+        </p:spPr>
+        <p:style>
+          <a:lnRef idx="1">
+            <a:schemeClr val="dk1"/>
+          </a:lnRef>
+          <a:fillRef idx="0">
+            <a:schemeClr val="dk1"/>
+          </a:fillRef>
+          <a:effectRef idx="0">
+            <a:schemeClr val="dk1"/>
+          </a:effectRef>
+          <a:fontRef idx="minor">
+            <a:schemeClr val="tx1"/>
+          </a:fontRef>
+        </p:style>
+      </p:cxnSp>
+      <p:sp>
+        <p:nvSpPr>
+          <p:cNvPr id="33" name="楕円 32">
+            <a:extLst>
+              <a:ext uri="{FF2B5EF4-FFF2-40B4-BE49-F238E27FC236}">
+                <a16:creationId xmlns:a16="http://schemas.microsoft.com/office/drawing/2014/main" id="{A9ABA34D-713A-409B-FF7F-70B9B1F35FB7}"/>
+              </a:ext>
+            </a:extLst>
+          </p:cNvPr>
+          <p:cNvSpPr/>
+          <p:nvPr/>
+        </p:nvSpPr>
+        <p:spPr>
+          <a:xfrm>
+            <a:off x="4853380" y="1283716"/>
+            <a:ext cx="154113" cy="144987"/>
+          </a:xfrm>
+          <a:prstGeom prst="ellipse">
+            <a:avLst/>
+          </a:prstGeom>
+          <a:solidFill>
+            <a:schemeClr val="accent1"/>
+          </a:solidFill>
+          <a:ln>
+            <a:solidFill>
+              <a:schemeClr val="accent1">
+                <a:lumMod val="75000"/>
+              </a:schemeClr>
+            </a:solidFill>
+          </a:ln>
+        </p:spPr>
+        <p:style>
+          <a:lnRef idx="2">
+            <a:schemeClr val="accent1">
+              <a:shade val="50000"/>
+            </a:schemeClr>
+          </a:lnRef>
+          <a:fillRef idx="1">
+            <a:schemeClr val="accent1"/>
+          </a:fillRef>
+          <a:effectRef idx="0">
+            <a:schemeClr val="accent1"/>
+          </a:effectRef>
+          <a:fontRef idx="minor">
+            <a:schemeClr val="lt1"/>
+          </a:fontRef>
+        </p:style>
+        <p:txBody>
+          <a:bodyPr rtlCol="0" anchor="ctr"/>
+          <a:lstStyle/>
+          <a:p>
+            <a:pPr algn="ctr"/>
+            <a:endParaRPr kumimoji="1" lang="ja-JP" altLang="en-US"/>
+          </a:p>
+        </p:txBody>
+      </p:sp>
+      <p:sp>
+        <p:nvSpPr>
+          <p:cNvPr id="34" name="楕円 33">
+            <a:extLst>
+              <a:ext uri="{FF2B5EF4-FFF2-40B4-BE49-F238E27FC236}">
+                <a16:creationId xmlns:a16="http://schemas.microsoft.com/office/drawing/2014/main" id="{456EE4AA-ABD0-27D6-22A8-8D25246984E4}"/>
+              </a:ext>
+            </a:extLst>
+          </p:cNvPr>
+          <p:cNvSpPr/>
+          <p:nvPr/>
+        </p:nvSpPr>
+        <p:spPr>
+          <a:xfrm>
+            <a:off x="3090491" y="1293361"/>
+            <a:ext cx="154113" cy="144987"/>
+          </a:xfrm>
+          <a:prstGeom prst="ellipse">
+            <a:avLst/>
+          </a:prstGeom>
+          <a:solidFill>
+            <a:schemeClr val="accent1"/>
+          </a:solidFill>
+          <a:ln>
+            <a:solidFill>
+              <a:schemeClr val="accent1">
+                <a:lumMod val="75000"/>
+              </a:schemeClr>
+            </a:solidFill>
+          </a:ln>
+        </p:spPr>
+        <p:style>
+          <a:lnRef idx="2">
+            <a:schemeClr val="accent1">
+              <a:shade val="50000"/>
+            </a:schemeClr>
+          </a:lnRef>
+          <a:fillRef idx="1">
+            <a:schemeClr val="accent1"/>
+          </a:fillRef>
+          <a:effectRef idx="0">
+            <a:schemeClr val="accent1"/>
+          </a:effectRef>
+          <a:fontRef idx="minor">
+            <a:schemeClr val="lt1"/>
+          </a:fontRef>
+        </p:style>
+        <p:txBody>
+          <a:bodyPr rtlCol="0" anchor="ctr"/>
+          <a:lstStyle/>
+          <a:p>
+            <a:pPr algn="ctr"/>
+            <a:endParaRPr kumimoji="1" lang="ja-JP" altLang="en-US"/>
+          </a:p>
+        </p:txBody>
+      </p:sp>
+      <p:cxnSp>
+        <p:nvCxnSpPr>
+          <p:cNvPr id="37" name="直線矢印コネクタ 36">
+            <a:extLst>
+              <a:ext uri="{FF2B5EF4-FFF2-40B4-BE49-F238E27FC236}">
+                <a16:creationId xmlns:a16="http://schemas.microsoft.com/office/drawing/2014/main" id="{53FAE3B1-C272-84EC-68D1-57DCEA6CA44A}"/>
+              </a:ext>
+            </a:extLst>
+          </p:cNvPr>
+          <p:cNvCxnSpPr>
+            <a:cxnSpLocks/>
+            <a:stCxn id="34" idx="4"/>
+          </p:cNvCxnSpPr>
+          <p:nvPr/>
+        </p:nvCxnSpPr>
+        <p:spPr>
+          <a:xfrm>
+            <a:off x="3167548" y="1438348"/>
+            <a:ext cx="0" cy="1171784"/>
+          </a:xfrm>
+          <a:prstGeom prst="straightConnector1">
+            <a:avLst/>
+          </a:prstGeom>
+          <a:ln w="28575">
+            <a:solidFill>
+              <a:schemeClr val="accent1"/>
+            </a:solidFill>
+            <a:prstDash val="solid"/>
+            <a:tailEnd type="triangle"/>
+          </a:ln>
+        </p:spPr>
+        <p:style>
+          <a:lnRef idx="1">
+            <a:schemeClr val="dk1"/>
+          </a:lnRef>
+          <a:fillRef idx="0">
+            <a:schemeClr val="dk1"/>
+          </a:fillRef>
+          <a:effectRef idx="0">
+            <a:schemeClr val="dk1"/>
+          </a:effectRef>
+          <a:fontRef idx="minor">
+            <a:schemeClr val="tx1"/>
+          </a:fontRef>
+        </p:style>
+      </p:cxnSp>
+      <p:cxnSp>
+        <p:nvCxnSpPr>
+          <p:cNvPr id="41" name="直線矢印コネクタ 40">
+            <a:extLst>
+              <a:ext uri="{FF2B5EF4-FFF2-40B4-BE49-F238E27FC236}">
+                <a16:creationId xmlns:a16="http://schemas.microsoft.com/office/drawing/2014/main" id="{52DA6C96-49E1-797A-DB78-42440A46F021}"/>
+              </a:ext>
+            </a:extLst>
+          </p:cNvPr>
+          <p:cNvCxnSpPr>
+            <a:cxnSpLocks/>
+            <a:endCxn id="33" idx="4"/>
+          </p:cNvCxnSpPr>
+          <p:nvPr/>
+        </p:nvCxnSpPr>
+        <p:spPr>
+          <a:xfrm flipV="1">
+            <a:off x="4930437" y="1428703"/>
+            <a:ext cx="0" cy="1145086"/>
+          </a:xfrm>
+          <a:prstGeom prst="straightConnector1">
+            <a:avLst/>
+          </a:prstGeom>
+          <a:ln w="28575">
+            <a:solidFill>
+              <a:schemeClr val="accent1"/>
+            </a:solidFill>
+            <a:prstDash val="solid"/>
+            <a:tailEnd type="triangle"/>
+          </a:ln>
+        </p:spPr>
+        <p:style>
+          <a:lnRef idx="1">
+            <a:schemeClr val="dk1"/>
+          </a:lnRef>
+          <a:fillRef idx="0">
+            <a:schemeClr val="dk1"/>
+          </a:fillRef>
+          <a:effectRef idx="0">
+            <a:schemeClr val="dk1"/>
+          </a:effectRef>
+          <a:fontRef idx="minor">
+            <a:schemeClr val="tx1"/>
+          </a:fontRef>
+        </p:style>
+      </p:cxnSp>
+      <p:sp>
+        <p:nvSpPr>
+          <p:cNvPr id="51" name="四角形: 角を丸くする 50">
+            <a:extLst>
+              <a:ext uri="{FF2B5EF4-FFF2-40B4-BE49-F238E27FC236}">
+                <a16:creationId xmlns:a16="http://schemas.microsoft.com/office/drawing/2014/main" id="{BBF1598A-1758-C526-93F2-ECFF7B28D0B2}"/>
+              </a:ext>
+            </a:extLst>
+          </p:cNvPr>
+          <p:cNvSpPr/>
+          <p:nvPr/>
+        </p:nvSpPr>
+        <p:spPr>
+          <a:xfrm>
+            <a:off x="821338" y="2601803"/>
+            <a:ext cx="843596" cy="472092"/>
+          </a:xfrm>
+          <a:prstGeom prst="roundRect">
+            <a:avLst/>
+          </a:prstGeom>
+          <a:noFill/>
+          <a:ln w="38100">
+            <a:solidFill>
+              <a:srgbClr val="0070C0"/>
+            </a:solidFill>
+          </a:ln>
+        </p:spPr>
+        <p:style>
+          <a:lnRef idx="2">
+            <a:schemeClr val="accent6"/>
+          </a:lnRef>
+          <a:fillRef idx="1">
+            <a:schemeClr val="lt1"/>
+          </a:fillRef>
+          <a:effectRef idx="0">
+            <a:schemeClr val="accent6"/>
+          </a:effectRef>
+          <a:fontRef idx="minor">
+            <a:schemeClr val="dk1"/>
+          </a:fontRef>
+        </p:style>
+        <p:txBody>
+          <a:bodyPr rtlCol="0" anchor="ctr"/>
+          <a:lstStyle/>
+          <a:p>
+            <a:pPr marL="0" marR="0" lvl="0" indent="0" algn="ctr" defTabSz="914400" rtl="0" eaLnBrk="1" fontAlgn="auto" latinLnBrk="0" hangingPunct="1">
+              <a:lnSpc>
+                <a:spcPct val="100000"/>
+              </a:lnSpc>
+              <a:spcBef>
+                <a:spcPts val="0"/>
+              </a:spcBef>
+              <a:spcAft>
+                <a:spcPts val="0"/>
+              </a:spcAft>
+              <a:buClrTx/>
+              <a:buSzTx/>
+              <a:buFontTx/>
+              <a:buNone/>
+              <a:tabLst/>
+              <a:defRPr/>
+            </a:pPr>
+            <a:endParaRPr kumimoji="1" lang="ja-JP" altLang="en-US" sz="1800" b="0" i="0" u="none" strike="noStrike" kern="1200" cap="none" spc="0" normalizeH="0" baseline="0" noProof="0" dirty="0">
+              <a:ln>
+                <a:noFill/>
+              </a:ln>
+              <a:solidFill>
+                <a:prstClr val="black"/>
+              </a:solidFill>
+              <a:effectLst/>
+              <a:uLnTx/>
+              <a:uFillTx/>
+              <a:latin typeface="游ゴシック" panose="020F0502020204030204"/>
+              <a:ea typeface="游ゴシック" panose="020B0400000000000000" pitchFamily="50" charset="-128"/>
+              <a:cs typeface="+mn-cs"/>
+            </a:endParaRPr>
+          </a:p>
+        </p:txBody>
+      </p:sp>
+      <p:sp>
+        <p:nvSpPr>
+          <p:cNvPr id="53" name="テキスト ボックス 52">
+            <a:extLst>
+              <a:ext uri="{FF2B5EF4-FFF2-40B4-BE49-F238E27FC236}">
+                <a16:creationId xmlns:a16="http://schemas.microsoft.com/office/drawing/2014/main" id="{1301EAE3-9A6F-BF7F-7D79-CFE0B423D686}"/>
+              </a:ext>
+            </a:extLst>
+          </p:cNvPr>
+          <p:cNvSpPr txBox="1"/>
+          <p:nvPr/>
+        </p:nvSpPr>
+        <p:spPr>
+          <a:xfrm>
+            <a:off x="854343" y="2676549"/>
+            <a:ext cx="749805" cy="369332"/>
+          </a:xfrm>
+          <a:prstGeom prst="rect">
+            <a:avLst/>
+          </a:prstGeom>
+          <a:noFill/>
+        </p:spPr>
+        <p:txBody>
+          <a:bodyPr wrap="square" rtlCol="0">
+            <a:spAutoFit/>
+          </a:bodyPr>
+          <a:lstStyle/>
+          <a:p>
+            <a:pPr marL="0" marR="0" lvl="0" indent="0" algn="ctr" defTabSz="914400" rtl="0" eaLnBrk="1" fontAlgn="auto" latinLnBrk="0" hangingPunct="1">
+              <a:lnSpc>
+                <a:spcPct val="100000"/>
+              </a:lnSpc>
+              <a:spcBef>
+                <a:spcPts val="0"/>
+              </a:spcBef>
+              <a:spcAft>
+                <a:spcPts val="0"/>
+              </a:spcAft>
+              <a:buClrTx/>
+              <a:buSzTx/>
+              <a:buFontTx/>
+              <a:buNone/>
+              <a:tabLst/>
+              <a:defRPr/>
+            </a:pPr>
+            <a:r>
+              <a:rPr lang="en-US" altLang="ja-JP" dirty="0">
+                <a:solidFill>
+                  <a:prstClr val="black"/>
+                </a:solidFill>
+                <a:latin typeface="游ゴシック" panose="020F0502020204030204"/>
+                <a:ea typeface="游ゴシック" panose="020B0400000000000000" pitchFamily="50" charset="-128"/>
+              </a:rPr>
+              <a:t>CCS</a:t>
+            </a:r>
+          </a:p>
+        </p:txBody>
+      </p:sp>
+      <p:sp>
+        <p:nvSpPr>
+          <p:cNvPr id="61" name="楕円 60">
+            <a:extLst>
+              <a:ext uri="{FF2B5EF4-FFF2-40B4-BE49-F238E27FC236}">
+                <a16:creationId xmlns:a16="http://schemas.microsoft.com/office/drawing/2014/main" id="{773DFE68-9CD3-64A2-987C-FEF0096BCCC4}"/>
+              </a:ext>
+            </a:extLst>
+          </p:cNvPr>
+          <p:cNvSpPr/>
+          <p:nvPr/>
+        </p:nvSpPr>
+        <p:spPr>
+          <a:xfrm>
+            <a:off x="1158400" y="1825093"/>
+            <a:ext cx="154113" cy="144987"/>
+          </a:xfrm>
+          <a:prstGeom prst="ellipse">
+            <a:avLst/>
+          </a:prstGeom>
+          <a:solidFill>
+            <a:srgbClr val="7030A0"/>
+          </a:solidFill>
+          <a:ln>
+            <a:solidFill>
+              <a:srgbClr val="002060"/>
+            </a:solidFill>
+          </a:ln>
+        </p:spPr>
+        <p:style>
+          <a:lnRef idx="2">
+            <a:schemeClr val="accent1">
+              <a:shade val="50000"/>
+            </a:schemeClr>
+          </a:lnRef>
+          <a:fillRef idx="1">
+            <a:schemeClr val="accent1"/>
+          </a:fillRef>
+          <a:effectRef idx="0">
+            <a:schemeClr val="accent1"/>
+          </a:effectRef>
+          <a:fontRef idx="minor">
+            <a:schemeClr val="lt1"/>
+          </a:fontRef>
+        </p:style>
+        <p:txBody>
+          <a:bodyPr rtlCol="0" anchor="ctr"/>
+          <a:lstStyle/>
+          <a:p>
+            <a:pPr algn="ctr"/>
+            <a:endParaRPr kumimoji="1" lang="ja-JP" altLang="en-US"/>
+          </a:p>
+        </p:txBody>
+      </p:sp>
+      <p:cxnSp>
+        <p:nvCxnSpPr>
+          <p:cNvPr id="62" name="直線矢印コネクタ 61">
+            <a:extLst>
+              <a:ext uri="{FF2B5EF4-FFF2-40B4-BE49-F238E27FC236}">
+                <a16:creationId xmlns:a16="http://schemas.microsoft.com/office/drawing/2014/main" id="{0133FEE7-9D60-A46A-276B-C40DD2BB5814}"/>
+              </a:ext>
+            </a:extLst>
+          </p:cNvPr>
+          <p:cNvCxnSpPr>
+            <a:cxnSpLocks/>
+            <a:stCxn id="61" idx="4"/>
+          </p:cNvCxnSpPr>
+          <p:nvPr/>
+        </p:nvCxnSpPr>
+        <p:spPr>
+          <a:xfrm flipH="1">
+            <a:off x="1235456" y="1970080"/>
+            <a:ext cx="1" cy="603709"/>
+          </a:xfrm>
+          <a:prstGeom prst="straightConnector1">
+            <a:avLst/>
+          </a:prstGeom>
+          <a:ln w="28575">
+            <a:solidFill>
+              <a:srgbClr val="7030A0"/>
+            </a:solidFill>
+            <a:prstDash val="solid"/>
+            <a:tailEnd type="triangle"/>
+          </a:ln>
+        </p:spPr>
+        <p:style>
+          <a:lnRef idx="1">
+            <a:schemeClr val="dk1"/>
+          </a:lnRef>
+          <a:fillRef idx="0">
+            <a:schemeClr val="dk1"/>
+          </a:fillRef>
+          <a:effectRef idx="0">
+            <a:schemeClr val="dk1"/>
+          </a:effectRef>
+          <a:fontRef idx="minor">
+            <a:schemeClr val="tx1"/>
+          </a:fontRef>
+        </p:style>
+      </p:cxnSp>
+      <p:sp>
+        <p:nvSpPr>
+          <p:cNvPr id="63" name="四角形: 角を丸くする 62">
+            <a:extLst>
+              <a:ext uri="{FF2B5EF4-FFF2-40B4-BE49-F238E27FC236}">
+                <a16:creationId xmlns:a16="http://schemas.microsoft.com/office/drawing/2014/main" id="{AF80CCA6-CC9A-7323-ACDE-6AA856F826D8}"/>
+              </a:ext>
+            </a:extLst>
+          </p:cNvPr>
+          <p:cNvSpPr/>
+          <p:nvPr/>
+        </p:nvSpPr>
+        <p:spPr>
+          <a:xfrm>
+            <a:off x="1796181" y="2612077"/>
+            <a:ext cx="843596" cy="472092"/>
+          </a:xfrm>
+          <a:prstGeom prst="roundRect">
+            <a:avLst/>
+          </a:prstGeom>
+          <a:noFill/>
+          <a:ln w="38100">
+            <a:solidFill>
+              <a:srgbClr val="0070C0"/>
+            </a:solidFill>
+          </a:ln>
+        </p:spPr>
+        <p:style>
+          <a:lnRef idx="2">
+            <a:schemeClr val="accent6"/>
+          </a:lnRef>
+          <a:fillRef idx="1">
+            <a:schemeClr val="lt1"/>
+          </a:fillRef>
+          <a:effectRef idx="0">
+            <a:schemeClr val="accent6"/>
+          </a:effectRef>
+          <a:fontRef idx="minor">
+            <a:schemeClr val="dk1"/>
+          </a:fontRef>
+        </p:style>
+        <p:txBody>
+          <a:bodyPr rtlCol="0" anchor="ctr"/>
+          <a:lstStyle/>
+          <a:p>
+            <a:pPr marL="0" marR="0" lvl="0" indent="0" algn="ctr" defTabSz="914400" rtl="0" eaLnBrk="1" fontAlgn="auto" latinLnBrk="0" hangingPunct="1">
+              <a:lnSpc>
+                <a:spcPct val="100000"/>
+              </a:lnSpc>
+              <a:spcBef>
+                <a:spcPts val="0"/>
+              </a:spcBef>
+              <a:spcAft>
+                <a:spcPts val="0"/>
+              </a:spcAft>
+              <a:buClrTx/>
+              <a:buSzTx/>
+              <a:buFontTx/>
+              <a:buNone/>
+              <a:tabLst/>
+              <a:defRPr/>
+            </a:pPr>
+            <a:endParaRPr kumimoji="1" lang="ja-JP" altLang="en-US" sz="1800" b="0" i="0" u="none" strike="noStrike" kern="1200" cap="none" spc="0" normalizeH="0" baseline="0" noProof="0" dirty="0">
+              <a:ln>
+                <a:noFill/>
+              </a:ln>
+              <a:solidFill>
+                <a:prstClr val="black"/>
+              </a:solidFill>
+              <a:effectLst/>
+              <a:uLnTx/>
+              <a:uFillTx/>
+              <a:latin typeface="游ゴシック" panose="020F0502020204030204"/>
+              <a:ea typeface="游ゴシック" panose="020B0400000000000000" pitchFamily="50" charset="-128"/>
+              <a:cs typeface="+mn-cs"/>
+            </a:endParaRPr>
+          </a:p>
+        </p:txBody>
+      </p:sp>
+      <p:sp>
+        <p:nvSpPr>
+          <p:cNvPr id="64" name="テキスト ボックス 63">
+            <a:extLst>
+              <a:ext uri="{FF2B5EF4-FFF2-40B4-BE49-F238E27FC236}">
+                <a16:creationId xmlns:a16="http://schemas.microsoft.com/office/drawing/2014/main" id="{7F43B136-4C01-1809-B6DA-3B6609726685}"/>
+              </a:ext>
+            </a:extLst>
+          </p:cNvPr>
+          <p:cNvSpPr txBox="1"/>
+          <p:nvPr/>
+        </p:nvSpPr>
+        <p:spPr>
+          <a:xfrm>
+            <a:off x="1829186" y="2686823"/>
+            <a:ext cx="749805" cy="369332"/>
+          </a:xfrm>
+          <a:prstGeom prst="rect">
+            <a:avLst/>
+          </a:prstGeom>
+          <a:noFill/>
+        </p:spPr>
+        <p:txBody>
+          <a:bodyPr wrap="square" rtlCol="0">
+            <a:spAutoFit/>
+          </a:bodyPr>
+          <a:lstStyle/>
+          <a:p>
+            <a:pPr marL="0" marR="0" lvl="0" indent="0" algn="ctr" defTabSz="914400" rtl="0" eaLnBrk="1" fontAlgn="auto" latinLnBrk="0" hangingPunct="1">
+              <a:lnSpc>
+                <a:spcPct val="100000"/>
+              </a:lnSpc>
+              <a:spcBef>
+                <a:spcPts val="0"/>
+              </a:spcBef>
+              <a:spcAft>
+                <a:spcPts val="0"/>
+              </a:spcAft>
+              <a:buClrTx/>
+              <a:buSzTx/>
+              <a:buFontTx/>
+              <a:buNone/>
+              <a:tabLst/>
+              <a:defRPr/>
+            </a:pPr>
+            <a:r>
+              <a:rPr lang="ja-JP" altLang="en-US" dirty="0">
+                <a:solidFill>
+                  <a:prstClr val="black"/>
+                </a:solidFill>
+                <a:latin typeface="游ゴシック" panose="020F0502020204030204"/>
+                <a:ea typeface="游ゴシック" panose="020B0400000000000000" pitchFamily="50" charset="-128"/>
+              </a:rPr>
+              <a:t>輸送</a:t>
+            </a:r>
+            <a:endParaRPr lang="en-US" altLang="ja-JP" dirty="0">
+              <a:solidFill>
+                <a:prstClr val="black"/>
+              </a:solidFill>
+              <a:latin typeface="游ゴシック" panose="020F0502020204030204"/>
+              <a:ea typeface="游ゴシック" panose="020B0400000000000000" pitchFamily="50" charset="-128"/>
+            </a:endParaRPr>
+          </a:p>
+        </p:txBody>
+      </p:sp>
+      <p:sp>
+        <p:nvSpPr>
+          <p:cNvPr id="65" name="楕円 64">
+            <a:extLst>
+              <a:ext uri="{FF2B5EF4-FFF2-40B4-BE49-F238E27FC236}">
+                <a16:creationId xmlns:a16="http://schemas.microsoft.com/office/drawing/2014/main" id="{6209AD02-10AA-361A-5520-6E74D13DC164}"/>
+              </a:ext>
+            </a:extLst>
+          </p:cNvPr>
+          <p:cNvSpPr/>
+          <p:nvPr/>
+        </p:nvSpPr>
+        <p:spPr>
+          <a:xfrm>
+            <a:off x="2143557" y="1301924"/>
+            <a:ext cx="154113" cy="144987"/>
+          </a:xfrm>
+          <a:prstGeom prst="ellipse">
+            <a:avLst/>
+          </a:prstGeom>
+          <a:solidFill>
+            <a:schemeClr val="accent1"/>
+          </a:solidFill>
+          <a:ln>
+            <a:solidFill>
+              <a:schemeClr val="accent1">
+                <a:lumMod val="75000"/>
+              </a:schemeClr>
+            </a:solidFill>
+          </a:ln>
+        </p:spPr>
+        <p:style>
+          <a:lnRef idx="2">
+            <a:schemeClr val="accent1">
+              <a:shade val="50000"/>
+            </a:schemeClr>
+          </a:lnRef>
+          <a:fillRef idx="1">
+            <a:schemeClr val="accent1"/>
+          </a:fillRef>
+          <a:effectRef idx="0">
+            <a:schemeClr val="accent1"/>
+          </a:effectRef>
+          <a:fontRef idx="minor">
+            <a:schemeClr val="lt1"/>
+          </a:fontRef>
+        </p:style>
+        <p:txBody>
+          <a:bodyPr rtlCol="0" anchor="ctr"/>
+          <a:lstStyle/>
+          <a:p>
+            <a:pPr algn="ctr"/>
+            <a:endParaRPr kumimoji="1" lang="ja-JP" altLang="en-US"/>
+          </a:p>
+        </p:txBody>
+      </p:sp>
+      <p:cxnSp>
+        <p:nvCxnSpPr>
+          <p:cNvPr id="68" name="直線矢印コネクタ 67">
+            <a:extLst>
+              <a:ext uri="{FF2B5EF4-FFF2-40B4-BE49-F238E27FC236}">
+                <a16:creationId xmlns:a16="http://schemas.microsoft.com/office/drawing/2014/main" id="{23A12591-848C-B10F-730E-828B6831A2F9}"/>
+              </a:ext>
+            </a:extLst>
+          </p:cNvPr>
+          <p:cNvCxnSpPr>
+            <a:cxnSpLocks/>
+            <a:stCxn id="63" idx="0"/>
+          </p:cNvCxnSpPr>
+          <p:nvPr/>
+        </p:nvCxnSpPr>
+        <p:spPr>
+          <a:xfrm flipV="1">
+            <a:off x="2217979" y="1352315"/>
+            <a:ext cx="2635" cy="1259762"/>
+          </a:xfrm>
+          <a:prstGeom prst="straightConnector1">
+            <a:avLst/>
+          </a:prstGeom>
+          <a:ln w="28575">
+            <a:solidFill>
+              <a:schemeClr val="accent1"/>
+            </a:solidFill>
+            <a:prstDash val="solid"/>
+            <a:tailEnd type="triangle"/>
+          </a:ln>
+        </p:spPr>
+        <p:style>
+          <a:lnRef idx="1">
+            <a:schemeClr val="dk1"/>
+          </a:lnRef>
+          <a:fillRef idx="0">
+            <a:schemeClr val="dk1"/>
+          </a:fillRef>
+          <a:effectRef idx="0">
+            <a:schemeClr val="dk1"/>
+          </a:effectRef>
+          <a:fontRef idx="minor">
+            <a:schemeClr val="tx1"/>
+          </a:fontRef>
+        </p:style>
+      </p:cxnSp>
+      <p:sp>
+        <p:nvSpPr>
+          <p:cNvPr id="77" name="四角形: 角を丸くする 76">
+            <a:extLst>
+              <a:ext uri="{FF2B5EF4-FFF2-40B4-BE49-F238E27FC236}">
+                <a16:creationId xmlns:a16="http://schemas.microsoft.com/office/drawing/2014/main" id="{DF7EA09E-3E74-731B-388A-0C02865436DB}"/>
+              </a:ext>
+            </a:extLst>
+          </p:cNvPr>
+          <p:cNvSpPr/>
+          <p:nvPr/>
+        </p:nvSpPr>
+        <p:spPr>
+          <a:xfrm>
+            <a:off x="6347495" y="2601803"/>
+            <a:ext cx="1494483" cy="472092"/>
+          </a:xfrm>
+          <a:prstGeom prst="roundRect">
+            <a:avLst/>
+          </a:prstGeom>
+          <a:noFill/>
+          <a:ln w="38100">
+            <a:solidFill>
+              <a:srgbClr val="FFC000"/>
+            </a:solidFill>
+          </a:ln>
+        </p:spPr>
+        <p:style>
+          <a:lnRef idx="2">
+            <a:schemeClr val="accent6"/>
+          </a:lnRef>
+          <a:fillRef idx="1">
+            <a:schemeClr val="lt1"/>
+          </a:fillRef>
+          <a:effectRef idx="0">
+            <a:schemeClr val="accent6"/>
+          </a:effectRef>
+          <a:fontRef idx="minor">
+            <a:schemeClr val="dk1"/>
+          </a:fontRef>
+        </p:style>
+        <p:txBody>
+          <a:bodyPr rtlCol="0" anchor="ctr"/>
+          <a:lstStyle/>
+          <a:p>
+            <a:pPr marL="0" marR="0" lvl="0" indent="0" algn="ctr" defTabSz="914400" rtl="0" eaLnBrk="1" fontAlgn="auto" latinLnBrk="0" hangingPunct="1">
+              <a:lnSpc>
+                <a:spcPct val="100000"/>
+              </a:lnSpc>
+              <a:spcBef>
+                <a:spcPts val="0"/>
+              </a:spcBef>
+              <a:spcAft>
+                <a:spcPts val="0"/>
+              </a:spcAft>
+              <a:buClrTx/>
+              <a:buSzTx/>
+              <a:buFontTx/>
+              <a:buNone/>
+              <a:tabLst/>
+              <a:defRPr/>
+            </a:pPr>
+            <a:endParaRPr kumimoji="1" lang="ja-JP" altLang="en-US" sz="1800" b="0" i="0" u="none" strike="noStrike" kern="1200" cap="none" spc="0" normalizeH="0" baseline="0" noProof="0" dirty="0">
+              <a:ln>
+                <a:noFill/>
+              </a:ln>
+              <a:solidFill>
+                <a:prstClr val="black"/>
+              </a:solidFill>
+              <a:effectLst/>
+              <a:uLnTx/>
+              <a:uFillTx/>
+              <a:latin typeface="游ゴシック" panose="020F0502020204030204"/>
+              <a:ea typeface="游ゴシック" panose="020B0400000000000000" pitchFamily="50" charset="-128"/>
+              <a:cs typeface="+mn-cs"/>
+            </a:endParaRPr>
+          </a:p>
+        </p:txBody>
+      </p:sp>
+      <p:sp>
+        <p:nvSpPr>
+          <p:cNvPr id="78" name="テキスト ボックス 77">
+            <a:extLst>
+              <a:ext uri="{FF2B5EF4-FFF2-40B4-BE49-F238E27FC236}">
+                <a16:creationId xmlns:a16="http://schemas.microsoft.com/office/drawing/2014/main" id="{8C850D47-5226-8B83-B7E8-656F4ECCAF71}"/>
+              </a:ext>
+            </a:extLst>
+          </p:cNvPr>
+          <p:cNvSpPr txBox="1"/>
+          <p:nvPr/>
+        </p:nvSpPr>
+        <p:spPr>
+          <a:xfrm>
+            <a:off x="6445131" y="2662846"/>
+            <a:ext cx="1328327" cy="369332"/>
+          </a:xfrm>
+          <a:prstGeom prst="rect">
+            <a:avLst/>
+          </a:prstGeom>
+          <a:noFill/>
+        </p:spPr>
+        <p:txBody>
+          <a:bodyPr wrap="square" rtlCol="0">
+            <a:spAutoFit/>
+          </a:bodyPr>
+          <a:lstStyle/>
+          <a:p>
+            <a:pPr marL="0" marR="0" lvl="0" indent="0" algn="ctr" defTabSz="914400" rtl="0" eaLnBrk="1" fontAlgn="auto" latinLnBrk="0" hangingPunct="1">
+              <a:lnSpc>
+                <a:spcPct val="100000"/>
+              </a:lnSpc>
+              <a:spcBef>
+                <a:spcPts val="0"/>
+              </a:spcBef>
+              <a:spcAft>
+                <a:spcPts val="0"/>
+              </a:spcAft>
+              <a:buClrTx/>
+              <a:buSzTx/>
+              <a:buFontTx/>
+              <a:buNone/>
+              <a:tabLst/>
+              <a:defRPr/>
+            </a:pPr>
+            <a:r>
+              <a:rPr kumimoji="1" lang="ja-JP" altLang="en-US" b="0" i="0" u="none" strike="noStrike" kern="1200" cap="none" spc="0" normalizeH="0" baseline="0" noProof="0" dirty="0">
+                <a:ln>
+                  <a:noFill/>
+                </a:ln>
+                <a:solidFill>
+                  <a:prstClr val="black"/>
+                </a:solidFill>
+                <a:effectLst/>
+                <a:uLnTx/>
+                <a:uFillTx/>
+                <a:latin typeface="游ゴシック" panose="020F0502020204030204"/>
+                <a:ea typeface="游ゴシック" panose="020B0400000000000000" pitchFamily="50" charset="-128"/>
+                <a:cs typeface="+mn-cs"/>
+              </a:rPr>
+              <a:t>プラント</a:t>
+            </a:r>
+            <a:r>
+              <a:rPr kumimoji="1" lang="en-US" altLang="ja-JP" b="0" i="0" u="none" strike="noStrike" kern="1200" cap="none" spc="0" normalizeH="0" baseline="0" noProof="0" dirty="0">
+                <a:ln>
+                  <a:noFill/>
+                </a:ln>
+                <a:solidFill>
+                  <a:prstClr val="black"/>
+                </a:solidFill>
+                <a:effectLst/>
+                <a:uLnTx/>
+                <a:uFillTx/>
+                <a:latin typeface="游ゴシック" panose="020F0502020204030204"/>
+                <a:ea typeface="游ゴシック" panose="020B0400000000000000" pitchFamily="50" charset="-128"/>
+                <a:cs typeface="+mn-cs"/>
+              </a:rPr>
+              <a:t>A</a:t>
+            </a:r>
+          </a:p>
+        </p:txBody>
+      </p:sp>
+      <p:cxnSp>
+        <p:nvCxnSpPr>
+          <p:cNvPr id="79" name="直線矢印コネクタ 78">
+            <a:extLst>
+              <a:ext uri="{FF2B5EF4-FFF2-40B4-BE49-F238E27FC236}">
+                <a16:creationId xmlns:a16="http://schemas.microsoft.com/office/drawing/2014/main" id="{E225C1D3-3AF1-6F3D-0292-6AF0F29A0E03}"/>
+              </a:ext>
+            </a:extLst>
+          </p:cNvPr>
+          <p:cNvCxnSpPr>
+            <a:cxnSpLocks/>
+            <a:stCxn id="80" idx="4"/>
+            <a:endCxn id="77" idx="0"/>
+          </p:cNvCxnSpPr>
+          <p:nvPr/>
+        </p:nvCxnSpPr>
+        <p:spPr>
+          <a:xfrm flipH="1">
+            <a:off x="7094737" y="911253"/>
+            <a:ext cx="4231" cy="1690550"/>
+          </a:xfrm>
+          <a:prstGeom prst="straightConnector1">
+            <a:avLst/>
+          </a:prstGeom>
+          <a:ln w="28575">
+            <a:solidFill>
+              <a:schemeClr val="accent6"/>
+            </a:solidFill>
+            <a:prstDash val="solid"/>
+            <a:tailEnd type="triangle"/>
+          </a:ln>
+        </p:spPr>
+        <p:style>
+          <a:lnRef idx="1">
+            <a:schemeClr val="dk1"/>
+          </a:lnRef>
+          <a:fillRef idx="0">
+            <a:schemeClr val="dk1"/>
+          </a:fillRef>
+          <a:effectRef idx="0">
+            <a:schemeClr val="dk1"/>
+          </a:effectRef>
+          <a:fontRef idx="minor">
+            <a:schemeClr val="tx1"/>
+          </a:fontRef>
+        </p:style>
+      </p:cxnSp>
+      <p:sp>
+        <p:nvSpPr>
+          <p:cNvPr id="80" name="楕円 79">
+            <a:extLst>
+              <a:ext uri="{FF2B5EF4-FFF2-40B4-BE49-F238E27FC236}">
+                <a16:creationId xmlns:a16="http://schemas.microsoft.com/office/drawing/2014/main" id="{A9D9295B-B578-8988-6403-4FEFE9344605}"/>
+              </a:ext>
+            </a:extLst>
+          </p:cNvPr>
+          <p:cNvSpPr/>
+          <p:nvPr/>
+        </p:nvSpPr>
+        <p:spPr>
+          <a:xfrm>
+            <a:off x="7021911" y="766266"/>
+            <a:ext cx="154113" cy="144987"/>
+          </a:xfrm>
+          <a:prstGeom prst="ellipse">
+            <a:avLst/>
+          </a:prstGeom>
+          <a:solidFill>
+            <a:schemeClr val="accent6"/>
+          </a:solidFill>
+          <a:ln>
+            <a:solidFill>
+              <a:schemeClr val="accent6">
+                <a:lumMod val="75000"/>
+              </a:schemeClr>
+            </a:solidFill>
+          </a:ln>
+        </p:spPr>
+        <p:style>
+          <a:lnRef idx="2">
+            <a:schemeClr val="accent1">
+              <a:shade val="50000"/>
+            </a:schemeClr>
+          </a:lnRef>
+          <a:fillRef idx="1">
+            <a:schemeClr val="accent1"/>
+          </a:fillRef>
+          <a:effectRef idx="0">
+            <a:schemeClr val="accent1"/>
+          </a:effectRef>
+          <a:fontRef idx="minor">
+            <a:schemeClr val="lt1"/>
+          </a:fontRef>
+        </p:style>
+        <p:txBody>
+          <a:bodyPr rtlCol="0" anchor="ctr"/>
+          <a:lstStyle/>
+          <a:p>
+            <a:pPr algn="ctr"/>
+            <a:endParaRPr kumimoji="1" lang="ja-JP" altLang="en-US"/>
+          </a:p>
+        </p:txBody>
+      </p:sp>
+      <p:sp>
+        <p:nvSpPr>
+          <p:cNvPr id="81" name="楕円 80">
+            <a:extLst>
+              <a:ext uri="{FF2B5EF4-FFF2-40B4-BE49-F238E27FC236}">
+                <a16:creationId xmlns:a16="http://schemas.microsoft.com/office/drawing/2014/main" id="{7BF69573-7207-944C-C575-7EFD1F37F9B5}"/>
+              </a:ext>
+            </a:extLst>
+          </p:cNvPr>
+          <p:cNvSpPr/>
+          <p:nvPr/>
+        </p:nvSpPr>
+        <p:spPr>
+          <a:xfrm>
+            <a:off x="7422569" y="1807279"/>
+            <a:ext cx="154113" cy="144987"/>
+          </a:xfrm>
+          <a:prstGeom prst="ellipse">
+            <a:avLst/>
+          </a:prstGeom>
+          <a:solidFill>
+            <a:srgbClr val="7030A0"/>
+          </a:solidFill>
+          <a:ln>
+            <a:solidFill>
+              <a:srgbClr val="002060"/>
+            </a:solidFill>
+          </a:ln>
+        </p:spPr>
+        <p:style>
+          <a:lnRef idx="2">
+            <a:schemeClr val="accent1">
+              <a:shade val="50000"/>
+            </a:schemeClr>
+          </a:lnRef>
+          <a:fillRef idx="1">
+            <a:schemeClr val="accent1"/>
+          </a:fillRef>
+          <a:effectRef idx="0">
+            <a:schemeClr val="accent1"/>
+          </a:effectRef>
+          <a:fontRef idx="minor">
+            <a:schemeClr val="lt1"/>
+          </a:fontRef>
+        </p:style>
+        <p:txBody>
+          <a:bodyPr rtlCol="0" anchor="ctr"/>
+          <a:lstStyle/>
+          <a:p>
+            <a:pPr algn="ctr"/>
+            <a:endParaRPr kumimoji="1" lang="ja-JP" altLang="en-US"/>
+          </a:p>
+        </p:txBody>
+      </p:sp>
+      <p:cxnSp>
+        <p:nvCxnSpPr>
+          <p:cNvPr id="82" name="直線矢印コネクタ 81">
+            <a:extLst>
+              <a:ext uri="{FF2B5EF4-FFF2-40B4-BE49-F238E27FC236}">
+                <a16:creationId xmlns:a16="http://schemas.microsoft.com/office/drawing/2014/main" id="{1ACC3EDF-2574-EB09-F6A4-6AFB79D84666}"/>
+              </a:ext>
+            </a:extLst>
+          </p:cNvPr>
+          <p:cNvCxnSpPr>
+            <a:cxnSpLocks/>
+          </p:cNvCxnSpPr>
+          <p:nvPr/>
+        </p:nvCxnSpPr>
+        <p:spPr>
+          <a:xfrm flipH="1" flipV="1">
+            <a:off x="7498338" y="1952266"/>
+            <a:ext cx="8233" cy="649537"/>
+          </a:xfrm>
+          <a:prstGeom prst="straightConnector1">
+            <a:avLst/>
+          </a:prstGeom>
+          <a:ln w="28575">
+            <a:solidFill>
+              <a:srgbClr val="7030A0"/>
+            </a:solidFill>
+            <a:prstDash val="solid"/>
+            <a:tailEnd type="triangle"/>
+          </a:ln>
+        </p:spPr>
+        <p:style>
+          <a:lnRef idx="1">
+            <a:schemeClr val="dk1"/>
+          </a:lnRef>
+          <a:fillRef idx="0">
+            <a:schemeClr val="dk1"/>
+          </a:fillRef>
+          <a:effectRef idx="0">
+            <a:schemeClr val="dk1"/>
+          </a:effectRef>
+          <a:fontRef idx="minor">
+            <a:schemeClr val="tx1"/>
+          </a:fontRef>
+        </p:style>
+      </p:cxnSp>
+      <p:sp>
+        <p:nvSpPr>
+          <p:cNvPr id="83" name="楕円 82">
+            <a:extLst>
+              <a:ext uri="{FF2B5EF4-FFF2-40B4-BE49-F238E27FC236}">
+                <a16:creationId xmlns:a16="http://schemas.microsoft.com/office/drawing/2014/main" id="{D42FB67F-3982-344B-9B31-21F626D36FE3}"/>
+              </a:ext>
+            </a:extLst>
+          </p:cNvPr>
+          <p:cNvSpPr/>
+          <p:nvPr/>
+        </p:nvSpPr>
+        <p:spPr>
+          <a:xfrm>
+            <a:off x="6527006" y="1283716"/>
+            <a:ext cx="154113" cy="144987"/>
+          </a:xfrm>
+          <a:prstGeom prst="ellipse">
+            <a:avLst/>
+          </a:prstGeom>
+          <a:solidFill>
+            <a:schemeClr val="accent1"/>
+          </a:solidFill>
+          <a:ln>
+            <a:solidFill>
+              <a:schemeClr val="accent1">
+                <a:lumMod val="75000"/>
+              </a:schemeClr>
+            </a:solidFill>
+          </a:ln>
+        </p:spPr>
+        <p:style>
+          <a:lnRef idx="2">
+            <a:schemeClr val="accent1">
+              <a:shade val="50000"/>
+            </a:schemeClr>
+          </a:lnRef>
+          <a:fillRef idx="1">
+            <a:schemeClr val="accent1"/>
+          </a:fillRef>
+          <a:effectRef idx="0">
+            <a:schemeClr val="accent1"/>
+          </a:effectRef>
+          <a:fontRef idx="minor">
+            <a:schemeClr val="lt1"/>
+          </a:fontRef>
+        </p:style>
+        <p:txBody>
+          <a:bodyPr rtlCol="0" anchor="ctr"/>
+          <a:lstStyle/>
+          <a:p>
+            <a:pPr algn="ctr"/>
+            <a:endParaRPr kumimoji="1" lang="ja-JP" altLang="en-US"/>
+          </a:p>
+        </p:txBody>
+      </p:sp>
+      <p:cxnSp>
+        <p:nvCxnSpPr>
+          <p:cNvPr id="84" name="直線矢印コネクタ 83">
+            <a:extLst>
+              <a:ext uri="{FF2B5EF4-FFF2-40B4-BE49-F238E27FC236}">
+                <a16:creationId xmlns:a16="http://schemas.microsoft.com/office/drawing/2014/main" id="{ADD7EADD-50FA-4ED0-D5D0-266FE7D2524A}"/>
+              </a:ext>
+            </a:extLst>
+          </p:cNvPr>
+          <p:cNvCxnSpPr>
+            <a:cxnSpLocks/>
+            <a:stCxn id="83" idx="4"/>
+          </p:cNvCxnSpPr>
+          <p:nvPr/>
+        </p:nvCxnSpPr>
+        <p:spPr>
+          <a:xfrm>
+            <a:off x="6604063" y="1428703"/>
+            <a:ext cx="0" cy="1173100"/>
+          </a:xfrm>
+          <a:prstGeom prst="straightConnector1">
+            <a:avLst/>
+          </a:prstGeom>
+          <a:ln w="28575">
+            <a:solidFill>
+              <a:schemeClr val="accent1"/>
+            </a:solidFill>
+            <a:prstDash val="solid"/>
+            <a:tailEnd type="triangle"/>
+          </a:ln>
+        </p:spPr>
+        <p:style>
+          <a:lnRef idx="1">
+            <a:schemeClr val="dk1"/>
+          </a:lnRef>
+          <a:fillRef idx="0">
+            <a:schemeClr val="dk1"/>
+          </a:fillRef>
+          <a:effectRef idx="0">
+            <a:schemeClr val="dk1"/>
+          </a:effectRef>
+          <a:fontRef idx="minor">
+            <a:schemeClr val="tx1"/>
+          </a:fontRef>
+        </p:style>
+      </p:cxnSp>
+      <p:cxnSp>
+        <p:nvCxnSpPr>
+          <p:cNvPr id="93" name="コネクタ: カギ線 92">
+            <a:extLst>
+              <a:ext uri="{FF2B5EF4-FFF2-40B4-BE49-F238E27FC236}">
+                <a16:creationId xmlns:a16="http://schemas.microsoft.com/office/drawing/2014/main" id="{F1559553-794B-DEEE-9A4F-47448F32CABD}"/>
+              </a:ext>
+            </a:extLst>
+          </p:cNvPr>
+          <p:cNvCxnSpPr>
+            <a:cxnSpLocks/>
+            <a:stCxn id="15" idx="2"/>
+            <a:endCxn id="3" idx="2"/>
+          </p:cNvCxnSpPr>
+          <p:nvPr/>
+        </p:nvCxnSpPr>
+        <p:spPr>
+          <a:xfrm rot="5400000" flipH="1" flipV="1">
+            <a:off x="4478048" y="2166017"/>
+            <a:ext cx="38288" cy="1777467"/>
+          </a:xfrm>
+          <a:prstGeom prst="bentConnector3">
+            <a:avLst>
+              <a:gd name="adj1" fmla="val -597054"/>
+            </a:avLst>
+          </a:prstGeom>
+          <a:ln>
+            <a:solidFill>
+              <a:schemeClr val="tx1"/>
+            </a:solidFill>
+            <a:tailEnd type="triangle"/>
+          </a:ln>
+        </p:spPr>
+        <p:style>
+          <a:lnRef idx="1">
+            <a:schemeClr val="accent1"/>
+          </a:lnRef>
+          <a:fillRef idx="0">
+            <a:schemeClr val="accent1"/>
+          </a:fillRef>
+          <a:effectRef idx="0">
+            <a:schemeClr val="accent1"/>
+          </a:effectRef>
+          <a:fontRef idx="minor">
+            <a:schemeClr val="tx1"/>
+          </a:fontRef>
+        </p:style>
+      </p:cxnSp>
+      <p:cxnSp>
+        <p:nvCxnSpPr>
+          <p:cNvPr id="101" name="コネクタ: カギ線 100">
+            <a:extLst>
+              <a:ext uri="{FF2B5EF4-FFF2-40B4-BE49-F238E27FC236}">
+                <a16:creationId xmlns:a16="http://schemas.microsoft.com/office/drawing/2014/main" id="{F0C3C40A-2DFA-C037-3D24-8DB665EA7114}"/>
+              </a:ext>
+            </a:extLst>
+          </p:cNvPr>
+          <p:cNvCxnSpPr>
+            <a:cxnSpLocks/>
+            <a:stCxn id="23" idx="2"/>
+            <a:endCxn id="77" idx="2"/>
+          </p:cNvCxnSpPr>
+          <p:nvPr/>
+        </p:nvCxnSpPr>
+        <p:spPr>
+          <a:xfrm rot="16200000" flipH="1">
+            <a:off x="5340096" y="1319253"/>
+            <a:ext cx="36183" cy="3473099"/>
+          </a:xfrm>
+          <a:prstGeom prst="bentConnector3">
+            <a:avLst>
+              <a:gd name="adj1" fmla="val 1581433"/>
+            </a:avLst>
+          </a:prstGeom>
+          <a:ln>
+            <a:solidFill>
+              <a:schemeClr val="tx1"/>
+            </a:solidFill>
+            <a:tailEnd type="triangle"/>
+          </a:ln>
+        </p:spPr>
+        <p:style>
+          <a:lnRef idx="1">
+            <a:schemeClr val="accent1"/>
+          </a:lnRef>
+          <a:fillRef idx="0">
+            <a:schemeClr val="accent1"/>
+          </a:fillRef>
+          <a:effectRef idx="0">
+            <a:schemeClr val="accent1"/>
+          </a:effectRef>
+          <a:fontRef idx="minor">
+            <a:schemeClr val="tx1"/>
+          </a:fontRef>
+        </p:style>
+      </p:cxnSp>
+      <p:sp>
+        <p:nvSpPr>
+          <p:cNvPr id="105" name="テキスト ボックス 104">
+            <a:extLst>
+              <a:ext uri="{FF2B5EF4-FFF2-40B4-BE49-F238E27FC236}">
+                <a16:creationId xmlns:a16="http://schemas.microsoft.com/office/drawing/2014/main" id="{1A560BC1-2F78-E61D-F03C-13FB458FF972}"/>
+              </a:ext>
+            </a:extLst>
+          </p:cNvPr>
+          <p:cNvSpPr txBox="1"/>
+          <p:nvPr/>
+        </p:nvSpPr>
+        <p:spPr>
+          <a:xfrm>
+            <a:off x="4191981" y="3276833"/>
+            <a:ext cx="749805" cy="369332"/>
+          </a:xfrm>
+          <a:prstGeom prst="rect">
+            <a:avLst/>
+          </a:prstGeom>
+          <a:noFill/>
+        </p:spPr>
+        <p:txBody>
+          <a:bodyPr wrap="square" rtlCol="0">
+            <a:spAutoFit/>
+          </a:bodyPr>
+          <a:lstStyle/>
+          <a:p>
+            <a:pPr marL="0" marR="0" lvl="0" indent="0" algn="ctr" defTabSz="914400" rtl="0" eaLnBrk="1" fontAlgn="auto" latinLnBrk="0" hangingPunct="1">
+              <a:lnSpc>
+                <a:spcPct val="100000"/>
+              </a:lnSpc>
+              <a:spcBef>
+                <a:spcPts val="0"/>
+              </a:spcBef>
+              <a:spcAft>
+                <a:spcPts val="0"/>
+              </a:spcAft>
+              <a:buClrTx/>
+              <a:buSzTx/>
+              <a:buFontTx/>
+              <a:buNone/>
+              <a:tabLst/>
+              <a:defRPr/>
+            </a:pPr>
+            <a:r>
+              <a:rPr lang="ja-JP" altLang="en-US" dirty="0">
+                <a:solidFill>
+                  <a:prstClr val="black"/>
+                </a:solidFill>
+                <a:latin typeface="游ゴシック" panose="020F0502020204030204"/>
+                <a:ea typeface="游ゴシック" panose="020B0400000000000000" pitchFamily="50" charset="-128"/>
+              </a:rPr>
+              <a:t>燃料</a:t>
+            </a:r>
+            <a:endParaRPr lang="en-US" altLang="ja-JP" dirty="0">
+              <a:solidFill>
+                <a:prstClr val="black"/>
+              </a:solidFill>
+              <a:latin typeface="游ゴシック" panose="020F0502020204030204"/>
+              <a:ea typeface="游ゴシック" panose="020B0400000000000000" pitchFamily="50" charset="-128"/>
+            </a:endParaRPr>
+          </a:p>
+        </p:txBody>
+      </p:sp>
+      <p:cxnSp>
+        <p:nvCxnSpPr>
+          <p:cNvPr id="107" name="直線矢印コネクタ 106">
+            <a:extLst>
+              <a:ext uri="{FF2B5EF4-FFF2-40B4-BE49-F238E27FC236}">
+                <a16:creationId xmlns:a16="http://schemas.microsoft.com/office/drawing/2014/main" id="{B5CD82D2-C02F-6483-397C-6E92DE1424D5}"/>
+              </a:ext>
+            </a:extLst>
+          </p:cNvPr>
+          <p:cNvCxnSpPr>
+            <a:stCxn id="51" idx="2"/>
+          </p:cNvCxnSpPr>
+          <p:nvPr/>
+        </p:nvCxnSpPr>
+        <p:spPr>
+          <a:xfrm flipH="1">
+            <a:off x="1229245" y="3073895"/>
+            <a:ext cx="13891" cy="524333"/>
+          </a:xfrm>
+          <a:prstGeom prst="straightConnector1">
+            <a:avLst/>
+          </a:prstGeom>
+          <a:ln>
+            <a:solidFill>
+              <a:schemeClr val="tx1"/>
+            </a:solidFill>
+            <a:tailEnd type="triangle"/>
+          </a:ln>
+        </p:spPr>
+        <p:style>
+          <a:lnRef idx="1">
+            <a:schemeClr val="accent1"/>
+          </a:lnRef>
+          <a:fillRef idx="0">
+            <a:schemeClr val="accent1"/>
+          </a:fillRef>
+          <a:effectRef idx="0">
+            <a:schemeClr val="accent1"/>
+          </a:effectRef>
+          <a:fontRef idx="minor">
+            <a:schemeClr val="tx1"/>
+          </a:fontRef>
+        </p:style>
+      </p:cxnSp>
+      <p:sp>
+        <p:nvSpPr>
+          <p:cNvPr id="108" name="テキスト ボックス 107">
+            <a:extLst>
+              <a:ext uri="{FF2B5EF4-FFF2-40B4-BE49-F238E27FC236}">
+                <a16:creationId xmlns:a16="http://schemas.microsoft.com/office/drawing/2014/main" id="{7F6A2CB8-D19D-61A8-02C9-3AE53DDE7E0C}"/>
+              </a:ext>
+            </a:extLst>
+          </p:cNvPr>
+          <p:cNvSpPr txBox="1"/>
+          <p:nvPr/>
+        </p:nvSpPr>
+        <p:spPr>
+          <a:xfrm>
+            <a:off x="1308174" y="3228896"/>
+            <a:ext cx="749805" cy="369332"/>
+          </a:xfrm>
+          <a:prstGeom prst="rect">
+            <a:avLst/>
+          </a:prstGeom>
+          <a:noFill/>
+        </p:spPr>
+        <p:txBody>
+          <a:bodyPr wrap="square" rtlCol="0">
+            <a:spAutoFit/>
+          </a:bodyPr>
+          <a:lstStyle/>
+          <a:p>
+            <a:pPr marL="0" marR="0" lvl="0" indent="0" algn="ctr" defTabSz="914400" rtl="0" eaLnBrk="1" fontAlgn="auto" latinLnBrk="0" hangingPunct="1">
+              <a:lnSpc>
+                <a:spcPct val="100000"/>
+              </a:lnSpc>
+              <a:spcBef>
+                <a:spcPts val="0"/>
+              </a:spcBef>
+              <a:spcAft>
+                <a:spcPts val="0"/>
+              </a:spcAft>
+              <a:buClrTx/>
+              <a:buSzTx/>
+              <a:buFontTx/>
+              <a:buNone/>
+              <a:tabLst/>
+              <a:defRPr/>
+            </a:pPr>
+            <a:r>
+              <a:rPr lang="ja-JP" altLang="en-US" dirty="0">
+                <a:solidFill>
+                  <a:prstClr val="black"/>
+                </a:solidFill>
+                <a:latin typeface="游ゴシック" panose="020F0502020204030204"/>
+                <a:ea typeface="游ゴシック" panose="020B0400000000000000" pitchFamily="50" charset="-128"/>
+              </a:rPr>
+              <a:t>貯蔵</a:t>
+            </a:r>
+            <a:endParaRPr lang="en-US" altLang="ja-JP" dirty="0">
+              <a:solidFill>
+                <a:prstClr val="black"/>
+              </a:solidFill>
+              <a:latin typeface="游ゴシック" panose="020F0502020204030204"/>
+              <a:ea typeface="游ゴシック" panose="020B0400000000000000" pitchFamily="50" charset="-128"/>
+            </a:endParaRPr>
+          </a:p>
+        </p:txBody>
+      </p:sp>
+      <p:sp>
+        <p:nvSpPr>
+          <p:cNvPr id="112" name="四角形: 角を丸くする 111">
+            <a:extLst>
+              <a:ext uri="{FF2B5EF4-FFF2-40B4-BE49-F238E27FC236}">
+                <a16:creationId xmlns:a16="http://schemas.microsoft.com/office/drawing/2014/main" id="{D1292EB1-6D3C-CC1E-3682-E9CE683C42C6}"/>
+              </a:ext>
+            </a:extLst>
+          </p:cNvPr>
+          <p:cNvSpPr/>
+          <p:nvPr/>
+        </p:nvSpPr>
+        <p:spPr>
+          <a:xfrm>
+            <a:off x="6608988" y="4954682"/>
+            <a:ext cx="1437563" cy="474615"/>
+          </a:xfrm>
+          <a:prstGeom prst="roundRect">
+            <a:avLst/>
+          </a:prstGeom>
+          <a:noFill/>
+          <a:ln w="38100">
+            <a:solidFill>
+              <a:schemeClr val="accent2"/>
             </a:solidFill>
           </a:ln>
         </p:spPr>
@@ -31032,10 +33648,10 @@
       </p:sp>
       <p:sp>
         <p:nvSpPr>
-          <p:cNvPr id="74" name="テキスト ボックス 73">
-            <a:extLst>
-              <a:ext uri="{FF2B5EF4-FFF2-40B4-BE49-F238E27FC236}">
-                <a16:creationId xmlns:a16="http://schemas.microsoft.com/office/drawing/2014/main" id="{FCC799B1-8D1F-E6DA-EACC-0D80557C6323}"/>
+          <p:cNvPr id="113" name="テキスト ボックス 112">
+            <a:extLst>
+              <a:ext uri="{FF2B5EF4-FFF2-40B4-BE49-F238E27FC236}">
+                <a16:creationId xmlns:a16="http://schemas.microsoft.com/office/drawing/2014/main" id="{2615DD45-3040-D0ED-B79C-E7010F2E5D2E}"/>
               </a:ext>
             </a:extLst>
           </p:cNvPr>
@@ -31044,8 +33660,8 @@
         </p:nvSpPr>
         <p:spPr>
           <a:xfrm>
-            <a:off x="9901847" y="2784520"/>
-            <a:ext cx="646331" cy="369332"/>
+            <a:off x="6780668" y="5007323"/>
+            <a:ext cx="1107996" cy="369332"/>
           </a:xfrm>
           <a:prstGeom prst="rect">
             <a:avLst/>
@@ -31076,31 +33692,38 @@
               <a:defRPr/>
             </a:pPr>
             <a:r>
-              <a:rPr kumimoji="1" lang="ja-JP" altLang="en-US" sz="1800" b="0" i="0" u="none" strike="noStrike" kern="1200" cap="none" spc="0" normalizeH="0" baseline="0" noProof="0" dirty="0">
-                <a:ln>
-                  <a:noFill/>
-                </a:ln>
+              <a:rPr lang="ja-JP" altLang="en-US" dirty="0">
                 <a:solidFill>
                   <a:prstClr val="black"/>
                 </a:solidFill>
-                <a:effectLst/>
-                <a:uLnTx/>
-                <a:uFillTx/>
                 <a:latin typeface="游ゴシック" panose="020F0502020204030204"/>
                 <a:ea typeface="游ゴシック" panose="020B0400000000000000" pitchFamily="50" charset="-128"/>
-                <a:cs typeface="+mn-cs"/>
               </a:rPr>
-              <a:t>住宅</a:t>
-            </a:r>
+              <a:t>全体管理</a:t>
+            </a:r>
+            <a:endParaRPr kumimoji="1" lang="ja-JP" altLang="en-US" sz="1800" b="0" i="0" u="none" strike="noStrike" kern="1200" cap="none" spc="0" normalizeH="0" baseline="0" noProof="0" dirty="0">
+              <a:ln>
+                <a:noFill/>
+              </a:ln>
+              <a:solidFill>
+                <a:prstClr val="black"/>
+              </a:solidFill>
+              <a:effectLst/>
+              <a:uLnTx/>
+              <a:uFillTx/>
+              <a:latin typeface="游ゴシック" panose="020F0502020204030204"/>
+              <a:ea typeface="游ゴシック" panose="020B0400000000000000" pitchFamily="50" charset="-128"/>
+              <a:cs typeface="+mn-cs"/>
+            </a:endParaRPr>
           </a:p>
         </p:txBody>
       </p:sp>
       <p:sp>
         <p:nvSpPr>
-          <p:cNvPr id="7" name="正方形/長方形 6">
-            <a:extLst>
-              <a:ext uri="{FF2B5EF4-FFF2-40B4-BE49-F238E27FC236}">
-                <a16:creationId xmlns:a16="http://schemas.microsoft.com/office/drawing/2014/main" id="{4CEE46E9-47E5-1179-69BE-12D7B9479691}"/>
+          <p:cNvPr id="30" name="正方形/長方形 29">
+            <a:extLst>
+              <a:ext uri="{FF2B5EF4-FFF2-40B4-BE49-F238E27FC236}">
+                <a16:creationId xmlns:a16="http://schemas.microsoft.com/office/drawing/2014/main" id="{9664362E-D511-92D3-DFDD-FCF13C72D3A1}"/>
               </a:ext>
             </a:extLst>
           </p:cNvPr>
@@ -31109,8 +33732,8 @@
         </p:nvSpPr>
         <p:spPr>
           <a:xfrm>
-            <a:off x="8832915" y="34764"/>
-            <a:ext cx="3275415" cy="369332"/>
+            <a:off x="414725" y="248268"/>
+            <a:ext cx="2237153" cy="369332"/>
           </a:xfrm>
           <a:prstGeom prst="rect">
             <a:avLst/>
@@ -31168,439 +33791,31 @@
                 <a:ea typeface="游ゴシック" panose="020B0400000000000000" pitchFamily="50" charset="-128"/>
                 <a:cs typeface="+mn-cs"/>
               </a:rPr>
-              <a:t>熊谷 </a:t>
-            </a:r>
-            <a:r>
-              <a:rPr kumimoji="1" lang="en-US" altLang="ja-JP" sz="1800" b="0" i="0" u="none" strike="noStrike" kern="1200" cap="none" spc="0" normalizeH="0" baseline="0" noProof="0" dirty="0">
-                <a:ln>
-                  <a:noFill/>
-                </a:ln>
-                <a:solidFill>
-                  <a:prstClr val="white"/>
-                </a:solidFill>
-                <a:effectLst/>
-                <a:uLnTx/>
-                <a:uFillTx/>
-                <a:latin typeface="游ゴシック" panose="020F0502020204030204"/>
-                <a:ea typeface="游ゴシック" panose="020B0400000000000000" pitchFamily="50" charset="-128"/>
-                <a:cs typeface="+mn-cs"/>
-              </a:rPr>
-              <a:t>2024/1/10 </a:t>
-            </a:r>
-            <a:r>
-              <a:rPr lang="ja-JP" altLang="en-US" dirty="0">
-                <a:solidFill>
-                  <a:prstClr val="white"/>
-                </a:solidFill>
-                <a:latin typeface="游ゴシック" panose="020F0502020204030204"/>
-                <a:ea typeface="游ゴシック" panose="020B0400000000000000" pitchFamily="50" charset="-128"/>
-              </a:rPr>
-              <a:t>作成</a:t>
-            </a:r>
-            <a:endParaRPr kumimoji="1" lang="ja-JP" altLang="en-US" sz="1800" b="0" i="0" u="none" strike="noStrike" kern="1200" cap="none" spc="0" normalizeH="0" baseline="0" noProof="0" dirty="0">
-              <a:ln>
-                <a:noFill/>
-              </a:ln>
-              <a:solidFill>
-                <a:prstClr val="white"/>
-              </a:solidFill>
-              <a:effectLst/>
-              <a:uLnTx/>
-              <a:uFillTx/>
-              <a:latin typeface="游ゴシック" panose="020F0502020204030204"/>
-              <a:ea typeface="游ゴシック" panose="020B0400000000000000" pitchFamily="50" charset="-128"/>
-              <a:cs typeface="+mn-cs"/>
-            </a:endParaRPr>
+              <a:t>物理フロー</a:t>
+            </a:r>
           </a:p>
         </p:txBody>
       </p:sp>
       <p:sp>
         <p:nvSpPr>
-          <p:cNvPr id="10" name="スライド番号プレースホルダー 9">
-            <a:extLst>
-              <a:ext uri="{FF2B5EF4-FFF2-40B4-BE49-F238E27FC236}">
-                <a16:creationId xmlns:a16="http://schemas.microsoft.com/office/drawing/2014/main" id="{662ECEFE-C31A-F7EF-1CE9-7369C6E268BB}"/>
-              </a:ext>
-            </a:extLst>
-          </p:cNvPr>
-          <p:cNvSpPr>
-            <a:spLocks noGrp="1"/>
-          </p:cNvSpPr>
-          <p:nvPr>
-            <p:ph type="sldNum" sz="quarter" idx="12"/>
-          </p:nvPr>
-        </p:nvSpPr>
-        <p:spPr/>
-        <p:txBody>
-          <a:bodyPr/>
-          <a:lstStyle/>
-          <a:p>
-            <a:fld id="{77298C97-6C5F-41C4-9305-5BFAEBF3D21C}" type="slidenum">
-              <a:rPr kumimoji="1" lang="ja-JP" altLang="en-US" smtClean="0"/>
-              <a:t>11</a:t>
-            </a:fld>
-            <a:endParaRPr kumimoji="1" lang="ja-JP" altLang="en-US"/>
-          </a:p>
-        </p:txBody>
-      </p:sp>
-      <p:sp>
-        <p:nvSpPr>
-          <p:cNvPr id="97" name="テキスト ボックス 96">
-            <a:extLst>
-              <a:ext uri="{FF2B5EF4-FFF2-40B4-BE49-F238E27FC236}">
-                <a16:creationId xmlns:a16="http://schemas.microsoft.com/office/drawing/2014/main" id="{A214CE1C-D28E-5580-737A-989EBF3C79C8}"/>
-              </a:ext>
-            </a:extLst>
-          </p:cNvPr>
-          <p:cNvSpPr txBox="1"/>
+          <p:cNvPr id="31" name="正方形/長方形 30">
+            <a:extLst>
+              <a:ext uri="{FF2B5EF4-FFF2-40B4-BE49-F238E27FC236}">
+                <a16:creationId xmlns:a16="http://schemas.microsoft.com/office/drawing/2014/main" id="{F5469C61-EAC4-E491-E770-984AAE73E604}"/>
+              </a:ext>
+            </a:extLst>
+          </p:cNvPr>
+          <p:cNvSpPr/>
           <p:nvPr/>
         </p:nvSpPr>
         <p:spPr>
           <a:xfrm>
-            <a:off x="8311198" y="2798527"/>
-            <a:ext cx="877163" cy="369332"/>
+            <a:off x="414725" y="3821317"/>
+            <a:ext cx="2237153" cy="369332"/>
           </a:xfrm>
           <a:prstGeom prst="rect">
             <a:avLst/>
           </a:prstGeom>
-          <a:noFill/>
-        </p:spPr>
-        <p:txBody>
-          <a:bodyPr wrap="none" rtlCol="0">
-            <a:spAutoFit/>
-          </a:bodyPr>
-          <a:lstStyle/>
-          <a:p>
-            <a:pPr marL="0" marR="0" lvl="0" indent="0" algn="l" defTabSz="914400" rtl="0" eaLnBrk="1" fontAlgn="auto" latinLnBrk="0" hangingPunct="1">
-              <a:lnSpc>
-                <a:spcPct val="100000"/>
-              </a:lnSpc>
-              <a:spcBef>
-                <a:spcPts val="0"/>
-              </a:spcBef>
-              <a:spcAft>
-                <a:spcPts val="0"/>
-              </a:spcAft>
-              <a:buClrTx/>
-              <a:buSzTx/>
-              <a:buFontTx/>
-              <a:buNone/>
-              <a:tabLst/>
-              <a:defRPr/>
-            </a:pPr>
-            <a:r>
-              <a:rPr kumimoji="1" lang="ja-JP" altLang="en-US" sz="1800" b="0" i="0" u="none" strike="noStrike" kern="1200" cap="none" spc="0" normalizeH="0" baseline="0" noProof="0" dirty="0">
-                <a:ln>
-                  <a:noFill/>
-                </a:ln>
-                <a:solidFill>
-                  <a:prstClr val="black"/>
-                </a:solidFill>
-                <a:effectLst/>
-                <a:uLnTx/>
-                <a:uFillTx/>
-                <a:latin typeface="游ゴシック" panose="020F0502020204030204"/>
-                <a:ea typeface="游ゴシック" panose="020B0400000000000000" pitchFamily="50" charset="-128"/>
-                <a:cs typeface="+mn-cs"/>
-              </a:rPr>
-              <a:t>再エネ</a:t>
-            </a:r>
-          </a:p>
-        </p:txBody>
-      </p:sp>
-      <p:cxnSp>
-        <p:nvCxnSpPr>
-          <p:cNvPr id="46" name="直線コネクタ 45">
-            <a:extLst>
-              <a:ext uri="{FF2B5EF4-FFF2-40B4-BE49-F238E27FC236}">
-                <a16:creationId xmlns:a16="http://schemas.microsoft.com/office/drawing/2014/main" id="{29316FD3-C461-CF13-A9CE-CBD039FEB19E}"/>
-              </a:ext>
-            </a:extLst>
-          </p:cNvPr>
-          <p:cNvCxnSpPr/>
-          <p:nvPr/>
-        </p:nvCxnSpPr>
-        <p:spPr>
-          <a:xfrm>
-            <a:off x="801384" y="1993173"/>
-            <a:ext cx="10552416" cy="0"/>
-          </a:xfrm>
-          <a:prstGeom prst="line">
-            <a:avLst/>
-          </a:prstGeom>
-          <a:ln w="57150">
-            <a:solidFill>
-              <a:srgbClr val="7030A0"/>
-            </a:solidFill>
-            <a:prstDash val="dash"/>
-          </a:ln>
-        </p:spPr>
-        <p:style>
-          <a:lnRef idx="1">
-            <a:schemeClr val="accent1"/>
-          </a:lnRef>
-          <a:fillRef idx="0">
-            <a:schemeClr val="accent1"/>
-          </a:fillRef>
-          <a:effectRef idx="0">
-            <a:schemeClr val="accent1"/>
-          </a:effectRef>
-          <a:fontRef idx="minor">
-            <a:schemeClr val="tx1"/>
-          </a:fontRef>
-        </p:style>
-      </p:cxnSp>
-      <p:cxnSp>
-        <p:nvCxnSpPr>
-          <p:cNvPr id="49" name="直線コネクタ 48">
-            <a:extLst>
-              <a:ext uri="{FF2B5EF4-FFF2-40B4-BE49-F238E27FC236}">
-                <a16:creationId xmlns:a16="http://schemas.microsoft.com/office/drawing/2014/main" id="{F1762C7E-DB16-1E24-DCCA-0CE41AD44CAE}"/>
-              </a:ext>
-            </a:extLst>
-          </p:cNvPr>
-          <p:cNvCxnSpPr/>
-          <p:nvPr/>
-        </p:nvCxnSpPr>
-        <p:spPr>
-          <a:xfrm>
-            <a:off x="801384" y="1385290"/>
-            <a:ext cx="10552416" cy="0"/>
-          </a:xfrm>
-          <a:prstGeom prst="line">
-            <a:avLst/>
-          </a:prstGeom>
-          <a:ln w="57150">
-            <a:solidFill>
-              <a:schemeClr val="accent5"/>
-            </a:solidFill>
-            <a:prstDash val="dash"/>
-          </a:ln>
-        </p:spPr>
-        <p:style>
-          <a:lnRef idx="1">
-            <a:schemeClr val="accent1"/>
-          </a:lnRef>
-          <a:fillRef idx="0">
-            <a:schemeClr val="accent1"/>
-          </a:fillRef>
-          <a:effectRef idx="0">
-            <a:schemeClr val="accent1"/>
-          </a:effectRef>
-          <a:fontRef idx="minor">
-            <a:schemeClr val="tx1"/>
-          </a:fontRef>
-        </p:style>
-      </p:cxnSp>
-      <p:cxnSp>
-        <p:nvCxnSpPr>
-          <p:cNvPr id="52" name="直線コネクタ 51">
-            <a:extLst>
-              <a:ext uri="{FF2B5EF4-FFF2-40B4-BE49-F238E27FC236}">
-                <a16:creationId xmlns:a16="http://schemas.microsoft.com/office/drawing/2014/main" id="{39C87D77-0630-7767-E80C-1190570A2CA7}"/>
-              </a:ext>
-            </a:extLst>
-          </p:cNvPr>
-          <p:cNvCxnSpPr/>
-          <p:nvPr/>
-        </p:nvCxnSpPr>
-        <p:spPr>
-          <a:xfrm>
-            <a:off x="801384" y="849325"/>
-            <a:ext cx="10552416" cy="0"/>
-          </a:xfrm>
-          <a:prstGeom prst="line">
-            <a:avLst/>
-          </a:prstGeom>
-          <a:ln w="57150">
-            <a:solidFill>
-              <a:schemeClr val="accent6"/>
-            </a:solidFill>
-            <a:prstDash val="dash"/>
-          </a:ln>
-        </p:spPr>
-        <p:style>
-          <a:lnRef idx="1">
-            <a:schemeClr val="accent1"/>
-          </a:lnRef>
-          <a:fillRef idx="0">
-            <a:schemeClr val="accent1"/>
-          </a:fillRef>
-          <a:effectRef idx="0">
-            <a:schemeClr val="accent1"/>
-          </a:effectRef>
-          <a:fontRef idx="minor">
-            <a:schemeClr val="tx1"/>
-          </a:fontRef>
-        </p:style>
-      </p:cxnSp>
-      <p:cxnSp>
-        <p:nvCxnSpPr>
-          <p:cNvPr id="56" name="直線矢印コネクタ 55">
-            <a:extLst>
-              <a:ext uri="{FF2B5EF4-FFF2-40B4-BE49-F238E27FC236}">
-                <a16:creationId xmlns:a16="http://schemas.microsoft.com/office/drawing/2014/main" id="{DB639F78-F7FD-9E67-7611-24E1B2F580A3}"/>
-              </a:ext>
-            </a:extLst>
-          </p:cNvPr>
-          <p:cNvCxnSpPr>
-            <a:cxnSpLocks/>
-          </p:cNvCxnSpPr>
-          <p:nvPr/>
-        </p:nvCxnSpPr>
-        <p:spPr>
-          <a:xfrm flipH="1">
-            <a:off x="10238535" y="928381"/>
-            <a:ext cx="2358" cy="1799996"/>
-          </a:xfrm>
-          <a:prstGeom prst="straightConnector1">
-            <a:avLst/>
-          </a:prstGeom>
-          <a:ln w="28575">
-            <a:solidFill>
-              <a:schemeClr val="accent6"/>
-            </a:solidFill>
-            <a:prstDash val="solid"/>
-            <a:tailEnd type="triangle"/>
-          </a:ln>
-        </p:spPr>
-        <p:style>
-          <a:lnRef idx="1">
-            <a:schemeClr val="dk1"/>
-          </a:lnRef>
-          <a:fillRef idx="0">
-            <a:schemeClr val="dk1"/>
-          </a:fillRef>
-          <a:effectRef idx="0">
-            <a:schemeClr val="dk1"/>
-          </a:effectRef>
-          <a:fontRef idx="minor">
-            <a:schemeClr val="tx1"/>
-          </a:fontRef>
-        </p:style>
-      </p:cxnSp>
-      <p:cxnSp>
-        <p:nvCxnSpPr>
-          <p:cNvPr id="72" name="直線矢印コネクタ 71">
-            <a:extLst>
-              <a:ext uri="{FF2B5EF4-FFF2-40B4-BE49-F238E27FC236}">
-                <a16:creationId xmlns:a16="http://schemas.microsoft.com/office/drawing/2014/main" id="{FF905DC6-AFD2-3794-DC98-C6F4006850EF}"/>
-              </a:ext>
-            </a:extLst>
-          </p:cNvPr>
-          <p:cNvCxnSpPr>
-            <a:cxnSpLocks/>
-            <a:stCxn id="6" idx="4"/>
-            <a:endCxn id="2" idx="0"/>
-          </p:cNvCxnSpPr>
-          <p:nvPr/>
-        </p:nvCxnSpPr>
-        <p:spPr>
-          <a:xfrm flipH="1">
-            <a:off x="5371368" y="911253"/>
-            <a:ext cx="14559" cy="1812224"/>
-          </a:xfrm>
-          <a:prstGeom prst="straightConnector1">
-            <a:avLst/>
-          </a:prstGeom>
-          <a:ln w="28575">
-            <a:solidFill>
-              <a:schemeClr val="accent6"/>
-            </a:solidFill>
-            <a:prstDash val="solid"/>
-            <a:tailEnd type="triangle"/>
-          </a:ln>
-        </p:spPr>
-        <p:style>
-          <a:lnRef idx="1">
-            <a:schemeClr val="dk1"/>
-          </a:lnRef>
-          <a:fillRef idx="0">
-            <a:schemeClr val="dk1"/>
-          </a:fillRef>
-          <a:effectRef idx="0">
-            <a:schemeClr val="dk1"/>
-          </a:effectRef>
-          <a:fontRef idx="minor">
-            <a:schemeClr val="tx1"/>
-          </a:fontRef>
-        </p:style>
-      </p:cxnSp>
-      <p:cxnSp>
-        <p:nvCxnSpPr>
-          <p:cNvPr id="89" name="直線矢印コネクタ 88">
-            <a:extLst>
-              <a:ext uri="{FF2B5EF4-FFF2-40B4-BE49-F238E27FC236}">
-                <a16:creationId xmlns:a16="http://schemas.microsoft.com/office/drawing/2014/main" id="{359F5BB2-BF87-6F41-F1B0-EC5E6436B8BA}"/>
-              </a:ext>
-            </a:extLst>
-          </p:cNvPr>
-          <p:cNvCxnSpPr>
-            <a:cxnSpLocks/>
-          </p:cNvCxnSpPr>
-          <p:nvPr/>
-        </p:nvCxnSpPr>
-        <p:spPr>
-          <a:xfrm flipV="1">
-            <a:off x="8740031" y="919817"/>
-            <a:ext cx="2540" cy="1811061"/>
-          </a:xfrm>
-          <a:prstGeom prst="straightConnector1">
-            <a:avLst/>
-          </a:prstGeom>
-          <a:ln w="28575">
-            <a:solidFill>
-              <a:schemeClr val="accent6"/>
-            </a:solidFill>
-            <a:prstDash val="solid"/>
-            <a:tailEnd type="triangle"/>
-          </a:ln>
-        </p:spPr>
-        <p:style>
-          <a:lnRef idx="1">
-            <a:schemeClr val="dk1"/>
-          </a:lnRef>
-          <a:fillRef idx="0">
-            <a:schemeClr val="dk1"/>
-          </a:fillRef>
-          <a:effectRef idx="0">
-            <a:schemeClr val="dk1"/>
-          </a:effectRef>
-          <a:fontRef idx="minor">
-            <a:schemeClr val="tx1"/>
-          </a:fontRef>
-        </p:style>
-      </p:cxnSp>
-      <p:sp>
-        <p:nvSpPr>
-          <p:cNvPr id="6" name="楕円 5">
-            <a:extLst>
-              <a:ext uri="{FF2B5EF4-FFF2-40B4-BE49-F238E27FC236}">
-                <a16:creationId xmlns:a16="http://schemas.microsoft.com/office/drawing/2014/main" id="{B0AF04D0-69BB-8EA1-190F-DA0A61B42706}"/>
-              </a:ext>
-            </a:extLst>
-          </p:cNvPr>
-          <p:cNvSpPr/>
-          <p:nvPr/>
-        </p:nvSpPr>
-        <p:spPr>
-          <a:xfrm>
-            <a:off x="5308870" y="766266"/>
-            <a:ext cx="154113" cy="144987"/>
-          </a:xfrm>
-          <a:prstGeom prst="ellipse">
-            <a:avLst/>
-          </a:prstGeom>
-          <a:solidFill>
-            <a:schemeClr val="accent6"/>
-          </a:solidFill>
-          <a:ln>
-            <a:solidFill>
-              <a:schemeClr val="accent6">
-                <a:lumMod val="75000"/>
-              </a:schemeClr>
-            </a:solidFill>
-          </a:ln>
         </p:spPr>
         <p:style>
           <a:lnRef idx="2">
@@ -31622,168 +33837,6 @@
           <a:bodyPr rtlCol="0" anchor="ctr"/>
           <a:lstStyle/>
           <a:p>
-            <a:pPr algn="ctr"/>
-            <a:endParaRPr kumimoji="1" lang="ja-JP" altLang="en-US"/>
-          </a:p>
-        </p:txBody>
-      </p:sp>
-      <p:sp>
-        <p:nvSpPr>
-          <p:cNvPr id="9" name="楕円 8">
-            <a:extLst>
-              <a:ext uri="{FF2B5EF4-FFF2-40B4-BE49-F238E27FC236}">
-                <a16:creationId xmlns:a16="http://schemas.microsoft.com/office/drawing/2014/main" id="{CB45CBBB-C35A-0A2F-48AC-A09AC5A77537}"/>
-              </a:ext>
-            </a:extLst>
-          </p:cNvPr>
-          <p:cNvSpPr/>
-          <p:nvPr/>
-        </p:nvSpPr>
-        <p:spPr>
-          <a:xfrm>
-            <a:off x="8666802" y="774830"/>
-            <a:ext cx="154113" cy="144987"/>
-          </a:xfrm>
-          <a:prstGeom prst="ellipse">
-            <a:avLst/>
-          </a:prstGeom>
-          <a:solidFill>
-            <a:schemeClr val="accent6"/>
-          </a:solidFill>
-          <a:ln>
-            <a:solidFill>
-              <a:schemeClr val="accent6">
-                <a:lumMod val="75000"/>
-              </a:schemeClr>
-            </a:solidFill>
-          </a:ln>
-        </p:spPr>
-        <p:style>
-          <a:lnRef idx="2">
-            <a:schemeClr val="accent1">
-              <a:shade val="50000"/>
-            </a:schemeClr>
-          </a:lnRef>
-          <a:fillRef idx="1">
-            <a:schemeClr val="accent1"/>
-          </a:fillRef>
-          <a:effectRef idx="0">
-            <a:schemeClr val="accent1"/>
-          </a:effectRef>
-          <a:fontRef idx="minor">
-            <a:schemeClr val="lt1"/>
-          </a:fontRef>
-        </p:style>
-        <p:txBody>
-          <a:bodyPr rtlCol="0" anchor="ctr"/>
-          <a:lstStyle/>
-          <a:p>
-            <a:pPr algn="ctr"/>
-            <a:endParaRPr kumimoji="1" lang="ja-JP" altLang="en-US"/>
-          </a:p>
-        </p:txBody>
-      </p:sp>
-      <p:sp>
-        <p:nvSpPr>
-          <p:cNvPr id="12" name="楕円 11">
-            <a:extLst>
-              <a:ext uri="{FF2B5EF4-FFF2-40B4-BE49-F238E27FC236}">
-                <a16:creationId xmlns:a16="http://schemas.microsoft.com/office/drawing/2014/main" id="{DB9F15AD-3D76-CA69-711A-80217548930B}"/>
-              </a:ext>
-            </a:extLst>
-          </p:cNvPr>
-          <p:cNvSpPr/>
-          <p:nvPr/>
-        </p:nvSpPr>
-        <p:spPr>
-          <a:xfrm>
-            <a:off x="10165124" y="783394"/>
-            <a:ext cx="154113" cy="144987"/>
-          </a:xfrm>
-          <a:prstGeom prst="ellipse">
-            <a:avLst/>
-          </a:prstGeom>
-          <a:solidFill>
-            <a:schemeClr val="accent6"/>
-          </a:solidFill>
-          <a:ln>
-            <a:solidFill>
-              <a:schemeClr val="accent6">
-                <a:lumMod val="75000"/>
-              </a:schemeClr>
-            </a:solidFill>
-          </a:ln>
-        </p:spPr>
-        <p:style>
-          <a:lnRef idx="2">
-            <a:schemeClr val="accent1">
-              <a:shade val="50000"/>
-            </a:schemeClr>
-          </a:lnRef>
-          <a:fillRef idx="1">
-            <a:schemeClr val="accent1"/>
-          </a:fillRef>
-          <a:effectRef idx="0">
-            <a:schemeClr val="accent1"/>
-          </a:effectRef>
-          <a:fontRef idx="minor">
-            <a:schemeClr val="lt1"/>
-          </a:fontRef>
-        </p:style>
-        <p:txBody>
-          <a:bodyPr rtlCol="0" anchor="ctr"/>
-          <a:lstStyle/>
-          <a:p>
-            <a:pPr algn="ctr"/>
-            <a:endParaRPr kumimoji="1" lang="ja-JP" altLang="en-US"/>
-          </a:p>
-        </p:txBody>
-      </p:sp>
-      <p:sp>
-        <p:nvSpPr>
-          <p:cNvPr id="15" name="四角形: 角を丸くする 14">
-            <a:extLst>
-              <a:ext uri="{FF2B5EF4-FFF2-40B4-BE49-F238E27FC236}">
-                <a16:creationId xmlns:a16="http://schemas.microsoft.com/office/drawing/2014/main" id="{31D62EBF-FBA8-01DB-EC3A-E709BAB69E29}"/>
-              </a:ext>
-            </a:extLst>
-          </p:cNvPr>
-          <p:cNvSpPr/>
-          <p:nvPr/>
-        </p:nvSpPr>
-        <p:spPr>
-          <a:xfrm>
-            <a:off x="2786493" y="2720048"/>
-            <a:ext cx="1643931" cy="472092"/>
-          </a:xfrm>
-          <a:prstGeom prst="roundRect">
-            <a:avLst/>
-          </a:prstGeom>
-          <a:noFill/>
-          <a:ln w="38100">
-            <a:solidFill>
-              <a:srgbClr val="FFC000"/>
-            </a:solidFill>
-          </a:ln>
-        </p:spPr>
-        <p:style>
-          <a:lnRef idx="2">
-            <a:schemeClr val="accent6"/>
-          </a:lnRef>
-          <a:fillRef idx="1">
-            <a:schemeClr val="lt1"/>
-          </a:fillRef>
-          <a:effectRef idx="0">
-            <a:schemeClr val="accent6"/>
-          </a:effectRef>
-          <a:fontRef idx="minor">
-            <a:schemeClr val="dk1"/>
-          </a:fontRef>
-        </p:style>
-        <p:txBody>
-          <a:bodyPr rtlCol="0" anchor="ctr"/>
-          <a:lstStyle/>
-          <a:p>
             <a:pPr marL="0" marR="0" lvl="0" indent="0" algn="ctr" defTabSz="914400" rtl="0" eaLnBrk="1" fontAlgn="auto" latinLnBrk="0" hangingPunct="1">
               <a:lnSpc>
                 <a:spcPct val="100000"/>
@@ -31801,129 +33854,13 @@
               <a:tabLst/>
               <a:defRPr/>
             </a:pPr>
-            <a:endParaRPr kumimoji="1" lang="ja-JP" altLang="en-US" sz="1800" b="0" i="0" u="none" strike="noStrike" kern="1200" cap="none" spc="0" normalizeH="0" baseline="0" noProof="0" dirty="0">
-              <a:ln>
-                <a:noFill/>
-              </a:ln>
-              <a:solidFill>
-                <a:prstClr val="black"/>
-              </a:solidFill>
-              <a:effectLst/>
-              <a:uLnTx/>
-              <a:uFillTx/>
-              <a:latin typeface="游ゴシック" panose="020F0502020204030204"/>
-              <a:ea typeface="游ゴシック" panose="020B0400000000000000" pitchFamily="50" charset="-128"/>
-              <a:cs typeface="+mn-cs"/>
-            </a:endParaRPr>
-          </a:p>
-        </p:txBody>
-      </p:sp>
-      <p:sp>
-        <p:nvSpPr>
-          <p:cNvPr id="16" name="楕円 15">
-            <a:extLst>
-              <a:ext uri="{FF2B5EF4-FFF2-40B4-BE49-F238E27FC236}">
-                <a16:creationId xmlns:a16="http://schemas.microsoft.com/office/drawing/2014/main" id="{E4DDC981-4384-219F-782A-C343367DDD15}"/>
-              </a:ext>
-            </a:extLst>
-          </p:cNvPr>
-          <p:cNvSpPr/>
-          <p:nvPr/>
-        </p:nvSpPr>
-        <p:spPr>
-          <a:xfrm>
-            <a:off x="5748943" y="1925524"/>
-            <a:ext cx="154113" cy="144987"/>
-          </a:xfrm>
-          <a:prstGeom prst="ellipse">
-            <a:avLst/>
-          </a:prstGeom>
-          <a:solidFill>
-            <a:srgbClr val="7030A0"/>
-          </a:solidFill>
-          <a:ln>
-            <a:solidFill>
-              <a:srgbClr val="002060"/>
-            </a:solidFill>
-          </a:ln>
-        </p:spPr>
-        <p:style>
-          <a:lnRef idx="2">
-            <a:schemeClr val="accent1">
-              <a:shade val="50000"/>
-            </a:schemeClr>
-          </a:lnRef>
-          <a:fillRef idx="1">
-            <a:schemeClr val="accent1"/>
-          </a:fillRef>
-          <a:effectRef idx="0">
-            <a:schemeClr val="accent1"/>
-          </a:effectRef>
-          <a:fontRef idx="minor">
-            <a:schemeClr val="lt1"/>
-          </a:fontRef>
-        </p:style>
-        <p:txBody>
-          <a:bodyPr rtlCol="0" anchor="ctr"/>
-          <a:lstStyle/>
-          <a:p>
-            <a:pPr algn="ctr"/>
-            <a:endParaRPr kumimoji="1" lang="ja-JP" altLang="en-US"/>
-          </a:p>
-        </p:txBody>
-      </p:sp>
-      <p:sp>
-        <p:nvSpPr>
-          <p:cNvPr id="17" name="テキスト ボックス 16">
-            <a:extLst>
-              <a:ext uri="{FF2B5EF4-FFF2-40B4-BE49-F238E27FC236}">
-                <a16:creationId xmlns:a16="http://schemas.microsoft.com/office/drawing/2014/main" id="{681DA3D1-024B-EDE2-F175-0295E57D1EA2}"/>
-              </a:ext>
-            </a:extLst>
-          </p:cNvPr>
-          <p:cNvSpPr txBox="1"/>
-          <p:nvPr/>
-        </p:nvSpPr>
-        <p:spPr>
-          <a:xfrm>
-            <a:off x="9820956" y="427499"/>
-            <a:ext cx="1569660" cy="369332"/>
-          </a:xfrm>
-          <a:prstGeom prst="rect">
-            <a:avLst/>
-          </a:prstGeom>
-          <a:noFill/>
-        </p:spPr>
-        <p:txBody>
-          <a:bodyPr wrap="none" rtlCol="0">
-            <a:spAutoFit/>
-          </a:bodyPr>
-          <a:lstStyle/>
-          <a:p>
-            <a:pPr marL="0" marR="0" lvl="0" indent="0" algn="l" defTabSz="914400" rtl="0" eaLnBrk="1" fontAlgn="auto" latinLnBrk="0" hangingPunct="1">
-              <a:lnSpc>
-                <a:spcPct val="100000"/>
-              </a:lnSpc>
-              <a:spcBef>
-                <a:spcPts val="0"/>
-              </a:spcBef>
-              <a:spcAft>
-                <a:spcPts val="0"/>
-              </a:spcAft>
-              <a:buClrTx/>
-              <a:buSzTx/>
-              <a:buFontTx/>
-              <a:buNone/>
-              <a:tabLst/>
-              <a:defRPr/>
-            </a:pPr>
             <a:r>
               <a:rPr kumimoji="1" lang="ja-JP" altLang="en-US" sz="1800" b="0" i="0" u="none" strike="noStrike" kern="1200" cap="none" spc="0" normalizeH="0" baseline="0" noProof="0" dirty="0">
                 <a:ln>
                   <a:noFill/>
                 </a:ln>
                 <a:solidFill>
-                  <a:schemeClr val="accent6"/>
+                  <a:prstClr val="white"/>
                 </a:solidFill>
                 <a:effectLst/>
                 <a:uLnTx/>
@@ -31932,1543 +33869,33 @@
                 <a:ea typeface="游ゴシック" panose="020B0400000000000000" pitchFamily="50" charset="-128"/>
                 <a:cs typeface="+mn-cs"/>
               </a:rPr>
-              <a:t>グリーン電力</a:t>
-            </a:r>
-          </a:p>
-        </p:txBody>
-      </p:sp>
-      <p:sp>
-        <p:nvSpPr>
-          <p:cNvPr id="18" name="テキスト ボックス 17">
-            <a:extLst>
-              <a:ext uri="{FF2B5EF4-FFF2-40B4-BE49-F238E27FC236}">
-                <a16:creationId xmlns:a16="http://schemas.microsoft.com/office/drawing/2014/main" id="{78F6B4DA-C6BB-A3D0-443C-F7C606F1E847}"/>
-              </a:ext>
-            </a:extLst>
-          </p:cNvPr>
-          <p:cNvSpPr txBox="1"/>
-          <p:nvPr/>
-        </p:nvSpPr>
-        <p:spPr>
-          <a:xfrm>
-            <a:off x="10568970" y="1030370"/>
-            <a:ext cx="646331" cy="369332"/>
-          </a:xfrm>
-          <a:prstGeom prst="rect">
-            <a:avLst/>
-          </a:prstGeom>
-          <a:noFill/>
-        </p:spPr>
-        <p:txBody>
-          <a:bodyPr wrap="none" rtlCol="0">
-            <a:spAutoFit/>
-          </a:bodyPr>
-          <a:lstStyle/>
-          <a:p>
-            <a:pPr marL="0" marR="0" lvl="0" indent="0" algn="l" defTabSz="914400" rtl="0" eaLnBrk="1" fontAlgn="auto" latinLnBrk="0" hangingPunct="1">
-              <a:lnSpc>
-                <a:spcPct val="100000"/>
-              </a:lnSpc>
-              <a:spcBef>
-                <a:spcPts val="0"/>
-              </a:spcBef>
-              <a:spcAft>
-                <a:spcPts val="0"/>
-              </a:spcAft>
-              <a:buClrTx/>
-              <a:buSzTx/>
-              <a:buFontTx/>
-              <a:buNone/>
-              <a:tabLst/>
-              <a:defRPr/>
-            </a:pPr>
-            <a:r>
-              <a:rPr kumimoji="1" lang="ja-JP" altLang="en-US" sz="1800" b="0" i="0" u="none" strike="noStrike" kern="1200" cap="none" spc="0" normalizeH="0" baseline="0" noProof="0" dirty="0">
-                <a:ln>
-                  <a:noFill/>
-                </a:ln>
-                <a:solidFill>
-                  <a:schemeClr val="accent1"/>
-                </a:solidFill>
-                <a:effectLst/>
-                <a:uLnTx/>
-                <a:uFillTx/>
-                <a:latin typeface="游ゴシック" panose="020F0502020204030204"/>
-                <a:ea typeface="游ゴシック" panose="020B0400000000000000" pitchFamily="50" charset="-128"/>
-                <a:cs typeface="+mn-cs"/>
-              </a:rPr>
-              <a:t>水素</a:t>
-            </a:r>
-          </a:p>
-        </p:txBody>
-      </p:sp>
-      <p:sp>
-        <p:nvSpPr>
-          <p:cNvPr id="19" name="テキスト ボックス 18">
-            <a:extLst>
-              <a:ext uri="{FF2B5EF4-FFF2-40B4-BE49-F238E27FC236}">
-                <a16:creationId xmlns:a16="http://schemas.microsoft.com/office/drawing/2014/main" id="{13CB3F0C-0CE0-CD01-B909-5FFAA9E960D6}"/>
-              </a:ext>
-            </a:extLst>
-          </p:cNvPr>
-          <p:cNvSpPr txBox="1"/>
-          <p:nvPr/>
-        </p:nvSpPr>
-        <p:spPr>
-          <a:xfrm>
-            <a:off x="10568970" y="1605571"/>
-            <a:ext cx="638316" cy="369332"/>
-          </a:xfrm>
-          <a:prstGeom prst="rect">
-            <a:avLst/>
-          </a:prstGeom>
-          <a:noFill/>
-        </p:spPr>
-        <p:txBody>
-          <a:bodyPr wrap="none" rtlCol="0">
-            <a:spAutoFit/>
-          </a:bodyPr>
-          <a:lstStyle/>
-          <a:p>
-            <a:pPr marL="0" marR="0" lvl="0" indent="0" algn="l" defTabSz="914400" rtl="0" eaLnBrk="1" fontAlgn="auto" latinLnBrk="0" hangingPunct="1">
-              <a:lnSpc>
-                <a:spcPct val="100000"/>
-              </a:lnSpc>
-              <a:spcBef>
-                <a:spcPts val="0"/>
-              </a:spcBef>
-              <a:spcAft>
-                <a:spcPts val="0"/>
-              </a:spcAft>
-              <a:buClrTx/>
-              <a:buSzTx/>
-              <a:buFontTx/>
-              <a:buNone/>
-              <a:tabLst/>
-              <a:defRPr/>
-            </a:pPr>
-            <a:r>
-              <a:rPr kumimoji="1" lang="en-US" altLang="ja-JP" sz="1800" b="0" i="0" u="none" strike="noStrike" kern="1200" cap="none" spc="0" normalizeH="0" baseline="0" noProof="0" dirty="0">
-                <a:ln>
-                  <a:noFill/>
-                </a:ln>
-                <a:solidFill>
-                  <a:srgbClr val="7030A0"/>
-                </a:solidFill>
-                <a:effectLst/>
-                <a:uLnTx/>
-                <a:uFillTx/>
-                <a:latin typeface="游ゴシック" panose="020F0502020204030204"/>
-                <a:ea typeface="游ゴシック" panose="020B0400000000000000" pitchFamily="50" charset="-128"/>
-                <a:cs typeface="+mn-cs"/>
-              </a:rPr>
-              <a:t>CO2</a:t>
-            </a:r>
-            <a:endParaRPr kumimoji="1" lang="ja-JP" altLang="en-US" sz="1800" b="0" i="0" u="none" strike="noStrike" kern="1200" cap="none" spc="0" normalizeH="0" baseline="0" noProof="0" dirty="0">
-              <a:ln>
-                <a:noFill/>
-              </a:ln>
-              <a:solidFill>
-                <a:srgbClr val="7030A0"/>
-              </a:solidFill>
-              <a:effectLst/>
-              <a:uLnTx/>
-              <a:uFillTx/>
-              <a:latin typeface="游ゴシック" panose="020F0502020204030204"/>
-              <a:ea typeface="游ゴシック" panose="020B0400000000000000" pitchFamily="50" charset="-128"/>
-              <a:cs typeface="+mn-cs"/>
-            </a:endParaRPr>
-          </a:p>
-        </p:txBody>
-      </p:sp>
-      <p:sp>
-        <p:nvSpPr>
-          <p:cNvPr id="20" name="楕円 19">
-            <a:extLst>
-              <a:ext uri="{FF2B5EF4-FFF2-40B4-BE49-F238E27FC236}">
-                <a16:creationId xmlns:a16="http://schemas.microsoft.com/office/drawing/2014/main" id="{DDE81474-BE5A-6136-2ACE-F5134E71541D}"/>
-              </a:ext>
-            </a:extLst>
-          </p:cNvPr>
-          <p:cNvSpPr/>
-          <p:nvPr/>
-        </p:nvSpPr>
-        <p:spPr>
-          <a:xfrm>
-            <a:off x="3965509" y="1935169"/>
-            <a:ext cx="154113" cy="144987"/>
-          </a:xfrm>
-          <a:prstGeom prst="ellipse">
-            <a:avLst/>
-          </a:prstGeom>
-          <a:solidFill>
-            <a:srgbClr val="7030A0"/>
-          </a:solidFill>
-          <a:ln>
-            <a:solidFill>
-              <a:srgbClr val="002060"/>
-            </a:solidFill>
-          </a:ln>
-        </p:spPr>
-        <p:style>
-          <a:lnRef idx="2">
-            <a:schemeClr val="accent1">
-              <a:shade val="50000"/>
-            </a:schemeClr>
-          </a:lnRef>
-          <a:fillRef idx="1">
-            <a:schemeClr val="accent1"/>
-          </a:fillRef>
-          <a:effectRef idx="0">
-            <a:schemeClr val="accent1"/>
-          </a:effectRef>
-          <a:fontRef idx="minor">
-            <a:schemeClr val="lt1"/>
-          </a:fontRef>
-        </p:style>
-        <p:txBody>
-          <a:bodyPr rtlCol="0" anchor="ctr"/>
-          <a:lstStyle/>
-          <a:p>
-            <a:pPr algn="ctr"/>
-            <a:endParaRPr kumimoji="1" lang="ja-JP" altLang="en-US"/>
-          </a:p>
-        </p:txBody>
-      </p:sp>
-      <p:sp>
-        <p:nvSpPr>
-          <p:cNvPr id="23" name="テキスト ボックス 22">
-            <a:extLst>
-              <a:ext uri="{FF2B5EF4-FFF2-40B4-BE49-F238E27FC236}">
-                <a16:creationId xmlns:a16="http://schemas.microsoft.com/office/drawing/2014/main" id="{E54D0E4C-1D3E-B4BB-BCD3-E9DCE8471E33}"/>
-              </a:ext>
-            </a:extLst>
-          </p:cNvPr>
-          <p:cNvSpPr txBox="1"/>
-          <p:nvPr/>
-        </p:nvSpPr>
-        <p:spPr>
-          <a:xfrm>
-            <a:off x="2957474" y="2786625"/>
-            <a:ext cx="1328327" cy="369332"/>
-          </a:xfrm>
-          <a:prstGeom prst="rect">
-            <a:avLst/>
-          </a:prstGeom>
-          <a:noFill/>
-        </p:spPr>
-        <p:txBody>
-          <a:bodyPr wrap="square" rtlCol="0">
-            <a:spAutoFit/>
-          </a:bodyPr>
-          <a:lstStyle/>
-          <a:p>
-            <a:pPr marL="0" marR="0" lvl="0" indent="0" algn="ctr" defTabSz="914400" rtl="0" eaLnBrk="1" fontAlgn="auto" latinLnBrk="0" hangingPunct="1">
-              <a:lnSpc>
-                <a:spcPct val="100000"/>
-              </a:lnSpc>
-              <a:spcBef>
-                <a:spcPts val="0"/>
-              </a:spcBef>
-              <a:spcAft>
-                <a:spcPts val="0"/>
-              </a:spcAft>
-              <a:buClrTx/>
-              <a:buSzTx/>
-              <a:buFontTx/>
-              <a:buNone/>
-              <a:tabLst/>
-              <a:defRPr/>
-            </a:pPr>
-            <a:r>
-              <a:rPr kumimoji="1" lang="en-US" altLang="ja-JP" b="0" i="0" u="none" strike="noStrike" kern="1200" cap="none" spc="0" normalizeH="0" baseline="0" noProof="0" dirty="0">
-                <a:ln>
-                  <a:noFill/>
-                </a:ln>
-                <a:solidFill>
-                  <a:prstClr val="black"/>
-                </a:solidFill>
-                <a:effectLst/>
-                <a:uLnTx/>
-                <a:uFillTx/>
-                <a:latin typeface="游ゴシック" panose="020F0502020204030204"/>
-                <a:ea typeface="游ゴシック" panose="020B0400000000000000" pitchFamily="50" charset="-128"/>
-                <a:cs typeface="+mn-cs"/>
-              </a:rPr>
-              <a:t>CCU</a:t>
+              <a:t>情報フロー</a:t>
             </a:r>
           </a:p>
         </p:txBody>
       </p:sp>
       <p:cxnSp>
         <p:nvCxnSpPr>
-          <p:cNvPr id="24" name="直線矢印コネクタ 23">
-            <a:extLst>
-              <a:ext uri="{FF2B5EF4-FFF2-40B4-BE49-F238E27FC236}">
-                <a16:creationId xmlns:a16="http://schemas.microsoft.com/office/drawing/2014/main" id="{7D27ED03-25E9-630D-34AB-8ED72CCF2D2D}"/>
+          <p:cNvPr id="32" name="直線矢印コネクタ 31">
+            <a:extLst>
+              <a:ext uri="{FF2B5EF4-FFF2-40B4-BE49-F238E27FC236}">
+                <a16:creationId xmlns:a16="http://schemas.microsoft.com/office/drawing/2014/main" id="{0B89CDC5-F340-59FC-99F8-811E7A10989F}"/>
               </a:ext>
             </a:extLst>
           </p:cNvPr>
           <p:cNvCxnSpPr>
             <a:cxnSpLocks/>
-            <a:endCxn id="16" idx="4"/>
+            <a:endCxn id="66" idx="2"/>
           </p:cNvCxnSpPr>
           <p:nvPr/>
         </p:nvCxnSpPr>
         <p:spPr>
-          <a:xfrm flipH="1" flipV="1">
-            <a:off x="5826000" y="2070511"/>
-            <a:ext cx="8233" cy="649537"/>
+          <a:xfrm flipV="1">
+            <a:off x="8741319" y="3084727"/>
+            <a:ext cx="0" cy="376772"/>
           </a:xfrm>
           <a:prstGeom prst="straightConnector1">
             <a:avLst/>
-          </a:prstGeom>
-          <a:ln w="28575">
-            <a:solidFill>
-              <a:srgbClr val="7030A0"/>
-            </a:solidFill>
-            <a:prstDash val="solid"/>
-            <a:tailEnd type="triangle"/>
-          </a:ln>
-        </p:spPr>
-        <p:style>
-          <a:lnRef idx="1">
-            <a:schemeClr val="dk1"/>
-          </a:lnRef>
-          <a:fillRef idx="0">
-            <a:schemeClr val="dk1"/>
-          </a:fillRef>
-          <a:effectRef idx="0">
-            <a:schemeClr val="dk1"/>
-          </a:effectRef>
-          <a:fontRef idx="minor">
-            <a:schemeClr val="tx1"/>
-          </a:fontRef>
-        </p:style>
-      </p:cxnSp>
-      <p:cxnSp>
-        <p:nvCxnSpPr>
-          <p:cNvPr id="28" name="直線矢印コネクタ 27">
-            <a:extLst>
-              <a:ext uri="{FF2B5EF4-FFF2-40B4-BE49-F238E27FC236}">
-                <a16:creationId xmlns:a16="http://schemas.microsoft.com/office/drawing/2014/main" id="{59BB667D-14E7-7457-EC7D-5DA8B5BCAAC4}"/>
-              </a:ext>
-            </a:extLst>
-          </p:cNvPr>
-          <p:cNvCxnSpPr>
-            <a:cxnSpLocks/>
-            <a:stCxn id="20" idx="4"/>
-          </p:cNvCxnSpPr>
-          <p:nvPr/>
-        </p:nvCxnSpPr>
-        <p:spPr>
-          <a:xfrm flipH="1">
-            <a:off x="4042565" y="2080156"/>
-            <a:ext cx="1" cy="603709"/>
-          </a:xfrm>
-          <a:prstGeom prst="straightConnector1">
-            <a:avLst/>
-          </a:prstGeom>
-          <a:ln w="28575">
-            <a:solidFill>
-              <a:srgbClr val="7030A0"/>
-            </a:solidFill>
-            <a:prstDash val="solid"/>
-            <a:tailEnd type="triangle"/>
-          </a:ln>
-        </p:spPr>
-        <p:style>
-          <a:lnRef idx="1">
-            <a:schemeClr val="dk1"/>
-          </a:lnRef>
-          <a:fillRef idx="0">
-            <a:schemeClr val="dk1"/>
-          </a:fillRef>
-          <a:effectRef idx="0">
-            <a:schemeClr val="dk1"/>
-          </a:effectRef>
-          <a:fontRef idx="minor">
-            <a:schemeClr val="tx1"/>
-          </a:fontRef>
-        </p:style>
-      </p:cxnSp>
-      <p:sp>
-        <p:nvSpPr>
-          <p:cNvPr id="33" name="楕円 32">
-            <a:extLst>
-              <a:ext uri="{FF2B5EF4-FFF2-40B4-BE49-F238E27FC236}">
-                <a16:creationId xmlns:a16="http://schemas.microsoft.com/office/drawing/2014/main" id="{A9ABA34D-713A-409B-FF7F-70B9B1F35FB7}"/>
-              </a:ext>
-            </a:extLst>
-          </p:cNvPr>
-          <p:cNvSpPr/>
-          <p:nvPr/>
-        </p:nvSpPr>
-        <p:spPr>
-          <a:xfrm>
-            <a:off x="4853380" y="1307365"/>
-            <a:ext cx="154113" cy="144987"/>
-          </a:xfrm>
-          <a:prstGeom prst="ellipse">
-            <a:avLst/>
-          </a:prstGeom>
-          <a:solidFill>
-            <a:schemeClr val="accent1"/>
-          </a:solidFill>
-          <a:ln>
-            <a:solidFill>
-              <a:schemeClr val="accent1">
-                <a:lumMod val="75000"/>
-              </a:schemeClr>
-            </a:solidFill>
-          </a:ln>
-        </p:spPr>
-        <p:style>
-          <a:lnRef idx="2">
-            <a:schemeClr val="accent1">
-              <a:shade val="50000"/>
-            </a:schemeClr>
-          </a:lnRef>
-          <a:fillRef idx="1">
-            <a:schemeClr val="accent1"/>
-          </a:fillRef>
-          <a:effectRef idx="0">
-            <a:schemeClr val="accent1"/>
-          </a:effectRef>
-          <a:fontRef idx="minor">
-            <a:schemeClr val="lt1"/>
-          </a:fontRef>
-        </p:style>
-        <p:txBody>
-          <a:bodyPr rtlCol="0" anchor="ctr"/>
-          <a:lstStyle/>
-          <a:p>
-            <a:pPr algn="ctr"/>
-            <a:endParaRPr kumimoji="1" lang="ja-JP" altLang="en-US"/>
-          </a:p>
-        </p:txBody>
-      </p:sp>
-      <p:sp>
-        <p:nvSpPr>
-          <p:cNvPr id="34" name="楕円 33">
-            <a:extLst>
-              <a:ext uri="{FF2B5EF4-FFF2-40B4-BE49-F238E27FC236}">
-                <a16:creationId xmlns:a16="http://schemas.microsoft.com/office/drawing/2014/main" id="{456EE4AA-ABD0-27D6-22A8-8D25246984E4}"/>
-              </a:ext>
-            </a:extLst>
-          </p:cNvPr>
-          <p:cNvSpPr/>
-          <p:nvPr/>
-        </p:nvSpPr>
-        <p:spPr>
-          <a:xfrm>
-            <a:off x="3090491" y="1317010"/>
-            <a:ext cx="154113" cy="144987"/>
-          </a:xfrm>
-          <a:prstGeom prst="ellipse">
-            <a:avLst/>
-          </a:prstGeom>
-          <a:solidFill>
-            <a:schemeClr val="accent1"/>
-          </a:solidFill>
-          <a:ln>
-            <a:solidFill>
-              <a:schemeClr val="accent1">
-                <a:lumMod val="75000"/>
-              </a:schemeClr>
-            </a:solidFill>
-          </a:ln>
-        </p:spPr>
-        <p:style>
-          <a:lnRef idx="2">
-            <a:schemeClr val="accent1">
-              <a:shade val="50000"/>
-            </a:schemeClr>
-          </a:lnRef>
-          <a:fillRef idx="1">
-            <a:schemeClr val="accent1"/>
-          </a:fillRef>
-          <a:effectRef idx="0">
-            <a:schemeClr val="accent1"/>
-          </a:effectRef>
-          <a:fontRef idx="minor">
-            <a:schemeClr val="lt1"/>
-          </a:fontRef>
-        </p:style>
-        <p:txBody>
-          <a:bodyPr rtlCol="0" anchor="ctr"/>
-          <a:lstStyle/>
-          <a:p>
-            <a:pPr algn="ctr"/>
-            <a:endParaRPr kumimoji="1" lang="ja-JP" altLang="en-US"/>
-          </a:p>
-        </p:txBody>
-      </p:sp>
-      <p:cxnSp>
-        <p:nvCxnSpPr>
-          <p:cNvPr id="37" name="直線矢印コネクタ 36">
-            <a:extLst>
-              <a:ext uri="{FF2B5EF4-FFF2-40B4-BE49-F238E27FC236}">
-                <a16:creationId xmlns:a16="http://schemas.microsoft.com/office/drawing/2014/main" id="{53FAE3B1-C272-84EC-68D1-57DCEA6CA44A}"/>
-              </a:ext>
-            </a:extLst>
-          </p:cNvPr>
-          <p:cNvCxnSpPr>
-            <a:cxnSpLocks/>
-            <a:stCxn id="34" idx="4"/>
-          </p:cNvCxnSpPr>
-          <p:nvPr/>
-        </p:nvCxnSpPr>
-        <p:spPr>
-          <a:xfrm flipH="1">
-            <a:off x="3159850" y="1461997"/>
-            <a:ext cx="7698" cy="1258051"/>
-          </a:xfrm>
-          <a:prstGeom prst="straightConnector1">
-            <a:avLst/>
-          </a:prstGeom>
-          <a:ln w="28575">
-            <a:solidFill>
-              <a:schemeClr val="accent1"/>
-            </a:solidFill>
-            <a:prstDash val="solid"/>
-            <a:tailEnd type="triangle"/>
-          </a:ln>
-        </p:spPr>
-        <p:style>
-          <a:lnRef idx="1">
-            <a:schemeClr val="dk1"/>
-          </a:lnRef>
-          <a:fillRef idx="0">
-            <a:schemeClr val="dk1"/>
-          </a:fillRef>
-          <a:effectRef idx="0">
-            <a:schemeClr val="dk1"/>
-          </a:effectRef>
-          <a:fontRef idx="minor">
-            <a:schemeClr val="tx1"/>
-          </a:fontRef>
-        </p:style>
-      </p:cxnSp>
-      <p:cxnSp>
-        <p:nvCxnSpPr>
-          <p:cNvPr id="41" name="直線矢印コネクタ 40">
-            <a:extLst>
-              <a:ext uri="{FF2B5EF4-FFF2-40B4-BE49-F238E27FC236}">
-                <a16:creationId xmlns:a16="http://schemas.microsoft.com/office/drawing/2014/main" id="{52DA6C96-49E1-797A-DB78-42440A46F021}"/>
-              </a:ext>
-            </a:extLst>
-          </p:cNvPr>
-          <p:cNvCxnSpPr>
-            <a:cxnSpLocks/>
-            <a:endCxn id="33" idx="4"/>
-          </p:cNvCxnSpPr>
-          <p:nvPr/>
-        </p:nvCxnSpPr>
-        <p:spPr>
-          <a:xfrm flipV="1">
-            <a:off x="4930437" y="1452352"/>
-            <a:ext cx="0" cy="1239682"/>
-          </a:xfrm>
-          <a:prstGeom prst="straightConnector1">
-            <a:avLst/>
-          </a:prstGeom>
-          <a:ln w="28575">
-            <a:solidFill>
-              <a:schemeClr val="accent1"/>
-            </a:solidFill>
-            <a:prstDash val="solid"/>
-            <a:tailEnd type="triangle"/>
-          </a:ln>
-        </p:spPr>
-        <p:style>
-          <a:lnRef idx="1">
-            <a:schemeClr val="dk1"/>
-          </a:lnRef>
-          <a:fillRef idx="0">
-            <a:schemeClr val="dk1"/>
-          </a:fillRef>
-          <a:effectRef idx="0">
-            <a:schemeClr val="dk1"/>
-          </a:effectRef>
-          <a:fontRef idx="minor">
-            <a:schemeClr val="tx1"/>
-          </a:fontRef>
-        </p:style>
-      </p:cxnSp>
-      <p:sp>
-        <p:nvSpPr>
-          <p:cNvPr id="51" name="四角形: 角を丸くする 50">
-            <a:extLst>
-              <a:ext uri="{FF2B5EF4-FFF2-40B4-BE49-F238E27FC236}">
-                <a16:creationId xmlns:a16="http://schemas.microsoft.com/office/drawing/2014/main" id="{BBF1598A-1758-C526-93F2-ECFF7B28D0B2}"/>
-              </a:ext>
-            </a:extLst>
-          </p:cNvPr>
-          <p:cNvSpPr/>
-          <p:nvPr/>
-        </p:nvSpPr>
-        <p:spPr>
-          <a:xfrm>
-            <a:off x="821338" y="2720048"/>
-            <a:ext cx="843596" cy="472092"/>
-          </a:xfrm>
-          <a:prstGeom prst="roundRect">
-            <a:avLst/>
-          </a:prstGeom>
-          <a:noFill/>
-          <a:ln w="38100">
-            <a:solidFill>
-              <a:srgbClr val="0070C0"/>
-            </a:solidFill>
-          </a:ln>
-        </p:spPr>
-        <p:style>
-          <a:lnRef idx="2">
-            <a:schemeClr val="accent6"/>
-          </a:lnRef>
-          <a:fillRef idx="1">
-            <a:schemeClr val="lt1"/>
-          </a:fillRef>
-          <a:effectRef idx="0">
-            <a:schemeClr val="accent6"/>
-          </a:effectRef>
-          <a:fontRef idx="minor">
-            <a:schemeClr val="dk1"/>
-          </a:fontRef>
-        </p:style>
-        <p:txBody>
-          <a:bodyPr rtlCol="0" anchor="ctr"/>
-          <a:lstStyle/>
-          <a:p>
-            <a:pPr marL="0" marR="0" lvl="0" indent="0" algn="ctr" defTabSz="914400" rtl="0" eaLnBrk="1" fontAlgn="auto" latinLnBrk="0" hangingPunct="1">
-              <a:lnSpc>
-                <a:spcPct val="100000"/>
-              </a:lnSpc>
-              <a:spcBef>
-                <a:spcPts val="0"/>
-              </a:spcBef>
-              <a:spcAft>
-                <a:spcPts val="0"/>
-              </a:spcAft>
-              <a:buClrTx/>
-              <a:buSzTx/>
-              <a:buFontTx/>
-              <a:buNone/>
-              <a:tabLst/>
-              <a:defRPr/>
-            </a:pPr>
-            <a:endParaRPr kumimoji="1" lang="ja-JP" altLang="en-US" sz="1800" b="0" i="0" u="none" strike="noStrike" kern="1200" cap="none" spc="0" normalizeH="0" baseline="0" noProof="0" dirty="0">
-              <a:ln>
-                <a:noFill/>
-              </a:ln>
-              <a:solidFill>
-                <a:prstClr val="black"/>
-              </a:solidFill>
-              <a:effectLst/>
-              <a:uLnTx/>
-              <a:uFillTx/>
-              <a:latin typeface="游ゴシック" panose="020F0502020204030204"/>
-              <a:ea typeface="游ゴシック" panose="020B0400000000000000" pitchFamily="50" charset="-128"/>
-              <a:cs typeface="+mn-cs"/>
-            </a:endParaRPr>
-          </a:p>
-        </p:txBody>
-      </p:sp>
-      <p:sp>
-        <p:nvSpPr>
-          <p:cNvPr id="53" name="テキスト ボックス 52">
-            <a:extLst>
-              <a:ext uri="{FF2B5EF4-FFF2-40B4-BE49-F238E27FC236}">
-                <a16:creationId xmlns:a16="http://schemas.microsoft.com/office/drawing/2014/main" id="{1301EAE3-9A6F-BF7F-7D79-CFE0B423D686}"/>
-              </a:ext>
-            </a:extLst>
-          </p:cNvPr>
-          <p:cNvSpPr txBox="1"/>
-          <p:nvPr/>
-        </p:nvSpPr>
-        <p:spPr>
-          <a:xfrm>
-            <a:off x="854343" y="2794794"/>
-            <a:ext cx="749805" cy="369332"/>
-          </a:xfrm>
-          <a:prstGeom prst="rect">
-            <a:avLst/>
-          </a:prstGeom>
-          <a:noFill/>
-        </p:spPr>
-        <p:txBody>
-          <a:bodyPr wrap="square" rtlCol="0">
-            <a:spAutoFit/>
-          </a:bodyPr>
-          <a:lstStyle/>
-          <a:p>
-            <a:pPr marL="0" marR="0" lvl="0" indent="0" algn="ctr" defTabSz="914400" rtl="0" eaLnBrk="1" fontAlgn="auto" latinLnBrk="0" hangingPunct="1">
-              <a:lnSpc>
-                <a:spcPct val="100000"/>
-              </a:lnSpc>
-              <a:spcBef>
-                <a:spcPts val="0"/>
-              </a:spcBef>
-              <a:spcAft>
-                <a:spcPts val="0"/>
-              </a:spcAft>
-              <a:buClrTx/>
-              <a:buSzTx/>
-              <a:buFontTx/>
-              <a:buNone/>
-              <a:tabLst/>
-              <a:defRPr/>
-            </a:pPr>
-            <a:r>
-              <a:rPr lang="en-US" altLang="ja-JP" dirty="0">
-                <a:solidFill>
-                  <a:prstClr val="black"/>
-                </a:solidFill>
-                <a:latin typeface="游ゴシック" panose="020F0502020204030204"/>
-                <a:ea typeface="游ゴシック" panose="020B0400000000000000" pitchFamily="50" charset="-128"/>
-              </a:rPr>
-              <a:t>CCS</a:t>
-            </a:r>
-          </a:p>
-        </p:txBody>
-      </p:sp>
-      <p:sp>
-        <p:nvSpPr>
-          <p:cNvPr id="61" name="楕円 60">
-            <a:extLst>
-              <a:ext uri="{FF2B5EF4-FFF2-40B4-BE49-F238E27FC236}">
-                <a16:creationId xmlns:a16="http://schemas.microsoft.com/office/drawing/2014/main" id="{773DFE68-9CD3-64A2-987C-FEF0096BCCC4}"/>
-              </a:ext>
-            </a:extLst>
-          </p:cNvPr>
-          <p:cNvSpPr/>
-          <p:nvPr/>
-        </p:nvSpPr>
-        <p:spPr>
-          <a:xfrm>
-            <a:off x="1158400" y="1943338"/>
-            <a:ext cx="154113" cy="144987"/>
-          </a:xfrm>
-          <a:prstGeom prst="ellipse">
-            <a:avLst/>
-          </a:prstGeom>
-          <a:solidFill>
-            <a:srgbClr val="7030A0"/>
-          </a:solidFill>
-          <a:ln>
-            <a:solidFill>
-              <a:srgbClr val="002060"/>
-            </a:solidFill>
-          </a:ln>
-        </p:spPr>
-        <p:style>
-          <a:lnRef idx="2">
-            <a:schemeClr val="accent1">
-              <a:shade val="50000"/>
-            </a:schemeClr>
-          </a:lnRef>
-          <a:fillRef idx="1">
-            <a:schemeClr val="accent1"/>
-          </a:fillRef>
-          <a:effectRef idx="0">
-            <a:schemeClr val="accent1"/>
-          </a:effectRef>
-          <a:fontRef idx="minor">
-            <a:schemeClr val="lt1"/>
-          </a:fontRef>
-        </p:style>
-        <p:txBody>
-          <a:bodyPr rtlCol="0" anchor="ctr"/>
-          <a:lstStyle/>
-          <a:p>
-            <a:pPr algn="ctr"/>
-            <a:endParaRPr kumimoji="1" lang="ja-JP" altLang="en-US"/>
-          </a:p>
-        </p:txBody>
-      </p:sp>
-      <p:cxnSp>
-        <p:nvCxnSpPr>
-          <p:cNvPr id="62" name="直線矢印コネクタ 61">
-            <a:extLst>
-              <a:ext uri="{FF2B5EF4-FFF2-40B4-BE49-F238E27FC236}">
-                <a16:creationId xmlns:a16="http://schemas.microsoft.com/office/drawing/2014/main" id="{0133FEE7-9D60-A46A-276B-C40DD2BB5814}"/>
-              </a:ext>
-            </a:extLst>
-          </p:cNvPr>
-          <p:cNvCxnSpPr>
-            <a:cxnSpLocks/>
-            <a:stCxn id="61" idx="4"/>
-          </p:cNvCxnSpPr>
-          <p:nvPr/>
-        </p:nvCxnSpPr>
-        <p:spPr>
-          <a:xfrm flipH="1">
-            <a:off x="1235456" y="2088325"/>
-            <a:ext cx="1" cy="603709"/>
-          </a:xfrm>
-          <a:prstGeom prst="straightConnector1">
-            <a:avLst/>
-          </a:prstGeom>
-          <a:ln w="28575">
-            <a:solidFill>
-              <a:srgbClr val="7030A0"/>
-            </a:solidFill>
-            <a:prstDash val="solid"/>
-            <a:tailEnd type="triangle"/>
-          </a:ln>
-        </p:spPr>
-        <p:style>
-          <a:lnRef idx="1">
-            <a:schemeClr val="dk1"/>
-          </a:lnRef>
-          <a:fillRef idx="0">
-            <a:schemeClr val="dk1"/>
-          </a:fillRef>
-          <a:effectRef idx="0">
-            <a:schemeClr val="dk1"/>
-          </a:effectRef>
-          <a:fontRef idx="minor">
-            <a:schemeClr val="tx1"/>
-          </a:fontRef>
-        </p:style>
-      </p:cxnSp>
-      <p:sp>
-        <p:nvSpPr>
-          <p:cNvPr id="63" name="四角形: 角を丸くする 62">
-            <a:extLst>
-              <a:ext uri="{FF2B5EF4-FFF2-40B4-BE49-F238E27FC236}">
-                <a16:creationId xmlns:a16="http://schemas.microsoft.com/office/drawing/2014/main" id="{AF80CCA6-CC9A-7323-ACDE-6AA856F826D8}"/>
-              </a:ext>
-            </a:extLst>
-          </p:cNvPr>
-          <p:cNvSpPr/>
-          <p:nvPr/>
-        </p:nvSpPr>
-        <p:spPr>
-          <a:xfrm>
-            <a:off x="1796181" y="2730322"/>
-            <a:ext cx="843596" cy="472092"/>
-          </a:xfrm>
-          <a:prstGeom prst="roundRect">
-            <a:avLst/>
-          </a:prstGeom>
-          <a:noFill/>
-          <a:ln w="38100">
-            <a:solidFill>
-              <a:srgbClr val="0070C0"/>
-            </a:solidFill>
-          </a:ln>
-        </p:spPr>
-        <p:style>
-          <a:lnRef idx="2">
-            <a:schemeClr val="accent6"/>
-          </a:lnRef>
-          <a:fillRef idx="1">
-            <a:schemeClr val="lt1"/>
-          </a:fillRef>
-          <a:effectRef idx="0">
-            <a:schemeClr val="accent6"/>
-          </a:effectRef>
-          <a:fontRef idx="minor">
-            <a:schemeClr val="dk1"/>
-          </a:fontRef>
-        </p:style>
-        <p:txBody>
-          <a:bodyPr rtlCol="0" anchor="ctr"/>
-          <a:lstStyle/>
-          <a:p>
-            <a:pPr marL="0" marR="0" lvl="0" indent="0" algn="ctr" defTabSz="914400" rtl="0" eaLnBrk="1" fontAlgn="auto" latinLnBrk="0" hangingPunct="1">
-              <a:lnSpc>
-                <a:spcPct val="100000"/>
-              </a:lnSpc>
-              <a:spcBef>
-                <a:spcPts val="0"/>
-              </a:spcBef>
-              <a:spcAft>
-                <a:spcPts val="0"/>
-              </a:spcAft>
-              <a:buClrTx/>
-              <a:buSzTx/>
-              <a:buFontTx/>
-              <a:buNone/>
-              <a:tabLst/>
-              <a:defRPr/>
-            </a:pPr>
-            <a:endParaRPr kumimoji="1" lang="ja-JP" altLang="en-US" sz="1800" b="0" i="0" u="none" strike="noStrike" kern="1200" cap="none" spc="0" normalizeH="0" baseline="0" noProof="0" dirty="0">
-              <a:ln>
-                <a:noFill/>
-              </a:ln>
-              <a:solidFill>
-                <a:prstClr val="black"/>
-              </a:solidFill>
-              <a:effectLst/>
-              <a:uLnTx/>
-              <a:uFillTx/>
-              <a:latin typeface="游ゴシック" panose="020F0502020204030204"/>
-              <a:ea typeface="游ゴシック" panose="020B0400000000000000" pitchFamily="50" charset="-128"/>
-              <a:cs typeface="+mn-cs"/>
-            </a:endParaRPr>
-          </a:p>
-        </p:txBody>
-      </p:sp>
-      <p:sp>
-        <p:nvSpPr>
-          <p:cNvPr id="64" name="テキスト ボックス 63">
-            <a:extLst>
-              <a:ext uri="{FF2B5EF4-FFF2-40B4-BE49-F238E27FC236}">
-                <a16:creationId xmlns:a16="http://schemas.microsoft.com/office/drawing/2014/main" id="{7F43B136-4C01-1809-B6DA-3B6609726685}"/>
-              </a:ext>
-            </a:extLst>
-          </p:cNvPr>
-          <p:cNvSpPr txBox="1"/>
-          <p:nvPr/>
-        </p:nvSpPr>
-        <p:spPr>
-          <a:xfrm>
-            <a:off x="1829186" y="2805068"/>
-            <a:ext cx="749805" cy="369332"/>
-          </a:xfrm>
-          <a:prstGeom prst="rect">
-            <a:avLst/>
-          </a:prstGeom>
-          <a:noFill/>
-        </p:spPr>
-        <p:txBody>
-          <a:bodyPr wrap="square" rtlCol="0">
-            <a:spAutoFit/>
-          </a:bodyPr>
-          <a:lstStyle/>
-          <a:p>
-            <a:pPr marL="0" marR="0" lvl="0" indent="0" algn="ctr" defTabSz="914400" rtl="0" eaLnBrk="1" fontAlgn="auto" latinLnBrk="0" hangingPunct="1">
-              <a:lnSpc>
-                <a:spcPct val="100000"/>
-              </a:lnSpc>
-              <a:spcBef>
-                <a:spcPts val="0"/>
-              </a:spcBef>
-              <a:spcAft>
-                <a:spcPts val="0"/>
-              </a:spcAft>
-              <a:buClrTx/>
-              <a:buSzTx/>
-              <a:buFontTx/>
-              <a:buNone/>
-              <a:tabLst/>
-              <a:defRPr/>
-            </a:pPr>
-            <a:r>
-              <a:rPr lang="ja-JP" altLang="en-US" dirty="0">
-                <a:solidFill>
-                  <a:prstClr val="black"/>
-                </a:solidFill>
-                <a:latin typeface="游ゴシック" panose="020F0502020204030204"/>
-                <a:ea typeface="游ゴシック" panose="020B0400000000000000" pitchFamily="50" charset="-128"/>
-              </a:rPr>
-              <a:t>輸送</a:t>
-            </a:r>
-            <a:endParaRPr lang="en-US" altLang="ja-JP" dirty="0">
-              <a:solidFill>
-                <a:prstClr val="black"/>
-              </a:solidFill>
-              <a:latin typeface="游ゴシック" panose="020F0502020204030204"/>
-              <a:ea typeface="游ゴシック" panose="020B0400000000000000" pitchFamily="50" charset="-128"/>
-            </a:endParaRPr>
-          </a:p>
-        </p:txBody>
-      </p:sp>
-      <p:sp>
-        <p:nvSpPr>
-          <p:cNvPr id="65" name="楕円 64">
-            <a:extLst>
-              <a:ext uri="{FF2B5EF4-FFF2-40B4-BE49-F238E27FC236}">
-                <a16:creationId xmlns:a16="http://schemas.microsoft.com/office/drawing/2014/main" id="{6209AD02-10AA-361A-5520-6E74D13DC164}"/>
-              </a:ext>
-            </a:extLst>
-          </p:cNvPr>
-          <p:cNvSpPr/>
-          <p:nvPr/>
-        </p:nvSpPr>
-        <p:spPr>
-          <a:xfrm>
-            <a:off x="2143557" y="1325573"/>
-            <a:ext cx="154113" cy="144987"/>
-          </a:xfrm>
-          <a:prstGeom prst="ellipse">
-            <a:avLst/>
-          </a:prstGeom>
-          <a:solidFill>
-            <a:schemeClr val="accent1"/>
-          </a:solidFill>
-          <a:ln>
-            <a:solidFill>
-              <a:schemeClr val="accent1">
-                <a:lumMod val="75000"/>
-              </a:schemeClr>
-            </a:solidFill>
-          </a:ln>
-        </p:spPr>
-        <p:style>
-          <a:lnRef idx="2">
-            <a:schemeClr val="accent1">
-              <a:shade val="50000"/>
-            </a:schemeClr>
-          </a:lnRef>
-          <a:fillRef idx="1">
-            <a:schemeClr val="accent1"/>
-          </a:fillRef>
-          <a:effectRef idx="0">
-            <a:schemeClr val="accent1"/>
-          </a:effectRef>
-          <a:fontRef idx="minor">
-            <a:schemeClr val="lt1"/>
-          </a:fontRef>
-        </p:style>
-        <p:txBody>
-          <a:bodyPr rtlCol="0" anchor="ctr"/>
-          <a:lstStyle/>
-          <a:p>
-            <a:pPr algn="ctr"/>
-            <a:endParaRPr kumimoji="1" lang="ja-JP" altLang="en-US"/>
-          </a:p>
-        </p:txBody>
-      </p:sp>
-      <p:cxnSp>
-        <p:nvCxnSpPr>
-          <p:cNvPr id="68" name="直線矢印コネクタ 67">
-            <a:extLst>
-              <a:ext uri="{FF2B5EF4-FFF2-40B4-BE49-F238E27FC236}">
-                <a16:creationId xmlns:a16="http://schemas.microsoft.com/office/drawing/2014/main" id="{23A12591-848C-B10F-730E-828B6831A2F9}"/>
-              </a:ext>
-            </a:extLst>
-          </p:cNvPr>
-          <p:cNvCxnSpPr>
-            <a:cxnSpLocks/>
-            <a:stCxn id="63" idx="0"/>
-            <a:endCxn id="65" idx="4"/>
-          </p:cNvCxnSpPr>
-          <p:nvPr/>
-        </p:nvCxnSpPr>
-        <p:spPr>
-          <a:xfrm flipV="1">
-            <a:off x="2217979" y="1470560"/>
-            <a:ext cx="2635" cy="1259762"/>
-          </a:xfrm>
-          <a:prstGeom prst="straightConnector1">
-            <a:avLst/>
-          </a:prstGeom>
-          <a:ln w="28575">
-            <a:solidFill>
-              <a:schemeClr val="accent1"/>
-            </a:solidFill>
-            <a:prstDash val="solid"/>
-            <a:tailEnd type="triangle"/>
-          </a:ln>
-        </p:spPr>
-        <p:style>
-          <a:lnRef idx="1">
-            <a:schemeClr val="dk1"/>
-          </a:lnRef>
-          <a:fillRef idx="0">
-            <a:schemeClr val="dk1"/>
-          </a:fillRef>
-          <a:effectRef idx="0">
-            <a:schemeClr val="dk1"/>
-          </a:effectRef>
-          <a:fontRef idx="minor">
-            <a:schemeClr val="tx1"/>
-          </a:fontRef>
-        </p:style>
-      </p:cxnSp>
-      <p:sp>
-        <p:nvSpPr>
-          <p:cNvPr id="77" name="四角形: 角を丸くする 76">
-            <a:extLst>
-              <a:ext uri="{FF2B5EF4-FFF2-40B4-BE49-F238E27FC236}">
-                <a16:creationId xmlns:a16="http://schemas.microsoft.com/office/drawing/2014/main" id="{DF7EA09E-3E74-731B-388A-0C02865436DB}"/>
-              </a:ext>
-            </a:extLst>
-          </p:cNvPr>
-          <p:cNvSpPr/>
-          <p:nvPr/>
-        </p:nvSpPr>
-        <p:spPr>
-          <a:xfrm>
-            <a:off x="6347495" y="2720048"/>
-            <a:ext cx="1494483" cy="472092"/>
-          </a:xfrm>
-          <a:prstGeom prst="roundRect">
-            <a:avLst/>
-          </a:prstGeom>
-          <a:noFill/>
-          <a:ln w="38100">
-            <a:solidFill>
-              <a:srgbClr val="FFC000"/>
-            </a:solidFill>
-          </a:ln>
-        </p:spPr>
-        <p:style>
-          <a:lnRef idx="2">
-            <a:schemeClr val="accent6"/>
-          </a:lnRef>
-          <a:fillRef idx="1">
-            <a:schemeClr val="lt1"/>
-          </a:fillRef>
-          <a:effectRef idx="0">
-            <a:schemeClr val="accent6"/>
-          </a:effectRef>
-          <a:fontRef idx="minor">
-            <a:schemeClr val="dk1"/>
-          </a:fontRef>
-        </p:style>
-        <p:txBody>
-          <a:bodyPr rtlCol="0" anchor="ctr"/>
-          <a:lstStyle/>
-          <a:p>
-            <a:pPr marL="0" marR="0" lvl="0" indent="0" algn="ctr" defTabSz="914400" rtl="0" eaLnBrk="1" fontAlgn="auto" latinLnBrk="0" hangingPunct="1">
-              <a:lnSpc>
-                <a:spcPct val="100000"/>
-              </a:lnSpc>
-              <a:spcBef>
-                <a:spcPts val="0"/>
-              </a:spcBef>
-              <a:spcAft>
-                <a:spcPts val="0"/>
-              </a:spcAft>
-              <a:buClrTx/>
-              <a:buSzTx/>
-              <a:buFontTx/>
-              <a:buNone/>
-              <a:tabLst/>
-              <a:defRPr/>
-            </a:pPr>
-            <a:endParaRPr kumimoji="1" lang="ja-JP" altLang="en-US" sz="1800" b="0" i="0" u="none" strike="noStrike" kern="1200" cap="none" spc="0" normalizeH="0" baseline="0" noProof="0" dirty="0">
-              <a:ln>
-                <a:noFill/>
-              </a:ln>
-              <a:solidFill>
-                <a:prstClr val="black"/>
-              </a:solidFill>
-              <a:effectLst/>
-              <a:uLnTx/>
-              <a:uFillTx/>
-              <a:latin typeface="游ゴシック" panose="020F0502020204030204"/>
-              <a:ea typeface="游ゴシック" panose="020B0400000000000000" pitchFamily="50" charset="-128"/>
-              <a:cs typeface="+mn-cs"/>
-            </a:endParaRPr>
-          </a:p>
-        </p:txBody>
-      </p:sp>
-      <p:sp>
-        <p:nvSpPr>
-          <p:cNvPr id="78" name="テキスト ボックス 77">
-            <a:extLst>
-              <a:ext uri="{FF2B5EF4-FFF2-40B4-BE49-F238E27FC236}">
-                <a16:creationId xmlns:a16="http://schemas.microsoft.com/office/drawing/2014/main" id="{8C850D47-5226-8B83-B7E8-656F4ECCAF71}"/>
-              </a:ext>
-            </a:extLst>
-          </p:cNvPr>
-          <p:cNvSpPr txBox="1"/>
-          <p:nvPr/>
-        </p:nvSpPr>
-        <p:spPr>
-          <a:xfrm>
-            <a:off x="6445131" y="2781091"/>
-            <a:ext cx="1328327" cy="369332"/>
-          </a:xfrm>
-          <a:prstGeom prst="rect">
-            <a:avLst/>
-          </a:prstGeom>
-          <a:noFill/>
-        </p:spPr>
-        <p:txBody>
-          <a:bodyPr wrap="square" rtlCol="0">
-            <a:spAutoFit/>
-          </a:bodyPr>
-          <a:lstStyle/>
-          <a:p>
-            <a:pPr marL="0" marR="0" lvl="0" indent="0" algn="ctr" defTabSz="914400" rtl="0" eaLnBrk="1" fontAlgn="auto" latinLnBrk="0" hangingPunct="1">
-              <a:lnSpc>
-                <a:spcPct val="100000"/>
-              </a:lnSpc>
-              <a:spcBef>
-                <a:spcPts val="0"/>
-              </a:spcBef>
-              <a:spcAft>
-                <a:spcPts val="0"/>
-              </a:spcAft>
-              <a:buClrTx/>
-              <a:buSzTx/>
-              <a:buFontTx/>
-              <a:buNone/>
-              <a:tabLst/>
-              <a:defRPr/>
-            </a:pPr>
-            <a:r>
-              <a:rPr kumimoji="1" lang="ja-JP" altLang="en-US" b="0" i="0" u="none" strike="noStrike" kern="1200" cap="none" spc="0" normalizeH="0" baseline="0" noProof="0" dirty="0">
-                <a:ln>
-                  <a:noFill/>
-                </a:ln>
-                <a:solidFill>
-                  <a:prstClr val="black"/>
-                </a:solidFill>
-                <a:effectLst/>
-                <a:uLnTx/>
-                <a:uFillTx/>
-                <a:latin typeface="游ゴシック" panose="020F0502020204030204"/>
-                <a:ea typeface="游ゴシック" panose="020B0400000000000000" pitchFamily="50" charset="-128"/>
-                <a:cs typeface="+mn-cs"/>
-              </a:rPr>
-              <a:t>プラント</a:t>
-            </a:r>
-            <a:r>
-              <a:rPr kumimoji="1" lang="en-US" altLang="ja-JP" b="0" i="0" u="none" strike="noStrike" kern="1200" cap="none" spc="0" normalizeH="0" baseline="0" noProof="0" dirty="0">
-                <a:ln>
-                  <a:noFill/>
-                </a:ln>
-                <a:solidFill>
-                  <a:prstClr val="black"/>
-                </a:solidFill>
-                <a:effectLst/>
-                <a:uLnTx/>
-                <a:uFillTx/>
-                <a:latin typeface="游ゴシック" panose="020F0502020204030204"/>
-                <a:ea typeface="游ゴシック" panose="020B0400000000000000" pitchFamily="50" charset="-128"/>
-                <a:cs typeface="+mn-cs"/>
-              </a:rPr>
-              <a:t>A</a:t>
-            </a:r>
-          </a:p>
-        </p:txBody>
-      </p:sp>
-      <p:cxnSp>
-        <p:nvCxnSpPr>
-          <p:cNvPr id="79" name="直線矢印コネクタ 78">
-            <a:extLst>
-              <a:ext uri="{FF2B5EF4-FFF2-40B4-BE49-F238E27FC236}">
-                <a16:creationId xmlns:a16="http://schemas.microsoft.com/office/drawing/2014/main" id="{E225C1D3-3AF1-6F3D-0292-6AF0F29A0E03}"/>
-              </a:ext>
-            </a:extLst>
-          </p:cNvPr>
-          <p:cNvCxnSpPr>
-            <a:cxnSpLocks/>
-            <a:stCxn id="80" idx="4"/>
-          </p:cNvCxnSpPr>
-          <p:nvPr/>
-        </p:nvCxnSpPr>
-        <p:spPr>
-          <a:xfrm flipH="1">
-            <a:off x="7044994" y="911253"/>
-            <a:ext cx="14559" cy="1812224"/>
-          </a:xfrm>
-          <a:prstGeom prst="straightConnector1">
-            <a:avLst/>
-          </a:prstGeom>
-          <a:ln w="28575">
-            <a:solidFill>
-              <a:schemeClr val="accent6"/>
-            </a:solidFill>
-            <a:prstDash val="solid"/>
-            <a:tailEnd type="triangle"/>
-          </a:ln>
-        </p:spPr>
-        <p:style>
-          <a:lnRef idx="1">
-            <a:schemeClr val="dk1"/>
-          </a:lnRef>
-          <a:fillRef idx="0">
-            <a:schemeClr val="dk1"/>
-          </a:fillRef>
-          <a:effectRef idx="0">
-            <a:schemeClr val="dk1"/>
-          </a:effectRef>
-          <a:fontRef idx="minor">
-            <a:schemeClr val="tx1"/>
-          </a:fontRef>
-        </p:style>
-      </p:cxnSp>
-      <p:sp>
-        <p:nvSpPr>
-          <p:cNvPr id="80" name="楕円 79">
-            <a:extLst>
-              <a:ext uri="{FF2B5EF4-FFF2-40B4-BE49-F238E27FC236}">
-                <a16:creationId xmlns:a16="http://schemas.microsoft.com/office/drawing/2014/main" id="{A9D9295B-B578-8988-6403-4FEFE9344605}"/>
-              </a:ext>
-            </a:extLst>
-          </p:cNvPr>
-          <p:cNvSpPr/>
-          <p:nvPr/>
-        </p:nvSpPr>
-        <p:spPr>
-          <a:xfrm>
-            <a:off x="6982496" y="766266"/>
-            <a:ext cx="154113" cy="144987"/>
-          </a:xfrm>
-          <a:prstGeom prst="ellipse">
-            <a:avLst/>
-          </a:prstGeom>
-          <a:solidFill>
-            <a:schemeClr val="accent6"/>
-          </a:solidFill>
-          <a:ln>
-            <a:solidFill>
-              <a:schemeClr val="accent6">
-                <a:lumMod val="75000"/>
-              </a:schemeClr>
-            </a:solidFill>
-          </a:ln>
-        </p:spPr>
-        <p:style>
-          <a:lnRef idx="2">
-            <a:schemeClr val="accent1">
-              <a:shade val="50000"/>
-            </a:schemeClr>
-          </a:lnRef>
-          <a:fillRef idx="1">
-            <a:schemeClr val="accent1"/>
-          </a:fillRef>
-          <a:effectRef idx="0">
-            <a:schemeClr val="accent1"/>
-          </a:effectRef>
-          <a:fontRef idx="minor">
-            <a:schemeClr val="lt1"/>
-          </a:fontRef>
-        </p:style>
-        <p:txBody>
-          <a:bodyPr rtlCol="0" anchor="ctr"/>
-          <a:lstStyle/>
-          <a:p>
-            <a:pPr algn="ctr"/>
-            <a:endParaRPr kumimoji="1" lang="ja-JP" altLang="en-US"/>
-          </a:p>
-        </p:txBody>
-      </p:sp>
-      <p:sp>
-        <p:nvSpPr>
-          <p:cNvPr id="81" name="楕円 80">
-            <a:extLst>
-              <a:ext uri="{FF2B5EF4-FFF2-40B4-BE49-F238E27FC236}">
-                <a16:creationId xmlns:a16="http://schemas.microsoft.com/office/drawing/2014/main" id="{7BF69573-7207-944C-C575-7EFD1F37F9B5}"/>
-              </a:ext>
-            </a:extLst>
-          </p:cNvPr>
-          <p:cNvSpPr/>
-          <p:nvPr/>
-        </p:nvSpPr>
-        <p:spPr>
-          <a:xfrm>
-            <a:off x="7422569" y="1925524"/>
-            <a:ext cx="154113" cy="144987"/>
-          </a:xfrm>
-          <a:prstGeom prst="ellipse">
-            <a:avLst/>
-          </a:prstGeom>
-          <a:solidFill>
-            <a:srgbClr val="7030A0"/>
-          </a:solidFill>
-          <a:ln>
-            <a:solidFill>
-              <a:srgbClr val="002060"/>
-            </a:solidFill>
-          </a:ln>
-        </p:spPr>
-        <p:style>
-          <a:lnRef idx="2">
-            <a:schemeClr val="accent1">
-              <a:shade val="50000"/>
-            </a:schemeClr>
-          </a:lnRef>
-          <a:fillRef idx="1">
-            <a:schemeClr val="accent1"/>
-          </a:fillRef>
-          <a:effectRef idx="0">
-            <a:schemeClr val="accent1"/>
-          </a:effectRef>
-          <a:fontRef idx="minor">
-            <a:schemeClr val="lt1"/>
-          </a:fontRef>
-        </p:style>
-        <p:txBody>
-          <a:bodyPr rtlCol="0" anchor="ctr"/>
-          <a:lstStyle/>
-          <a:p>
-            <a:pPr algn="ctr"/>
-            <a:endParaRPr kumimoji="1" lang="ja-JP" altLang="en-US"/>
-          </a:p>
-        </p:txBody>
-      </p:sp>
-      <p:cxnSp>
-        <p:nvCxnSpPr>
-          <p:cNvPr id="82" name="直線矢印コネクタ 81">
-            <a:extLst>
-              <a:ext uri="{FF2B5EF4-FFF2-40B4-BE49-F238E27FC236}">
-                <a16:creationId xmlns:a16="http://schemas.microsoft.com/office/drawing/2014/main" id="{1ACC3EDF-2574-EB09-F6A4-6AFB79D84666}"/>
-              </a:ext>
-            </a:extLst>
-          </p:cNvPr>
-          <p:cNvCxnSpPr>
-            <a:cxnSpLocks/>
-          </p:cNvCxnSpPr>
-          <p:nvPr/>
-        </p:nvCxnSpPr>
-        <p:spPr>
-          <a:xfrm flipH="1" flipV="1">
-            <a:off x="7498338" y="2070511"/>
-            <a:ext cx="8233" cy="649537"/>
-          </a:xfrm>
-          <a:prstGeom prst="straightConnector1">
-            <a:avLst/>
-          </a:prstGeom>
-          <a:ln w="28575">
-            <a:solidFill>
-              <a:srgbClr val="7030A0"/>
-            </a:solidFill>
-            <a:prstDash val="solid"/>
-            <a:tailEnd type="triangle"/>
-          </a:ln>
-        </p:spPr>
-        <p:style>
-          <a:lnRef idx="1">
-            <a:schemeClr val="dk1"/>
-          </a:lnRef>
-          <a:fillRef idx="0">
-            <a:schemeClr val="dk1"/>
-          </a:fillRef>
-          <a:effectRef idx="0">
-            <a:schemeClr val="dk1"/>
-          </a:effectRef>
-          <a:fontRef idx="minor">
-            <a:schemeClr val="tx1"/>
-          </a:fontRef>
-        </p:style>
-      </p:cxnSp>
-      <p:sp>
-        <p:nvSpPr>
-          <p:cNvPr id="83" name="楕円 82">
-            <a:extLst>
-              <a:ext uri="{FF2B5EF4-FFF2-40B4-BE49-F238E27FC236}">
-                <a16:creationId xmlns:a16="http://schemas.microsoft.com/office/drawing/2014/main" id="{D42FB67F-3982-344B-9B31-21F626D36FE3}"/>
-              </a:ext>
-            </a:extLst>
-          </p:cNvPr>
-          <p:cNvSpPr/>
-          <p:nvPr/>
-        </p:nvSpPr>
-        <p:spPr>
-          <a:xfrm>
-            <a:off x="6527006" y="1307365"/>
-            <a:ext cx="154113" cy="144987"/>
-          </a:xfrm>
-          <a:prstGeom prst="ellipse">
-            <a:avLst/>
-          </a:prstGeom>
-          <a:solidFill>
-            <a:schemeClr val="accent1"/>
-          </a:solidFill>
-          <a:ln>
-            <a:solidFill>
-              <a:schemeClr val="accent1">
-                <a:lumMod val="75000"/>
-              </a:schemeClr>
-            </a:solidFill>
-          </a:ln>
-        </p:spPr>
-        <p:style>
-          <a:lnRef idx="2">
-            <a:schemeClr val="accent1">
-              <a:shade val="50000"/>
-            </a:schemeClr>
-          </a:lnRef>
-          <a:fillRef idx="1">
-            <a:schemeClr val="accent1"/>
-          </a:fillRef>
-          <a:effectRef idx="0">
-            <a:schemeClr val="accent1"/>
-          </a:effectRef>
-          <a:fontRef idx="minor">
-            <a:schemeClr val="lt1"/>
-          </a:fontRef>
-        </p:style>
-        <p:txBody>
-          <a:bodyPr rtlCol="0" anchor="ctr"/>
-          <a:lstStyle/>
-          <a:p>
-            <a:pPr algn="ctr"/>
-            <a:endParaRPr kumimoji="1" lang="ja-JP" altLang="en-US"/>
-          </a:p>
-        </p:txBody>
-      </p:sp>
-      <p:cxnSp>
-        <p:nvCxnSpPr>
-          <p:cNvPr id="84" name="直線矢印コネクタ 83">
-            <a:extLst>
-              <a:ext uri="{FF2B5EF4-FFF2-40B4-BE49-F238E27FC236}">
-                <a16:creationId xmlns:a16="http://schemas.microsoft.com/office/drawing/2014/main" id="{ADD7EADD-50FA-4ED0-D5D0-266FE7D2524A}"/>
-              </a:ext>
-            </a:extLst>
-          </p:cNvPr>
-          <p:cNvCxnSpPr>
-            <a:cxnSpLocks/>
-            <a:stCxn id="83" idx="4"/>
-          </p:cNvCxnSpPr>
-          <p:nvPr/>
-        </p:nvCxnSpPr>
-        <p:spPr>
-          <a:xfrm>
-            <a:off x="6604063" y="1452352"/>
-            <a:ext cx="9975" cy="1267696"/>
-          </a:xfrm>
-          <a:prstGeom prst="straightConnector1">
-            <a:avLst/>
-          </a:prstGeom>
-          <a:ln w="28575">
-            <a:solidFill>
-              <a:schemeClr val="accent1"/>
-            </a:solidFill>
-            <a:prstDash val="solid"/>
-            <a:tailEnd type="triangle"/>
-          </a:ln>
-        </p:spPr>
-        <p:style>
-          <a:lnRef idx="1">
-            <a:schemeClr val="dk1"/>
-          </a:lnRef>
-          <a:fillRef idx="0">
-            <a:schemeClr val="dk1"/>
-          </a:fillRef>
-          <a:effectRef idx="0">
-            <a:schemeClr val="dk1"/>
-          </a:effectRef>
-          <a:fontRef idx="minor">
-            <a:schemeClr val="tx1"/>
-          </a:fontRef>
-        </p:style>
-      </p:cxnSp>
-      <p:cxnSp>
-        <p:nvCxnSpPr>
-          <p:cNvPr id="93" name="コネクタ: カギ線 92">
-            <a:extLst>
-              <a:ext uri="{FF2B5EF4-FFF2-40B4-BE49-F238E27FC236}">
-                <a16:creationId xmlns:a16="http://schemas.microsoft.com/office/drawing/2014/main" id="{F1559553-794B-DEEE-9A4F-47448F32CABD}"/>
-              </a:ext>
-            </a:extLst>
-          </p:cNvPr>
-          <p:cNvCxnSpPr>
-            <a:cxnSpLocks/>
-            <a:stCxn id="15" idx="2"/>
-            <a:endCxn id="3" idx="2"/>
-          </p:cNvCxnSpPr>
-          <p:nvPr/>
-        </p:nvCxnSpPr>
-        <p:spPr>
-          <a:xfrm rot="5400000" flipH="1" flipV="1">
-            <a:off x="4478048" y="2284262"/>
-            <a:ext cx="38288" cy="1777467"/>
-          </a:xfrm>
-          <a:prstGeom prst="bentConnector3">
-            <a:avLst>
-              <a:gd name="adj1" fmla="val -1402076"/>
-            </a:avLst>
           </a:prstGeom>
           <a:ln>
             <a:solidFill>
@@ -33492,58 +33919,12 @@
           </a:fontRef>
         </p:style>
       </p:cxnSp>
-      <p:cxnSp>
-        <p:nvCxnSpPr>
-          <p:cNvPr id="101" name="コネクタ: カギ線 100">
-            <a:extLst>
-              <a:ext uri="{FF2B5EF4-FFF2-40B4-BE49-F238E27FC236}">
-                <a16:creationId xmlns:a16="http://schemas.microsoft.com/office/drawing/2014/main" id="{F0C3C40A-2DFA-C037-3D24-8DB665EA7114}"/>
-              </a:ext>
-            </a:extLst>
-          </p:cNvPr>
-          <p:cNvCxnSpPr>
-            <a:cxnSpLocks/>
-          </p:cNvCxnSpPr>
-          <p:nvPr/>
-        </p:nvCxnSpPr>
-        <p:spPr>
-          <a:xfrm rot="5400000" flipH="1" flipV="1">
-            <a:off x="5362699" y="1408308"/>
-            <a:ext cx="5534" cy="3487657"/>
-          </a:xfrm>
-          <a:prstGeom prst="bentConnector3">
-            <a:avLst>
-              <a:gd name="adj1" fmla="val -10443133"/>
-            </a:avLst>
-          </a:prstGeom>
-          <a:ln>
-            <a:solidFill>
-              <a:schemeClr val="tx1"/>
-            </a:solidFill>
-            <a:tailEnd type="triangle"/>
-          </a:ln>
-        </p:spPr>
-        <p:style>
-          <a:lnRef idx="1">
-            <a:schemeClr val="accent1"/>
-          </a:lnRef>
-          <a:fillRef idx="0">
-            <a:schemeClr val="accent1"/>
-          </a:fillRef>
-          <a:effectRef idx="0">
-            <a:schemeClr val="accent1"/>
-          </a:effectRef>
-          <a:fontRef idx="minor">
-            <a:schemeClr val="tx1"/>
-          </a:fontRef>
-        </p:style>
-      </p:cxnSp>
-      <p:sp>
-        <p:nvSpPr>
-          <p:cNvPr id="105" name="テキスト ボックス 104">
-            <a:extLst>
-              <a:ext uri="{FF2B5EF4-FFF2-40B4-BE49-F238E27FC236}">
-                <a16:creationId xmlns:a16="http://schemas.microsoft.com/office/drawing/2014/main" id="{1A560BC1-2F78-E61D-F03C-13FB458FF972}"/>
+      <p:sp>
+        <p:nvSpPr>
+          <p:cNvPr id="38" name="テキスト ボックス 37">
+            <a:extLst>
+              <a:ext uri="{FF2B5EF4-FFF2-40B4-BE49-F238E27FC236}">
+                <a16:creationId xmlns:a16="http://schemas.microsoft.com/office/drawing/2014/main" id="{AFC889C7-23FC-152B-F832-23A064B7B7A9}"/>
               </a:ext>
             </a:extLst>
           </p:cNvPr>
@@ -33552,8 +33933,8 @@
         </p:nvSpPr>
         <p:spPr>
           <a:xfrm>
-            <a:off x="4191981" y="3395078"/>
-            <a:ext cx="749805" cy="369332"/>
+            <a:off x="8052148" y="3451985"/>
+            <a:ext cx="1454541" cy="338554"/>
           </a:xfrm>
           <a:prstGeom prst="rect">
             <a:avLst/>
@@ -33584,16 +33965,16 @@
               <a:defRPr/>
             </a:pPr>
             <a:r>
-              <a:rPr lang="ja-JP" altLang="en-US" dirty="0">
+              <a:rPr lang="ja-JP" altLang="en-US" sz="1600" dirty="0">
                 <a:solidFill>
                   <a:prstClr val="black"/>
                 </a:solidFill>
                 <a:latin typeface="游ゴシック" panose="020F0502020204030204"/>
                 <a:ea typeface="游ゴシック" panose="020B0400000000000000" pitchFamily="50" charset="-128"/>
               </a:rPr>
-              <a:t>燃料</a:t>
-            </a:r>
-            <a:endParaRPr lang="en-US" altLang="ja-JP" dirty="0">
+              <a:t>風、太陽光</a:t>
+            </a:r>
+            <a:endParaRPr lang="en-US" altLang="ja-JP" sz="1600" dirty="0">
               <a:solidFill>
                 <a:prstClr val="black"/>
               </a:solidFill>
@@ -33603,121 +33984,12 @@
           </a:p>
         </p:txBody>
       </p:sp>
-      <p:cxnSp>
-        <p:nvCxnSpPr>
-          <p:cNvPr id="107" name="直線矢印コネクタ 106">
-            <a:extLst>
-              <a:ext uri="{FF2B5EF4-FFF2-40B4-BE49-F238E27FC236}">
-                <a16:creationId xmlns:a16="http://schemas.microsoft.com/office/drawing/2014/main" id="{B5CD82D2-C02F-6483-397C-6E92DE1424D5}"/>
-              </a:ext>
-            </a:extLst>
-          </p:cNvPr>
-          <p:cNvCxnSpPr>
-            <a:stCxn id="51" idx="2"/>
-          </p:cNvCxnSpPr>
-          <p:nvPr/>
-        </p:nvCxnSpPr>
-        <p:spPr>
-          <a:xfrm flipH="1">
-            <a:off x="1229245" y="3192140"/>
-            <a:ext cx="13891" cy="524333"/>
-          </a:xfrm>
-          <a:prstGeom prst="straightConnector1">
-            <a:avLst/>
-          </a:prstGeom>
-          <a:ln>
-            <a:solidFill>
-              <a:schemeClr val="tx1"/>
-            </a:solidFill>
-            <a:tailEnd type="triangle"/>
-          </a:ln>
-        </p:spPr>
-        <p:style>
-          <a:lnRef idx="1">
-            <a:schemeClr val="accent1"/>
-          </a:lnRef>
-          <a:fillRef idx="0">
-            <a:schemeClr val="accent1"/>
-          </a:fillRef>
-          <a:effectRef idx="0">
-            <a:schemeClr val="accent1"/>
-          </a:effectRef>
-          <a:fontRef idx="minor">
-            <a:schemeClr val="tx1"/>
-          </a:fontRef>
-        </p:style>
-      </p:cxnSp>
-      <p:sp>
-        <p:nvSpPr>
-          <p:cNvPr id="108" name="テキスト ボックス 107">
-            <a:extLst>
-              <a:ext uri="{FF2B5EF4-FFF2-40B4-BE49-F238E27FC236}">
-                <a16:creationId xmlns:a16="http://schemas.microsoft.com/office/drawing/2014/main" id="{7F6A2CB8-D19D-61A8-02C9-3AE53DDE7E0C}"/>
-              </a:ext>
-            </a:extLst>
-          </p:cNvPr>
-          <p:cNvSpPr txBox="1"/>
-          <p:nvPr/>
-        </p:nvSpPr>
-        <p:spPr>
-          <a:xfrm>
-            <a:off x="1158400" y="3347141"/>
-            <a:ext cx="749805" cy="369332"/>
-          </a:xfrm>
-          <a:prstGeom prst="rect">
-            <a:avLst/>
-          </a:prstGeom>
-          <a:noFill/>
-        </p:spPr>
-        <p:txBody>
-          <a:bodyPr wrap="square" rtlCol="0">
-            <a:spAutoFit/>
-          </a:bodyPr>
-          <a:lstStyle/>
-          <a:p>
-            <a:pPr marL="0" marR="0" lvl="0" indent="0" algn="ctr" defTabSz="914400" rtl="0" eaLnBrk="1" fontAlgn="auto" latinLnBrk="0" hangingPunct="1">
-              <a:lnSpc>
-                <a:spcPct val="100000"/>
-              </a:lnSpc>
-              <a:spcBef>
-                <a:spcPts val="0"/>
-              </a:spcBef>
-              <a:spcAft>
-                <a:spcPts val="0"/>
-              </a:spcAft>
-              <a:buClrTx/>
-              <a:buSzTx/>
-              <a:buFontTx/>
-              <a:buNone/>
-              <a:tabLst/>
-              <a:defRPr/>
-            </a:pPr>
-            <a:r>
-              <a:rPr lang="ja-JP" altLang="en-US" dirty="0">
-                <a:solidFill>
-                  <a:prstClr val="black"/>
-                </a:solidFill>
-                <a:latin typeface="游ゴシック" panose="020F0502020204030204"/>
-                <a:ea typeface="游ゴシック" panose="020B0400000000000000" pitchFamily="50" charset="-128"/>
-              </a:rPr>
-              <a:t>貯蔵</a:t>
-            </a:r>
-            <a:endParaRPr lang="en-US" altLang="ja-JP" dirty="0">
-              <a:solidFill>
-                <a:prstClr val="black"/>
-              </a:solidFill>
-              <a:latin typeface="游ゴシック" panose="020F0502020204030204"/>
-              <a:ea typeface="游ゴシック" panose="020B0400000000000000" pitchFamily="50" charset="-128"/>
-            </a:endParaRPr>
-          </a:p>
-        </p:txBody>
-      </p:sp>
-      <p:sp>
-        <p:nvSpPr>
-          <p:cNvPr id="112" name="四角形: 角を丸くする 111">
-            <a:extLst>
-              <a:ext uri="{FF2B5EF4-FFF2-40B4-BE49-F238E27FC236}">
-                <a16:creationId xmlns:a16="http://schemas.microsoft.com/office/drawing/2014/main" id="{D1292EB1-6D3C-CC1E-3682-E9CE683C42C6}"/>
+      <p:sp>
+        <p:nvSpPr>
+          <p:cNvPr id="40" name="四角形: 角を丸くする 39">
+            <a:extLst>
+              <a:ext uri="{FF2B5EF4-FFF2-40B4-BE49-F238E27FC236}">
+                <a16:creationId xmlns:a16="http://schemas.microsoft.com/office/drawing/2014/main" id="{8A97B489-B9FB-61E7-9EBD-BAB8A20D071D}"/>
               </a:ext>
             </a:extLst>
           </p:cNvPr>
@@ -33726,8 +33998,8 @@
         </p:nvSpPr>
         <p:spPr>
           <a:xfrm>
-            <a:off x="801384" y="4038864"/>
-            <a:ext cx="2104736" cy="474615"/>
+            <a:off x="8523506" y="4282030"/>
+            <a:ext cx="1378341" cy="472094"/>
           </a:xfrm>
           <a:prstGeom prst="roundRect">
             <a:avLst/>
@@ -33735,7 +34007,7 @@
           <a:noFill/>
           <a:ln w="38100">
             <a:solidFill>
-              <a:schemeClr val="accent2"/>
+              <a:srgbClr val="FFC000"/>
             </a:solidFill>
           </a:ln>
         </p:spPr>
@@ -33793,10 +34065,10 @@
       </p:sp>
       <p:sp>
         <p:nvSpPr>
-          <p:cNvPr id="113" name="テキスト ボックス 112">
-            <a:extLst>
-              <a:ext uri="{FF2B5EF4-FFF2-40B4-BE49-F238E27FC236}">
-                <a16:creationId xmlns:a16="http://schemas.microsoft.com/office/drawing/2014/main" id="{2615DD45-3040-D0ED-B79C-E7010F2E5D2E}"/>
+          <p:cNvPr id="42" name="テキスト ボックス 41">
+            <a:extLst>
+              <a:ext uri="{FF2B5EF4-FFF2-40B4-BE49-F238E27FC236}">
+                <a16:creationId xmlns:a16="http://schemas.microsoft.com/office/drawing/2014/main" id="{40BECDE2-ECB2-6953-B849-DEB222E2CBED}"/>
               </a:ext>
             </a:extLst>
           </p:cNvPr>
@@ -33805,7 +34077,7 @@
         </p:nvSpPr>
         <p:spPr>
           <a:xfrm>
-            <a:off x="1184338" y="4091505"/>
+            <a:off x="8538264" y="4349278"/>
             <a:ext cx="1338828" cy="369332"/>
           </a:xfrm>
           <a:prstGeom prst="rect">
@@ -33837,16 +34109,88 @@
               <a:defRPr/>
             </a:pPr>
             <a:r>
-              <a:rPr lang="ja-JP" altLang="en-US" dirty="0">
+              <a:rPr kumimoji="1" lang="ja-JP" altLang="en-US" sz="1800" b="0" i="0" u="none" strike="noStrike" kern="1200" cap="none" spc="0" normalizeH="0" baseline="0" noProof="0" dirty="0">
+                <a:ln>
+                  <a:noFill/>
+                </a:ln>
                 <a:solidFill>
                   <a:prstClr val="black"/>
                 </a:solidFill>
+                <a:effectLst/>
+                <a:uLnTx/>
+                <a:uFillTx/>
                 <a:latin typeface="游ゴシック" panose="020F0502020204030204"/>
                 <a:ea typeface="游ゴシック" panose="020B0400000000000000" pitchFamily="50" charset="-128"/>
+                <a:cs typeface="+mn-cs"/>
               </a:rPr>
-              <a:t>情報フロー</a:t>
-            </a:r>
-            <a:endParaRPr kumimoji="1" lang="ja-JP" altLang="en-US" sz="1800" b="0" i="0" u="none" strike="noStrike" kern="1200" cap="none" spc="0" normalizeH="0" baseline="0" noProof="0" dirty="0">
+              <a:t>分散型電源</a:t>
+            </a:r>
+          </a:p>
+        </p:txBody>
+      </p:sp>
+      <p:sp>
+        <p:nvSpPr>
+          <p:cNvPr id="43" name="四角形: 角を丸くする 42">
+            <a:extLst>
+              <a:ext uri="{FF2B5EF4-FFF2-40B4-BE49-F238E27FC236}">
+                <a16:creationId xmlns:a16="http://schemas.microsoft.com/office/drawing/2014/main" id="{E00DA447-9D3F-3CEB-996A-788E293B81D4}"/>
+              </a:ext>
+            </a:extLst>
+          </p:cNvPr>
+          <p:cNvSpPr/>
+          <p:nvPr/>
+        </p:nvSpPr>
+        <p:spPr>
+          <a:xfrm>
+            <a:off x="8657244" y="5597989"/>
+            <a:ext cx="1155946" cy="474596"/>
+          </a:xfrm>
+          <a:prstGeom prst="roundRect">
+            <a:avLst/>
+          </a:prstGeom>
+          <a:noFill/>
+          <a:ln w="38100">
+            <a:solidFill>
+              <a:srgbClr val="FFC000"/>
+            </a:solidFill>
+          </a:ln>
+        </p:spPr>
+        <p:style>
+          <a:lnRef idx="2">
+            <a:schemeClr val="accent6"/>
+          </a:lnRef>
+          <a:fillRef idx="1">
+            <a:schemeClr val="lt1"/>
+          </a:fillRef>
+          <a:effectRef idx="0">
+            <a:schemeClr val="accent6"/>
+          </a:effectRef>
+          <a:fontRef idx="minor">
+            <a:schemeClr val="dk1"/>
+          </a:fontRef>
+        </p:style>
+        <p:txBody>
+          <a:bodyPr rtlCol="0" anchor="ctr"/>
+          <a:lstStyle/>
+          <a:p>
+            <a:pPr marL="0" marR="0" lvl="0" indent="0" algn="ctr" defTabSz="914400" rtl="0" eaLnBrk="1" fontAlgn="auto" latinLnBrk="0" hangingPunct="1">
+              <a:lnSpc>
+                <a:spcPct val="100000"/>
+              </a:lnSpc>
+              <a:spcBef>
+                <a:spcPts val="0"/>
+              </a:spcBef>
+              <a:spcAft>
+                <a:spcPts val="0"/>
+              </a:spcAft>
+              <a:buClrTx/>
+              <a:buSzTx/>
+              <a:buFontTx/>
+              <a:buNone/>
+              <a:tabLst/>
+              <a:defRPr/>
+            </a:pPr>
+            <a:endParaRPr kumimoji="1" lang="ja-JP" altLang="en-US" sz="1800" b="0" i="0" u="none" strike="noStrike" kern="1200" cap="none" spc="0" normalizeH="0" baseline="0" noProof="0">
               <a:ln>
                 <a:noFill/>
               </a:ln>
@@ -33863,6 +34207,117 @@
           </a:p>
         </p:txBody>
       </p:sp>
+      <p:sp>
+        <p:nvSpPr>
+          <p:cNvPr id="45" name="テキスト ボックス 44">
+            <a:extLst>
+              <a:ext uri="{FF2B5EF4-FFF2-40B4-BE49-F238E27FC236}">
+                <a16:creationId xmlns:a16="http://schemas.microsoft.com/office/drawing/2014/main" id="{EBEA81EE-8584-3B4E-E398-A84D2063D605}"/>
+              </a:ext>
+            </a:extLst>
+          </p:cNvPr>
+          <p:cNvSpPr txBox="1"/>
+          <p:nvPr/>
+        </p:nvSpPr>
+        <p:spPr>
+          <a:xfrm>
+            <a:off x="8897241" y="5654132"/>
+            <a:ext cx="646331" cy="369332"/>
+          </a:xfrm>
+          <a:prstGeom prst="rect">
+            <a:avLst/>
+          </a:prstGeom>
+          <a:noFill/>
+        </p:spPr>
+        <p:txBody>
+          <a:bodyPr wrap="none" rtlCol="0">
+            <a:spAutoFit/>
+          </a:bodyPr>
+          <a:lstStyle/>
+          <a:p>
+            <a:pPr marL="0" marR="0" lvl="0" indent="0" algn="l" defTabSz="914400" rtl="0" eaLnBrk="1" fontAlgn="auto" latinLnBrk="0" hangingPunct="1">
+              <a:lnSpc>
+                <a:spcPct val="100000"/>
+              </a:lnSpc>
+              <a:spcBef>
+                <a:spcPts val="0"/>
+              </a:spcBef>
+              <a:spcAft>
+                <a:spcPts val="0"/>
+              </a:spcAft>
+              <a:buClrTx/>
+              <a:buSzTx/>
+              <a:buFontTx/>
+              <a:buNone/>
+              <a:tabLst/>
+              <a:defRPr/>
+            </a:pPr>
+            <a:r>
+              <a:rPr kumimoji="1" lang="ja-JP" altLang="en-US" sz="1800" b="0" i="0" u="none" strike="noStrike" kern="1200" cap="none" spc="0" normalizeH="0" baseline="0" noProof="0" dirty="0">
+                <a:ln>
+                  <a:noFill/>
+                </a:ln>
+                <a:solidFill>
+                  <a:prstClr val="black"/>
+                </a:solidFill>
+                <a:effectLst/>
+                <a:uLnTx/>
+                <a:uFillTx/>
+                <a:latin typeface="游ゴシック" panose="020F0502020204030204"/>
+                <a:ea typeface="游ゴシック" panose="020B0400000000000000" pitchFamily="50" charset="-128"/>
+                <a:cs typeface="+mn-cs"/>
+              </a:rPr>
+              <a:t>住宅</a:t>
+            </a:r>
+          </a:p>
+        </p:txBody>
+      </p:sp>
+      <p:cxnSp>
+        <p:nvCxnSpPr>
+          <p:cNvPr id="50" name="コネクタ: カギ線 49">
+            <a:extLst>
+              <a:ext uri="{FF2B5EF4-FFF2-40B4-BE49-F238E27FC236}">
+                <a16:creationId xmlns:a16="http://schemas.microsoft.com/office/drawing/2014/main" id="{1586AA4B-C55A-791E-C569-F81416941AF1}"/>
+              </a:ext>
+            </a:extLst>
+          </p:cNvPr>
+          <p:cNvCxnSpPr>
+            <a:cxnSpLocks/>
+            <a:stCxn id="42" idx="1"/>
+            <a:endCxn id="112" idx="0"/>
+          </p:cNvCxnSpPr>
+          <p:nvPr/>
+        </p:nvCxnSpPr>
+        <p:spPr>
+          <a:xfrm rot="10800000" flipV="1">
+            <a:off x="7327770" y="4533944"/>
+            <a:ext cx="1210494" cy="420738"/>
+          </a:xfrm>
+          <a:prstGeom prst="bentConnector2">
+            <a:avLst/>
+          </a:prstGeom>
+          <a:ln w="28575">
+            <a:solidFill>
+              <a:schemeClr val="accent6"/>
+            </a:solidFill>
+            <a:tailEnd type="triangle"/>
+          </a:ln>
+        </p:spPr>
+        <p:style>
+          <a:lnRef idx="1">
+            <a:schemeClr val="accent1"/>
+          </a:lnRef>
+          <a:fillRef idx="0">
+            <a:schemeClr val="accent1"/>
+          </a:fillRef>
+          <a:effectRef idx="0">
+            <a:schemeClr val="accent1"/>
+          </a:effectRef>
+          <a:fontRef idx="minor">
+            <a:schemeClr val="tx1"/>
+          </a:fontRef>
+        </p:style>
+      </p:cxnSp>
     </p:spTree>
     <p:extLst>
       <p:ext uri="{BB962C8B-B14F-4D97-AF65-F5344CB8AC3E}">
@@ -56163,6 +56618,27 @@
 </file>
 
 <file path=customXml/item1.xml><?xml version="1.0" encoding="utf-8"?>
+<?mso-contentType ?>
+<FormTemplates xmlns="http://schemas.microsoft.com/sharepoint/v3/contenttype/forms">
+  <Display>DocumentLibraryForm</Display>
+  <Edit>DocumentLibraryForm</Edit>
+  <New>DocumentLibraryForm</New>
+</FormTemplates>
+</file>
+
+<file path=customXml/item2.xml><?xml version="1.0" encoding="utf-8"?>
+<p:properties xmlns:p="http://schemas.microsoft.com/office/2006/metadata/properties" xmlns:xsi="http://www.w3.org/2001/XMLSchema-instance" xmlns:pc="http://schemas.microsoft.com/office/infopath/2007/PartnerControls">
+  <documentManagement>
+    <TaxCatchAll xmlns="81fc14b4-71bb-4e24-af1f-81268ead5fc5" xsi:nil="true"/>
+    <lcf76f155ced4ddcb4097134ff3c332f xmlns="5eb64a1b-8fad-4f65-a74c-aa97feb3d6f8">
+      <Terms xmlns="http://schemas.microsoft.com/office/infopath/2007/PartnerControls"/>
+    </lcf76f155ced4ddcb4097134ff3c332f>
+    <_Flow_SignoffStatus xmlns="5eb64a1b-8fad-4f65-a74c-aa97feb3d6f8" xsi:nil="true"/>
+  </documentManagement>
+</p:properties>
+</file>
+
+<file path=customXml/item3.xml><?xml version="1.0" encoding="utf-8"?>
 <ct:contentTypeSchema xmlns:ct="http://schemas.microsoft.com/office/2006/metadata/contentType" xmlns:ma="http://schemas.microsoft.com/office/2006/metadata/properties/metaAttributes" ct:_="" ma:_="" ma:contentTypeName="ドキュメント" ma:contentTypeID="0x0101008E9251ACC367BF43AD047675A62F3001" ma:contentTypeVersion="14" ma:contentTypeDescription="新しいドキュメントを作成します。" ma:contentTypeScope="" ma:versionID="71a685740f3ce0f1b416677527af7889">
   <xsd:schema xmlns:xsd="http://www.w3.org/2001/XMLSchema" xmlns:xs="http://www.w3.org/2001/XMLSchema" xmlns:p="http://schemas.microsoft.com/office/2006/metadata/properties" xmlns:ns2="5eb64a1b-8fad-4f65-a74c-aa97feb3d6f8" xmlns:ns3="81fc14b4-71bb-4e24-af1f-81268ead5fc5" targetNamespace="http://schemas.microsoft.com/office/2006/metadata/properties" ma:root="true" ma:fieldsID="34653b90dbaae67bc8b859665a5e0402" ns2:_="" ns3:_="">
     <xsd:import namespace="5eb64a1b-8fad-4f65-a74c-aa97feb3d6f8"/>
@@ -56391,42 +56867,10 @@
 </ct:contentTypeSchema>
 </file>
 
-<file path=customXml/item2.xml><?xml version="1.0" encoding="utf-8"?>
-<p:properties xmlns:p="http://schemas.microsoft.com/office/2006/metadata/properties" xmlns:xsi="http://www.w3.org/2001/XMLSchema-instance" xmlns:pc="http://schemas.microsoft.com/office/infopath/2007/PartnerControls">
-  <documentManagement>
-    <TaxCatchAll xmlns="81fc14b4-71bb-4e24-af1f-81268ead5fc5" xsi:nil="true"/>
-    <lcf76f155ced4ddcb4097134ff3c332f xmlns="5eb64a1b-8fad-4f65-a74c-aa97feb3d6f8">
-      <Terms xmlns="http://schemas.microsoft.com/office/infopath/2007/PartnerControls"/>
-    </lcf76f155ced4ddcb4097134ff3c332f>
-    <_Flow_SignoffStatus xmlns="5eb64a1b-8fad-4f65-a74c-aa97feb3d6f8" xsi:nil="true"/>
-  </documentManagement>
-</p:properties>
-</file>
-
-<file path=customXml/item3.xml><?xml version="1.0" encoding="utf-8"?>
-<?mso-contentType ?>
-<FormTemplates xmlns="http://schemas.microsoft.com/sharepoint/v3/contenttype/forms">
-  <Display>DocumentLibraryForm</Display>
-  <Edit>DocumentLibraryForm</Edit>
-  <New>DocumentLibraryForm</New>
-</FormTemplates>
-</file>
-
 <file path=customXml/itemProps1.xml><?xml version="1.0" encoding="utf-8"?>
-<ds:datastoreItem xmlns:ds="http://schemas.openxmlformats.org/officeDocument/2006/customXml" ds:itemID="{EAAD66DE-245E-487A-852D-28B4DFD44D89}">
+<ds:datastoreItem xmlns:ds="http://schemas.openxmlformats.org/officeDocument/2006/customXml" ds:itemID="{96B5A098-BACF-46E4-B10D-9F255E87004F}">
   <ds:schemaRefs>
-    <ds:schemaRef ds:uri="5eb64a1b-8fad-4f65-a74c-aa97feb3d6f8"/>
-    <ds:schemaRef ds:uri="81fc14b4-71bb-4e24-af1f-81268ead5fc5"/>
-    <ds:schemaRef ds:uri="http://purl.org/dc/elements/1.1/"/>
-    <ds:schemaRef ds:uri="http://purl.org/dc/terms/"/>
-    <ds:schemaRef ds:uri="http://schemas.microsoft.com/internal/obd"/>
-    <ds:schemaRef ds:uri="http://schemas.microsoft.com/office/2006/documentManagement/types"/>
-    <ds:schemaRef ds:uri="http://schemas.microsoft.com/office/2006/metadata/contentType"/>
-    <ds:schemaRef ds:uri="http://schemas.microsoft.com/office/2006/metadata/properties"/>
-    <ds:schemaRef ds:uri="http://schemas.microsoft.com/office/2006/metadata/properties/metaAttributes"/>
-    <ds:schemaRef ds:uri="http://schemas.microsoft.com/office/infopath/2007/PartnerControls"/>
-    <ds:schemaRef ds:uri="http://schemas.openxmlformats.org/package/2006/metadata/core-properties"/>
-    <ds:schemaRef ds:uri="http://www.w3.org/2001/XMLSchema"/>
+    <ds:schemaRef ds:uri="http://schemas.microsoft.com/sharepoint/v3/contenttype/forms"/>
   </ds:schemaRefs>
 </ds:datastoreItem>
 </file>
@@ -56449,9 +56893,20 @@
 </file>
 
 <file path=customXml/itemProps3.xml><?xml version="1.0" encoding="utf-8"?>
-<ds:datastoreItem xmlns:ds="http://schemas.openxmlformats.org/officeDocument/2006/customXml" ds:itemID="{96B5A098-BACF-46E4-B10D-9F255E87004F}">
+<ds:datastoreItem xmlns:ds="http://schemas.openxmlformats.org/officeDocument/2006/customXml" ds:itemID="{EAAD66DE-245E-487A-852D-28B4DFD44D89}">
   <ds:schemaRefs>
-    <ds:schemaRef ds:uri="http://schemas.microsoft.com/sharepoint/v3/contenttype/forms"/>
+    <ds:schemaRef ds:uri="5eb64a1b-8fad-4f65-a74c-aa97feb3d6f8"/>
+    <ds:schemaRef ds:uri="81fc14b4-71bb-4e24-af1f-81268ead5fc5"/>
+    <ds:schemaRef ds:uri="http://purl.org/dc/elements/1.1/"/>
+    <ds:schemaRef ds:uri="http://purl.org/dc/terms/"/>
+    <ds:schemaRef ds:uri="http://schemas.microsoft.com/internal/obd"/>
+    <ds:schemaRef ds:uri="http://schemas.microsoft.com/office/2006/documentManagement/types"/>
+    <ds:schemaRef ds:uri="http://schemas.microsoft.com/office/2006/metadata/contentType"/>
+    <ds:schemaRef ds:uri="http://schemas.microsoft.com/office/2006/metadata/properties"/>
+    <ds:schemaRef ds:uri="http://schemas.microsoft.com/office/2006/metadata/properties/metaAttributes"/>
+    <ds:schemaRef ds:uri="http://schemas.microsoft.com/office/infopath/2007/PartnerControls"/>
+    <ds:schemaRef ds:uri="http://schemas.openxmlformats.org/package/2006/metadata/core-properties"/>
+    <ds:schemaRef ds:uri="http://www.w3.org/2001/XMLSchema"/>
   </ds:schemaRefs>
 </ds:datastoreItem>
 </file>
